--- a/2-harvest/Web_Harvesting.pptx
+++ b/2-harvest/Web_Harvesting.pptx
@@ -5,32 +5,36 @@
     <p:sldMasterId id="2147483654" r:id="rId1"/>
   </p:sldMasterIdLst>
   <p:notesMasterIdLst>
-    <p:notesMasterId r:id="rId25"/>
+    <p:notesMasterId r:id="rId29"/>
   </p:notesMasterIdLst>
   <p:sldIdLst>
     <p:sldId id="256" r:id="rId2"/>
     <p:sldId id="259" r:id="rId3"/>
     <p:sldId id="257" r:id="rId4"/>
-    <p:sldId id="279" r:id="rId5"/>
-    <p:sldId id="278" r:id="rId6"/>
-    <p:sldId id="269" r:id="rId7"/>
-    <p:sldId id="277" r:id="rId8"/>
-    <p:sldId id="263" r:id="rId9"/>
-    <p:sldId id="280" r:id="rId10"/>
-    <p:sldId id="281" r:id="rId11"/>
-    <p:sldId id="264" r:id="rId12"/>
-    <p:sldId id="282" r:id="rId13"/>
-    <p:sldId id="271" r:id="rId14"/>
-    <p:sldId id="273" r:id="rId15"/>
-    <p:sldId id="267" r:id="rId16"/>
-    <p:sldId id="274" r:id="rId17"/>
-    <p:sldId id="265" r:id="rId18"/>
-    <p:sldId id="283" r:id="rId19"/>
-    <p:sldId id="266" r:id="rId20"/>
-    <p:sldId id="270" r:id="rId21"/>
-    <p:sldId id="262" r:id="rId22"/>
-    <p:sldId id="260" r:id="rId23"/>
-    <p:sldId id="261" r:id="rId24"/>
+    <p:sldId id="287" r:id="rId5"/>
+    <p:sldId id="279" r:id="rId6"/>
+    <p:sldId id="285" r:id="rId7"/>
+    <p:sldId id="278" r:id="rId8"/>
+    <p:sldId id="269" r:id="rId9"/>
+    <p:sldId id="277" r:id="rId10"/>
+    <p:sldId id="263" r:id="rId11"/>
+    <p:sldId id="280" r:id="rId12"/>
+    <p:sldId id="281" r:id="rId13"/>
+    <p:sldId id="264" r:id="rId14"/>
+    <p:sldId id="282" r:id="rId15"/>
+    <p:sldId id="271" r:id="rId16"/>
+    <p:sldId id="273" r:id="rId17"/>
+    <p:sldId id="267" r:id="rId18"/>
+    <p:sldId id="274" r:id="rId19"/>
+    <p:sldId id="265" r:id="rId20"/>
+    <p:sldId id="283" r:id="rId21"/>
+    <p:sldId id="284" r:id="rId22"/>
+    <p:sldId id="286" r:id="rId23"/>
+    <p:sldId id="266" r:id="rId24"/>
+    <p:sldId id="270" r:id="rId25"/>
+    <p:sldId id="262" r:id="rId26"/>
+    <p:sldId id="260" r:id="rId27"/>
+    <p:sldId id="261" r:id="rId28"/>
   </p:sldIdLst>
   <p:sldSz cx="9144000" cy="6858000" type="screen4x3"/>
   <p:notesSz cx="7010400" cy="9236075"/>
@@ -1846,10 +1850,10 @@
               <a:buNone/>
             </a:pPr>
             <a:r>
-              <a:rPr lang="en-US"/>
+              <a:rPr lang="en-US" dirty="0"/>
               <a:t>Welcome. We are so happy you’re here.</a:t>
             </a:r>
-            <a:endParaRPr/>
+            <a:endParaRPr dirty="0"/>
           </a:p>
         </p:txBody>
       </p:sp>
@@ -2078,7 +2082,7 @@
     </p:spTree>
     <p:extLst>
       <p:ext uri="{BB962C8B-B14F-4D97-AF65-F5344CB8AC3E}">
-        <p14:creationId xmlns:p14="http://schemas.microsoft.com/office/powerpoint/2010/main" val="886460908"/>
+        <p14:creationId xmlns:p14="http://schemas.microsoft.com/office/powerpoint/2010/main" val="526544264"/>
       </p:ext>
     </p:extLst>
   </p:cSld>
@@ -2255,7 +2259,7 @@
     </p:spTree>
     <p:extLst>
       <p:ext uri="{BB962C8B-B14F-4D97-AF65-F5344CB8AC3E}">
-        <p14:creationId xmlns:p14="http://schemas.microsoft.com/office/powerpoint/2010/main" val="529940171"/>
+        <p14:creationId xmlns:p14="http://schemas.microsoft.com/office/powerpoint/2010/main" val="682799203"/>
       </p:ext>
     </p:extLst>
   </p:cSld>
@@ -2432,7 +2436,7 @@
     </p:spTree>
     <p:extLst>
       <p:ext uri="{BB962C8B-B14F-4D97-AF65-F5344CB8AC3E}">
-        <p14:creationId xmlns:p14="http://schemas.microsoft.com/office/powerpoint/2010/main" val="3355379262"/>
+        <p14:creationId xmlns:p14="http://schemas.microsoft.com/office/powerpoint/2010/main" val="886460908"/>
       </p:ext>
     </p:extLst>
   </p:cSld>
@@ -2609,7 +2613,7 @@
     </p:spTree>
     <p:extLst>
       <p:ext uri="{BB962C8B-B14F-4D97-AF65-F5344CB8AC3E}">
-        <p14:creationId xmlns:p14="http://schemas.microsoft.com/office/powerpoint/2010/main" val="1838953798"/>
+        <p14:creationId xmlns:p14="http://schemas.microsoft.com/office/powerpoint/2010/main" val="529940171"/>
       </p:ext>
     </p:extLst>
   </p:cSld>
@@ -2786,7 +2790,7 @@
     </p:spTree>
     <p:extLst>
       <p:ext uri="{BB962C8B-B14F-4D97-AF65-F5344CB8AC3E}">
-        <p14:creationId xmlns:p14="http://schemas.microsoft.com/office/powerpoint/2010/main" val="3591374359"/>
+        <p14:creationId xmlns:p14="http://schemas.microsoft.com/office/powerpoint/2010/main" val="3355379262"/>
       </p:ext>
     </p:extLst>
   </p:cSld>
@@ -2963,7 +2967,7 @@
     </p:spTree>
     <p:extLst>
       <p:ext uri="{BB962C8B-B14F-4D97-AF65-F5344CB8AC3E}">
-        <p14:creationId xmlns:p14="http://schemas.microsoft.com/office/powerpoint/2010/main" val="1255639500"/>
+        <p14:creationId xmlns:p14="http://schemas.microsoft.com/office/powerpoint/2010/main" val="1838953798"/>
       </p:ext>
     </p:extLst>
   </p:cSld>
@@ -3140,7 +3144,7 @@
     </p:spTree>
     <p:extLst>
       <p:ext uri="{BB962C8B-B14F-4D97-AF65-F5344CB8AC3E}">
-        <p14:creationId xmlns:p14="http://schemas.microsoft.com/office/powerpoint/2010/main" val="3611032597"/>
+        <p14:creationId xmlns:p14="http://schemas.microsoft.com/office/powerpoint/2010/main" val="3591374359"/>
       </p:ext>
     </p:extLst>
   </p:cSld>
@@ -3317,7 +3321,7 @@
     </p:spTree>
     <p:extLst>
       <p:ext uri="{BB962C8B-B14F-4D97-AF65-F5344CB8AC3E}">
-        <p14:creationId xmlns:p14="http://schemas.microsoft.com/office/powerpoint/2010/main" val="1170745705"/>
+        <p14:creationId xmlns:p14="http://schemas.microsoft.com/office/powerpoint/2010/main" val="1255639500"/>
       </p:ext>
     </p:extLst>
   </p:cSld>
@@ -3494,7 +3498,7 @@
     </p:spTree>
     <p:extLst>
       <p:ext uri="{BB962C8B-B14F-4D97-AF65-F5344CB8AC3E}">
-        <p14:creationId xmlns:p14="http://schemas.microsoft.com/office/powerpoint/2010/main" val="2257067765"/>
+        <p14:creationId xmlns:p14="http://schemas.microsoft.com/office/powerpoint/2010/main" val="3611032597"/>
       </p:ext>
     </p:extLst>
   </p:cSld>
@@ -3671,7 +3675,7 @@
     </p:spTree>
     <p:extLst>
       <p:ext uri="{BB962C8B-B14F-4D97-AF65-F5344CB8AC3E}">
-        <p14:creationId xmlns:p14="http://schemas.microsoft.com/office/powerpoint/2010/main" val="122006182"/>
+        <p14:creationId xmlns:p14="http://schemas.microsoft.com/office/powerpoint/2010/main" val="1170745705"/>
       </p:ext>
     </p:extLst>
   </p:cSld>
@@ -4025,7 +4029,7 @@
     </p:spTree>
     <p:extLst>
       <p:ext uri="{BB962C8B-B14F-4D97-AF65-F5344CB8AC3E}">
-        <p14:creationId xmlns:p14="http://schemas.microsoft.com/office/powerpoint/2010/main" val="478530239"/>
+        <p14:creationId xmlns:p14="http://schemas.microsoft.com/office/powerpoint/2010/main" val="2257067765"/>
       </p:ext>
     </p:extLst>
   </p:cSld>
@@ -4202,7 +4206,7 @@
     </p:spTree>
     <p:extLst>
       <p:ext uri="{BB962C8B-B14F-4D97-AF65-F5344CB8AC3E}">
-        <p14:creationId xmlns:p14="http://schemas.microsoft.com/office/powerpoint/2010/main" val="544066568"/>
+        <p14:creationId xmlns:p14="http://schemas.microsoft.com/office/powerpoint/2010/main" val="3004610137"/>
       </p:ext>
     </p:extLst>
   </p:cSld>
@@ -4379,7 +4383,7 @@
     </p:spTree>
     <p:extLst>
       <p:ext uri="{BB962C8B-B14F-4D97-AF65-F5344CB8AC3E}">
-        <p14:creationId xmlns:p14="http://schemas.microsoft.com/office/powerpoint/2010/main" val="589193051"/>
+        <p14:creationId xmlns:p14="http://schemas.microsoft.com/office/powerpoint/2010/main" val="930229875"/>
       </p:ext>
     </p:extLst>
   </p:cSld>
@@ -4548,6 +4552,714 @@
             <a:fld id="{00000000-1234-1234-1234-123412341234}" type="slidenum">
               <a:rPr lang="en-US"/>
               <a:t>23</a:t>
+            </a:fld>
+            <a:endParaRPr/>
+          </a:p>
+        </p:txBody>
+      </p:sp>
+    </p:spTree>
+    <p:extLst>
+      <p:ext uri="{BB962C8B-B14F-4D97-AF65-F5344CB8AC3E}">
+        <p14:creationId xmlns:p14="http://schemas.microsoft.com/office/powerpoint/2010/main" val="122006182"/>
+      </p:ext>
+    </p:extLst>
+  </p:cSld>
+  <p:clrMapOvr>
+    <a:masterClrMapping/>
+  </p:clrMapOvr>
+</p:notes>
+</file>
+
+<file path=ppt/notesSlides/notesSlide24.xml><?xml version="1.0" encoding="utf-8"?>
+<p:notes xmlns:a="http://schemas.openxmlformats.org/drawingml/2006/main" xmlns:r="http://schemas.openxmlformats.org/officeDocument/2006/relationships" xmlns:p="http://schemas.openxmlformats.org/presentationml/2006/main" showMasterSp="0" showMasterPhAnim="0">
+  <p:cSld>
+    <p:spTree>
+      <p:nvGrpSpPr>
+        <p:cNvPr id="1" name="Shape 52"/>
+        <p:cNvGrpSpPr/>
+        <p:nvPr/>
+      </p:nvGrpSpPr>
+      <p:grpSpPr>
+        <a:xfrm>
+          <a:off x="0" y="0"/>
+          <a:ext cx="0" cy="0"/>
+          <a:chOff x="0" y="0"/>
+          <a:chExt cx="0" cy="0"/>
+        </a:xfrm>
+      </p:grpSpPr>
+      <p:sp>
+        <p:nvSpPr>
+          <p:cNvPr id="53" name="Google Shape;53;p2:notes"/>
+          <p:cNvSpPr>
+            <a:spLocks noGrp="1" noRot="1" noChangeAspect="1"/>
+          </p:cNvSpPr>
+          <p:nvPr>
+            <p:ph type="sldImg" idx="2"/>
+          </p:nvPr>
+        </p:nvSpPr>
+        <p:spPr>
+          <a:xfrm>
+            <a:off x="1195388" y="692150"/>
+            <a:ext cx="4619625" cy="3463925"/>
+          </a:xfrm>
+          <a:custGeom>
+            <a:avLst/>
+            <a:gdLst/>
+            <a:ahLst/>
+            <a:cxnLst/>
+            <a:rect l="l" t="t" r="r" b="b"/>
+            <a:pathLst>
+              <a:path w="120000" h="120000" extrusionOk="0">
+                <a:moveTo>
+                  <a:pt x="0" y="0"/>
+                </a:moveTo>
+                <a:lnTo>
+                  <a:pt x="120000" y="0"/>
+                </a:lnTo>
+                <a:lnTo>
+                  <a:pt x="120000" y="120000"/>
+                </a:lnTo>
+                <a:lnTo>
+                  <a:pt x="0" y="120000"/>
+                </a:lnTo>
+                <a:close/>
+              </a:path>
+            </a:pathLst>
+          </a:custGeom>
+          <a:noFill/>
+          <a:ln w="12700" cap="flat" cmpd="sng">
+            <a:solidFill>
+              <a:srgbClr val="000000"/>
+            </a:solidFill>
+            <a:prstDash val="solid"/>
+            <a:round/>
+            <a:headEnd type="none" w="sm" len="sm"/>
+            <a:tailEnd type="none" w="sm" len="sm"/>
+          </a:ln>
+        </p:spPr>
+      </p:sp>
+      <p:sp>
+        <p:nvSpPr>
+          <p:cNvPr id="54" name="Google Shape;54;p2:notes"/>
+          <p:cNvSpPr txBox="1">
+            <a:spLocks noGrp="1"/>
+          </p:cNvSpPr>
+          <p:nvPr>
+            <p:ph type="body" idx="1"/>
+          </p:nvPr>
+        </p:nvSpPr>
+        <p:spPr>
+          <a:xfrm>
+            <a:off x="701040" y="4387136"/>
+            <a:ext cx="5608320" cy="4156234"/>
+          </a:xfrm>
+          <a:prstGeom prst="rect">
+            <a:avLst/>
+          </a:prstGeom>
+          <a:noFill/>
+          <a:ln>
+            <a:noFill/>
+          </a:ln>
+        </p:spPr>
+        <p:txBody>
+          <a:bodyPr spcFirstLastPara="1" wrap="square" lIns="93175" tIns="46575" rIns="93175" bIns="46575" anchor="t" anchorCtr="0">
+            <a:noAutofit/>
+          </a:bodyPr>
+          <a:lstStyle/>
+          <a:p>
+            <a:pPr marL="0" lvl="0" indent="0" algn="l" rtl="0">
+              <a:lnSpc>
+                <a:spcPct val="100000"/>
+              </a:lnSpc>
+              <a:spcBef>
+                <a:spcPts val="0"/>
+              </a:spcBef>
+              <a:spcAft>
+                <a:spcPts val="0"/>
+              </a:spcAft>
+              <a:buSzPts val="1400"/>
+              <a:buNone/>
+            </a:pPr>
+            <a:endParaRPr/>
+          </a:p>
+        </p:txBody>
+      </p:sp>
+      <p:sp>
+        <p:nvSpPr>
+          <p:cNvPr id="55" name="Google Shape;55;p2:notes"/>
+          <p:cNvSpPr txBox="1">
+            <a:spLocks noGrp="1"/>
+          </p:cNvSpPr>
+          <p:nvPr>
+            <p:ph type="sldNum" idx="12"/>
+          </p:nvPr>
+        </p:nvSpPr>
+        <p:spPr>
+          <a:xfrm>
+            <a:off x="3970938" y="8772669"/>
+            <a:ext cx="3037840" cy="461804"/>
+          </a:xfrm>
+          <a:prstGeom prst="rect">
+            <a:avLst/>
+          </a:prstGeom>
+          <a:noFill/>
+          <a:ln>
+            <a:noFill/>
+          </a:ln>
+        </p:spPr>
+        <p:txBody>
+          <a:bodyPr spcFirstLastPara="1" wrap="square" lIns="93175" tIns="46575" rIns="93175" bIns="46575" anchor="b" anchorCtr="0">
+            <a:noAutofit/>
+          </a:bodyPr>
+          <a:lstStyle/>
+          <a:p>
+            <a:pPr marL="0" lvl="0" indent="0" algn="r" rtl="0">
+              <a:lnSpc>
+                <a:spcPct val="100000"/>
+              </a:lnSpc>
+              <a:spcBef>
+                <a:spcPts val="0"/>
+              </a:spcBef>
+              <a:spcAft>
+                <a:spcPts val="0"/>
+              </a:spcAft>
+              <a:buSzPts val="1400"/>
+              <a:buNone/>
+            </a:pPr>
+            <a:fld id="{00000000-1234-1234-1234-123412341234}" type="slidenum">
+              <a:rPr lang="en-US"/>
+              <a:t>24</a:t>
+            </a:fld>
+            <a:endParaRPr/>
+          </a:p>
+        </p:txBody>
+      </p:sp>
+    </p:spTree>
+    <p:extLst>
+      <p:ext uri="{BB962C8B-B14F-4D97-AF65-F5344CB8AC3E}">
+        <p14:creationId xmlns:p14="http://schemas.microsoft.com/office/powerpoint/2010/main" val="478530239"/>
+      </p:ext>
+    </p:extLst>
+  </p:cSld>
+  <p:clrMapOvr>
+    <a:masterClrMapping/>
+  </p:clrMapOvr>
+</p:notes>
+</file>
+
+<file path=ppt/notesSlides/notesSlide25.xml><?xml version="1.0" encoding="utf-8"?>
+<p:notes xmlns:a="http://schemas.openxmlformats.org/drawingml/2006/main" xmlns:r="http://schemas.openxmlformats.org/officeDocument/2006/relationships" xmlns:p="http://schemas.openxmlformats.org/presentationml/2006/main" showMasterSp="0" showMasterPhAnim="0">
+  <p:cSld>
+    <p:spTree>
+      <p:nvGrpSpPr>
+        <p:cNvPr id="1" name="Shape 52"/>
+        <p:cNvGrpSpPr/>
+        <p:nvPr/>
+      </p:nvGrpSpPr>
+      <p:grpSpPr>
+        <a:xfrm>
+          <a:off x="0" y="0"/>
+          <a:ext cx="0" cy="0"/>
+          <a:chOff x="0" y="0"/>
+          <a:chExt cx="0" cy="0"/>
+        </a:xfrm>
+      </p:grpSpPr>
+      <p:sp>
+        <p:nvSpPr>
+          <p:cNvPr id="53" name="Google Shape;53;p2:notes"/>
+          <p:cNvSpPr>
+            <a:spLocks noGrp="1" noRot="1" noChangeAspect="1"/>
+          </p:cNvSpPr>
+          <p:nvPr>
+            <p:ph type="sldImg" idx="2"/>
+          </p:nvPr>
+        </p:nvSpPr>
+        <p:spPr>
+          <a:xfrm>
+            <a:off x="1195388" y="692150"/>
+            <a:ext cx="4619625" cy="3463925"/>
+          </a:xfrm>
+          <a:custGeom>
+            <a:avLst/>
+            <a:gdLst/>
+            <a:ahLst/>
+            <a:cxnLst/>
+            <a:rect l="l" t="t" r="r" b="b"/>
+            <a:pathLst>
+              <a:path w="120000" h="120000" extrusionOk="0">
+                <a:moveTo>
+                  <a:pt x="0" y="0"/>
+                </a:moveTo>
+                <a:lnTo>
+                  <a:pt x="120000" y="0"/>
+                </a:lnTo>
+                <a:lnTo>
+                  <a:pt x="120000" y="120000"/>
+                </a:lnTo>
+                <a:lnTo>
+                  <a:pt x="0" y="120000"/>
+                </a:lnTo>
+                <a:close/>
+              </a:path>
+            </a:pathLst>
+          </a:custGeom>
+          <a:noFill/>
+          <a:ln w="12700" cap="flat" cmpd="sng">
+            <a:solidFill>
+              <a:srgbClr val="000000"/>
+            </a:solidFill>
+            <a:prstDash val="solid"/>
+            <a:round/>
+            <a:headEnd type="none" w="sm" len="sm"/>
+            <a:tailEnd type="none" w="sm" len="sm"/>
+          </a:ln>
+        </p:spPr>
+      </p:sp>
+      <p:sp>
+        <p:nvSpPr>
+          <p:cNvPr id="54" name="Google Shape;54;p2:notes"/>
+          <p:cNvSpPr txBox="1">
+            <a:spLocks noGrp="1"/>
+          </p:cNvSpPr>
+          <p:nvPr>
+            <p:ph type="body" idx="1"/>
+          </p:nvPr>
+        </p:nvSpPr>
+        <p:spPr>
+          <a:xfrm>
+            <a:off x="701040" y="4387136"/>
+            <a:ext cx="5608320" cy="4156234"/>
+          </a:xfrm>
+          <a:prstGeom prst="rect">
+            <a:avLst/>
+          </a:prstGeom>
+          <a:noFill/>
+          <a:ln>
+            <a:noFill/>
+          </a:ln>
+        </p:spPr>
+        <p:txBody>
+          <a:bodyPr spcFirstLastPara="1" wrap="square" lIns="93175" tIns="46575" rIns="93175" bIns="46575" anchor="t" anchorCtr="0">
+            <a:noAutofit/>
+          </a:bodyPr>
+          <a:lstStyle/>
+          <a:p>
+            <a:pPr marL="0" lvl="0" indent="0" algn="l" rtl="0">
+              <a:lnSpc>
+                <a:spcPct val="100000"/>
+              </a:lnSpc>
+              <a:spcBef>
+                <a:spcPts val="0"/>
+              </a:spcBef>
+              <a:spcAft>
+                <a:spcPts val="0"/>
+              </a:spcAft>
+              <a:buSzPts val="1400"/>
+              <a:buNone/>
+            </a:pPr>
+            <a:endParaRPr/>
+          </a:p>
+        </p:txBody>
+      </p:sp>
+      <p:sp>
+        <p:nvSpPr>
+          <p:cNvPr id="55" name="Google Shape;55;p2:notes"/>
+          <p:cNvSpPr txBox="1">
+            <a:spLocks noGrp="1"/>
+          </p:cNvSpPr>
+          <p:nvPr>
+            <p:ph type="sldNum" idx="12"/>
+          </p:nvPr>
+        </p:nvSpPr>
+        <p:spPr>
+          <a:xfrm>
+            <a:off x="3970938" y="8772669"/>
+            <a:ext cx="3037840" cy="461804"/>
+          </a:xfrm>
+          <a:prstGeom prst="rect">
+            <a:avLst/>
+          </a:prstGeom>
+          <a:noFill/>
+          <a:ln>
+            <a:noFill/>
+          </a:ln>
+        </p:spPr>
+        <p:txBody>
+          <a:bodyPr spcFirstLastPara="1" wrap="square" lIns="93175" tIns="46575" rIns="93175" bIns="46575" anchor="b" anchorCtr="0">
+            <a:noAutofit/>
+          </a:bodyPr>
+          <a:lstStyle/>
+          <a:p>
+            <a:pPr marL="0" lvl="0" indent="0" algn="r" rtl="0">
+              <a:lnSpc>
+                <a:spcPct val="100000"/>
+              </a:lnSpc>
+              <a:spcBef>
+                <a:spcPts val="0"/>
+              </a:spcBef>
+              <a:spcAft>
+                <a:spcPts val="0"/>
+              </a:spcAft>
+              <a:buSzPts val="1400"/>
+              <a:buNone/>
+            </a:pPr>
+            <a:fld id="{00000000-1234-1234-1234-123412341234}" type="slidenum">
+              <a:rPr lang="en-US"/>
+              <a:t>25</a:t>
+            </a:fld>
+            <a:endParaRPr/>
+          </a:p>
+        </p:txBody>
+      </p:sp>
+    </p:spTree>
+    <p:extLst>
+      <p:ext uri="{BB962C8B-B14F-4D97-AF65-F5344CB8AC3E}">
+        <p14:creationId xmlns:p14="http://schemas.microsoft.com/office/powerpoint/2010/main" val="544066568"/>
+      </p:ext>
+    </p:extLst>
+  </p:cSld>
+  <p:clrMapOvr>
+    <a:masterClrMapping/>
+  </p:clrMapOvr>
+</p:notes>
+</file>
+
+<file path=ppt/notesSlides/notesSlide26.xml><?xml version="1.0" encoding="utf-8"?>
+<p:notes xmlns:a="http://schemas.openxmlformats.org/drawingml/2006/main" xmlns:r="http://schemas.openxmlformats.org/officeDocument/2006/relationships" xmlns:p="http://schemas.openxmlformats.org/presentationml/2006/main" showMasterSp="0" showMasterPhAnim="0">
+  <p:cSld>
+    <p:spTree>
+      <p:nvGrpSpPr>
+        <p:cNvPr id="1" name="Shape 52"/>
+        <p:cNvGrpSpPr/>
+        <p:nvPr/>
+      </p:nvGrpSpPr>
+      <p:grpSpPr>
+        <a:xfrm>
+          <a:off x="0" y="0"/>
+          <a:ext cx="0" cy="0"/>
+          <a:chOff x="0" y="0"/>
+          <a:chExt cx="0" cy="0"/>
+        </a:xfrm>
+      </p:grpSpPr>
+      <p:sp>
+        <p:nvSpPr>
+          <p:cNvPr id="53" name="Google Shape;53;p2:notes"/>
+          <p:cNvSpPr>
+            <a:spLocks noGrp="1" noRot="1" noChangeAspect="1"/>
+          </p:cNvSpPr>
+          <p:nvPr>
+            <p:ph type="sldImg" idx="2"/>
+          </p:nvPr>
+        </p:nvSpPr>
+        <p:spPr>
+          <a:xfrm>
+            <a:off x="1195388" y="692150"/>
+            <a:ext cx="4619625" cy="3463925"/>
+          </a:xfrm>
+          <a:custGeom>
+            <a:avLst/>
+            <a:gdLst/>
+            <a:ahLst/>
+            <a:cxnLst/>
+            <a:rect l="l" t="t" r="r" b="b"/>
+            <a:pathLst>
+              <a:path w="120000" h="120000" extrusionOk="0">
+                <a:moveTo>
+                  <a:pt x="0" y="0"/>
+                </a:moveTo>
+                <a:lnTo>
+                  <a:pt x="120000" y="0"/>
+                </a:lnTo>
+                <a:lnTo>
+                  <a:pt x="120000" y="120000"/>
+                </a:lnTo>
+                <a:lnTo>
+                  <a:pt x="0" y="120000"/>
+                </a:lnTo>
+                <a:close/>
+              </a:path>
+            </a:pathLst>
+          </a:custGeom>
+          <a:noFill/>
+          <a:ln w="12700" cap="flat" cmpd="sng">
+            <a:solidFill>
+              <a:srgbClr val="000000"/>
+            </a:solidFill>
+            <a:prstDash val="solid"/>
+            <a:round/>
+            <a:headEnd type="none" w="sm" len="sm"/>
+            <a:tailEnd type="none" w="sm" len="sm"/>
+          </a:ln>
+        </p:spPr>
+      </p:sp>
+      <p:sp>
+        <p:nvSpPr>
+          <p:cNvPr id="54" name="Google Shape;54;p2:notes"/>
+          <p:cNvSpPr txBox="1">
+            <a:spLocks noGrp="1"/>
+          </p:cNvSpPr>
+          <p:nvPr>
+            <p:ph type="body" idx="1"/>
+          </p:nvPr>
+        </p:nvSpPr>
+        <p:spPr>
+          <a:xfrm>
+            <a:off x="701040" y="4387136"/>
+            <a:ext cx="5608320" cy="4156234"/>
+          </a:xfrm>
+          <a:prstGeom prst="rect">
+            <a:avLst/>
+          </a:prstGeom>
+          <a:noFill/>
+          <a:ln>
+            <a:noFill/>
+          </a:ln>
+        </p:spPr>
+        <p:txBody>
+          <a:bodyPr spcFirstLastPara="1" wrap="square" lIns="93175" tIns="46575" rIns="93175" bIns="46575" anchor="t" anchorCtr="0">
+            <a:noAutofit/>
+          </a:bodyPr>
+          <a:lstStyle/>
+          <a:p>
+            <a:pPr marL="0" lvl="0" indent="0" algn="l" rtl="0">
+              <a:lnSpc>
+                <a:spcPct val="100000"/>
+              </a:lnSpc>
+              <a:spcBef>
+                <a:spcPts val="0"/>
+              </a:spcBef>
+              <a:spcAft>
+                <a:spcPts val="0"/>
+              </a:spcAft>
+              <a:buSzPts val="1400"/>
+              <a:buNone/>
+            </a:pPr>
+            <a:endParaRPr/>
+          </a:p>
+        </p:txBody>
+      </p:sp>
+      <p:sp>
+        <p:nvSpPr>
+          <p:cNvPr id="55" name="Google Shape;55;p2:notes"/>
+          <p:cNvSpPr txBox="1">
+            <a:spLocks noGrp="1"/>
+          </p:cNvSpPr>
+          <p:nvPr>
+            <p:ph type="sldNum" idx="12"/>
+          </p:nvPr>
+        </p:nvSpPr>
+        <p:spPr>
+          <a:xfrm>
+            <a:off x="3970938" y="8772669"/>
+            <a:ext cx="3037840" cy="461804"/>
+          </a:xfrm>
+          <a:prstGeom prst="rect">
+            <a:avLst/>
+          </a:prstGeom>
+          <a:noFill/>
+          <a:ln>
+            <a:noFill/>
+          </a:ln>
+        </p:spPr>
+        <p:txBody>
+          <a:bodyPr spcFirstLastPara="1" wrap="square" lIns="93175" tIns="46575" rIns="93175" bIns="46575" anchor="b" anchorCtr="0">
+            <a:noAutofit/>
+          </a:bodyPr>
+          <a:lstStyle/>
+          <a:p>
+            <a:pPr marL="0" lvl="0" indent="0" algn="r" rtl="0">
+              <a:lnSpc>
+                <a:spcPct val="100000"/>
+              </a:lnSpc>
+              <a:spcBef>
+                <a:spcPts val="0"/>
+              </a:spcBef>
+              <a:spcAft>
+                <a:spcPts val="0"/>
+              </a:spcAft>
+              <a:buSzPts val="1400"/>
+              <a:buNone/>
+            </a:pPr>
+            <a:fld id="{00000000-1234-1234-1234-123412341234}" type="slidenum">
+              <a:rPr lang="en-US"/>
+              <a:t>26</a:t>
+            </a:fld>
+            <a:endParaRPr/>
+          </a:p>
+        </p:txBody>
+      </p:sp>
+    </p:spTree>
+    <p:extLst>
+      <p:ext uri="{BB962C8B-B14F-4D97-AF65-F5344CB8AC3E}">
+        <p14:creationId xmlns:p14="http://schemas.microsoft.com/office/powerpoint/2010/main" val="589193051"/>
+      </p:ext>
+    </p:extLst>
+  </p:cSld>
+  <p:clrMapOvr>
+    <a:masterClrMapping/>
+  </p:clrMapOvr>
+</p:notes>
+</file>
+
+<file path=ppt/notesSlides/notesSlide27.xml><?xml version="1.0" encoding="utf-8"?>
+<p:notes xmlns:a="http://schemas.openxmlformats.org/drawingml/2006/main" xmlns:r="http://schemas.openxmlformats.org/officeDocument/2006/relationships" xmlns:p="http://schemas.openxmlformats.org/presentationml/2006/main" showMasterSp="0" showMasterPhAnim="0">
+  <p:cSld>
+    <p:spTree>
+      <p:nvGrpSpPr>
+        <p:cNvPr id="1" name="Shape 52"/>
+        <p:cNvGrpSpPr/>
+        <p:nvPr/>
+      </p:nvGrpSpPr>
+      <p:grpSpPr>
+        <a:xfrm>
+          <a:off x="0" y="0"/>
+          <a:ext cx="0" cy="0"/>
+          <a:chOff x="0" y="0"/>
+          <a:chExt cx="0" cy="0"/>
+        </a:xfrm>
+      </p:grpSpPr>
+      <p:sp>
+        <p:nvSpPr>
+          <p:cNvPr id="53" name="Google Shape;53;p2:notes"/>
+          <p:cNvSpPr>
+            <a:spLocks noGrp="1" noRot="1" noChangeAspect="1"/>
+          </p:cNvSpPr>
+          <p:nvPr>
+            <p:ph type="sldImg" idx="2"/>
+          </p:nvPr>
+        </p:nvSpPr>
+        <p:spPr>
+          <a:xfrm>
+            <a:off x="1195388" y="692150"/>
+            <a:ext cx="4619625" cy="3463925"/>
+          </a:xfrm>
+          <a:custGeom>
+            <a:avLst/>
+            <a:gdLst/>
+            <a:ahLst/>
+            <a:cxnLst/>
+            <a:rect l="l" t="t" r="r" b="b"/>
+            <a:pathLst>
+              <a:path w="120000" h="120000" extrusionOk="0">
+                <a:moveTo>
+                  <a:pt x="0" y="0"/>
+                </a:moveTo>
+                <a:lnTo>
+                  <a:pt x="120000" y="0"/>
+                </a:lnTo>
+                <a:lnTo>
+                  <a:pt x="120000" y="120000"/>
+                </a:lnTo>
+                <a:lnTo>
+                  <a:pt x="0" y="120000"/>
+                </a:lnTo>
+                <a:close/>
+              </a:path>
+            </a:pathLst>
+          </a:custGeom>
+          <a:noFill/>
+          <a:ln w="12700" cap="flat" cmpd="sng">
+            <a:solidFill>
+              <a:srgbClr val="000000"/>
+            </a:solidFill>
+            <a:prstDash val="solid"/>
+            <a:round/>
+            <a:headEnd type="none" w="sm" len="sm"/>
+            <a:tailEnd type="none" w="sm" len="sm"/>
+          </a:ln>
+        </p:spPr>
+      </p:sp>
+      <p:sp>
+        <p:nvSpPr>
+          <p:cNvPr id="54" name="Google Shape;54;p2:notes"/>
+          <p:cNvSpPr txBox="1">
+            <a:spLocks noGrp="1"/>
+          </p:cNvSpPr>
+          <p:nvPr>
+            <p:ph type="body" idx="1"/>
+          </p:nvPr>
+        </p:nvSpPr>
+        <p:spPr>
+          <a:xfrm>
+            <a:off x="701040" y="4387136"/>
+            <a:ext cx="5608320" cy="4156234"/>
+          </a:xfrm>
+          <a:prstGeom prst="rect">
+            <a:avLst/>
+          </a:prstGeom>
+          <a:noFill/>
+          <a:ln>
+            <a:noFill/>
+          </a:ln>
+        </p:spPr>
+        <p:txBody>
+          <a:bodyPr spcFirstLastPara="1" wrap="square" lIns="93175" tIns="46575" rIns="93175" bIns="46575" anchor="t" anchorCtr="0">
+            <a:noAutofit/>
+          </a:bodyPr>
+          <a:lstStyle/>
+          <a:p>
+            <a:pPr marL="0" lvl="0" indent="0" algn="l" rtl="0">
+              <a:lnSpc>
+                <a:spcPct val="100000"/>
+              </a:lnSpc>
+              <a:spcBef>
+                <a:spcPts val="0"/>
+              </a:spcBef>
+              <a:spcAft>
+                <a:spcPts val="0"/>
+              </a:spcAft>
+              <a:buSzPts val="1400"/>
+              <a:buNone/>
+            </a:pPr>
+            <a:endParaRPr/>
+          </a:p>
+        </p:txBody>
+      </p:sp>
+      <p:sp>
+        <p:nvSpPr>
+          <p:cNvPr id="55" name="Google Shape;55;p2:notes"/>
+          <p:cNvSpPr txBox="1">
+            <a:spLocks noGrp="1"/>
+          </p:cNvSpPr>
+          <p:nvPr>
+            <p:ph type="sldNum" idx="12"/>
+          </p:nvPr>
+        </p:nvSpPr>
+        <p:spPr>
+          <a:xfrm>
+            <a:off x="3970938" y="8772669"/>
+            <a:ext cx="3037840" cy="461804"/>
+          </a:xfrm>
+          <a:prstGeom prst="rect">
+            <a:avLst/>
+          </a:prstGeom>
+          <a:noFill/>
+          <a:ln>
+            <a:noFill/>
+          </a:ln>
+        </p:spPr>
+        <p:txBody>
+          <a:bodyPr spcFirstLastPara="1" wrap="square" lIns="93175" tIns="46575" rIns="93175" bIns="46575" anchor="b" anchorCtr="0">
+            <a:noAutofit/>
+          </a:bodyPr>
+          <a:lstStyle/>
+          <a:p>
+            <a:pPr marL="0" lvl="0" indent="0" algn="r" rtl="0">
+              <a:lnSpc>
+                <a:spcPct val="100000"/>
+              </a:lnSpc>
+              <a:spcBef>
+                <a:spcPts val="0"/>
+              </a:spcBef>
+              <a:spcAft>
+                <a:spcPts val="0"/>
+              </a:spcAft>
+              <a:buSzPts val="1400"/>
+              <a:buNone/>
+            </a:pPr>
+            <a:fld id="{00000000-1234-1234-1234-123412341234}" type="slidenum">
+              <a:rPr lang="en-US"/>
+              <a:t>27</a:t>
             </a:fld>
             <a:endParaRPr/>
           </a:p>
@@ -4905,7 +5617,7 @@
     </p:spTree>
     <p:extLst>
       <p:ext uri="{BB962C8B-B14F-4D97-AF65-F5344CB8AC3E}">
-        <p14:creationId xmlns:p14="http://schemas.microsoft.com/office/powerpoint/2010/main" val="1618350533"/>
+        <p14:creationId xmlns:p14="http://schemas.microsoft.com/office/powerpoint/2010/main" val="1802315312"/>
       </p:ext>
     </p:extLst>
   </p:cSld>
@@ -5082,7 +5794,7 @@
     </p:spTree>
     <p:extLst>
       <p:ext uri="{BB962C8B-B14F-4D97-AF65-F5344CB8AC3E}">
-        <p14:creationId xmlns:p14="http://schemas.microsoft.com/office/powerpoint/2010/main" val="2547443983"/>
+        <p14:creationId xmlns:p14="http://schemas.microsoft.com/office/powerpoint/2010/main" val="1618350533"/>
       </p:ext>
     </p:extLst>
   </p:cSld>
@@ -5259,7 +5971,7 @@
     </p:spTree>
     <p:extLst>
       <p:ext uri="{BB962C8B-B14F-4D97-AF65-F5344CB8AC3E}">
-        <p14:creationId xmlns:p14="http://schemas.microsoft.com/office/powerpoint/2010/main" val="2292008555"/>
+        <p14:creationId xmlns:p14="http://schemas.microsoft.com/office/powerpoint/2010/main" val="759923354"/>
       </p:ext>
     </p:extLst>
   </p:cSld>
@@ -5436,7 +6148,7 @@
     </p:spTree>
     <p:extLst>
       <p:ext uri="{BB962C8B-B14F-4D97-AF65-F5344CB8AC3E}">
-        <p14:creationId xmlns:p14="http://schemas.microsoft.com/office/powerpoint/2010/main" val="3398558481"/>
+        <p14:creationId xmlns:p14="http://schemas.microsoft.com/office/powerpoint/2010/main" val="2547443983"/>
       </p:ext>
     </p:extLst>
   </p:cSld>
@@ -5613,7 +6325,7 @@
     </p:spTree>
     <p:extLst>
       <p:ext uri="{BB962C8B-B14F-4D97-AF65-F5344CB8AC3E}">
-        <p14:creationId xmlns:p14="http://schemas.microsoft.com/office/powerpoint/2010/main" val="526544264"/>
+        <p14:creationId xmlns:p14="http://schemas.microsoft.com/office/powerpoint/2010/main" val="2292008555"/>
       </p:ext>
     </p:extLst>
   </p:cSld>
@@ -5790,7 +6502,7 @@
     </p:spTree>
     <p:extLst>
       <p:ext uri="{BB962C8B-B14F-4D97-AF65-F5344CB8AC3E}">
-        <p14:creationId xmlns:p14="http://schemas.microsoft.com/office/powerpoint/2010/main" val="682799203"/>
+        <p14:creationId xmlns:p14="http://schemas.microsoft.com/office/powerpoint/2010/main" val="3398558481"/>
       </p:ext>
     </p:extLst>
   </p:cSld>
@@ -12138,14 +12850,21 @@
           <a:p>
             <a:pPr lvl="0"/>
             <a:r>
-              <a:rPr lang="en-US" b="1" dirty="0"/>
-              <a:t>How to Harvest Web Data Efficiently and Ethically</a:t>
-            </a:r>
-            <a:r>
-              <a:rPr lang="en-US" dirty="0"/>
+              <a:rPr lang="en-US" sz="4000" b="1" dirty="0"/>
+              <a:t>How to Harvest Web Data </a:t>
+            </a:r>
+            <a:br>
+              <a:rPr lang="en-US" sz="4000" b="1" dirty="0"/>
+            </a:br>
+            <a:r>
+              <a:rPr lang="en-US" sz="4000" b="1" dirty="0"/>
+              <a:t>Efficiently and Ethically</a:t>
+            </a:r>
+            <a:r>
+              <a:rPr lang="en-US" sz="4000" dirty="0"/>
               <a:t> </a:t>
             </a:r>
-            <a:endParaRPr dirty="0"/>
+            <a:endParaRPr sz="4000" dirty="0"/>
           </a:p>
         </p:txBody>
       </p:sp>
@@ -12161,7 +12880,7 @@
         </p:nvSpPr>
         <p:spPr>
           <a:xfrm>
-            <a:off x="776802" y="3242524"/>
+            <a:off x="776802" y="3253954"/>
             <a:ext cx="7909998" cy="776726"/>
           </a:xfrm>
           <a:prstGeom prst="rect">
@@ -12183,7 +12902,7 @@
                 <a:spcPct val="100000"/>
               </a:lnSpc>
               <a:spcBef>
-                <a:spcPts val="0"/>
+                <a:spcPts val="400"/>
               </a:spcBef>
               <a:spcAft>
                 <a:spcPts val="0"/>
@@ -12194,7 +12913,7 @@
               <a:buSzPts val="2000"/>
               <a:buNone/>
             </a:pPr>
-            <a:endParaRPr sz="1600" dirty="0"/>
+            <a:endParaRPr lang="en-US" sz="1600" dirty="0"/>
           </a:p>
           <a:p>
             <a:pPr marL="0" lvl="0" indent="0" algn="l" rtl="0">
@@ -12514,33 +13233,6 @@
             <a:endParaRPr lang="en-US" sz="1500" dirty="0"/>
           </a:p>
           <a:p>
-            <a:pPr marL="457200" indent="-457200">
-              <a:buFont typeface="+mj-lt"/>
-              <a:buAutoNum type="arabicPeriod"/>
-            </a:pPr>
-            <a:r>
-              <a:rPr lang="en-US" sz="2400" dirty="0"/>
-              <a:t>Throttle your requests -- Sleep Times</a:t>
-            </a:r>
-          </a:p>
-          <a:p>
-            <a:pPr marL="342900" lvl="1" indent="-342900">
-              <a:buFont typeface="+mj-lt"/>
-              <a:buAutoNum type="arabicPeriod"/>
-            </a:pPr>
-            <a:endParaRPr lang="en-US" sz="1500" dirty="0"/>
-          </a:p>
-          <a:p>
-            <a:pPr marL="457200" indent="-457200">
-              <a:buFont typeface="+mj-lt"/>
-              <a:buAutoNum type="arabicPeriod"/>
-            </a:pPr>
-            <a:r>
-              <a:rPr lang="en-US" sz="2400" dirty="0"/>
-              <a:t>When in doubt, ask for permission</a:t>
-            </a:r>
-          </a:p>
-          <a:p>
             <a:pPr lvl="2"/>
             <a:r>
               <a:rPr lang="en-US" sz="2400" dirty="0"/>
@@ -12872,7 +13564,7 @@
         <p:spPr>
           <a:xfrm>
             <a:off x="2008867" y="2420045"/>
-            <a:ext cx="1877437" cy="1200329"/>
+            <a:ext cx="1877437" cy="1477328"/>
           </a:xfrm>
           <a:prstGeom prst="rect">
             <a:avLst/>
@@ -12901,17 +13593,7 @@
                   <a:srgbClr val="7030A0"/>
                 </a:solidFill>
               </a:rPr>
-              <a:t>Crawl-delay: 20</a:t>
-            </a:r>
-          </a:p>
-          <a:p>
-            <a:r>
-              <a:rPr lang="en-US" sz="1800" b="1" dirty="0">
-                <a:solidFill>
-                  <a:srgbClr val="7030A0"/>
-                </a:solidFill>
-              </a:rPr>
-              <a:t>Disallow: </a:t>
+              <a:t>Disallow: /</a:t>
             </a:r>
           </a:p>
           <a:p>
@@ -12923,6 +13605,23 @@
               </a:rPr>
               <a:t>Allow: /</a:t>
             </a:r>
+          </a:p>
+          <a:p>
+            <a:r>
+              <a:rPr lang="en-US" sz="1800" b="1" dirty="0">
+                <a:solidFill>
+                  <a:srgbClr val="7030A0"/>
+                </a:solidFill>
+              </a:rPr>
+              <a:t>Crawl-delay: 20</a:t>
+            </a:r>
+          </a:p>
+          <a:p>
+            <a:endParaRPr lang="en-US" sz="1800" b="1" dirty="0">
+              <a:solidFill>
+                <a:srgbClr val="7030A0"/>
+              </a:solidFill>
+            </a:endParaRPr>
           </a:p>
         </p:txBody>
       </p:sp>
@@ -13135,7 +13834,7 @@
     </p:spTree>
     <p:extLst>
       <p:ext uri="{BB962C8B-B14F-4D97-AF65-F5344CB8AC3E}">
-        <p14:creationId xmlns:p14="http://schemas.microsoft.com/office/powerpoint/2010/main" val="2598595206"/>
+        <p14:creationId xmlns:p14="http://schemas.microsoft.com/office/powerpoint/2010/main" val="717222125"/>
       </p:ext>
     </p:extLst>
   </p:cSld>
@@ -13191,12 +13890,26 @@
           </a:bodyPr>
           <a:lstStyle/>
           <a:p>
-            <a:pPr lvl="0">
+            <a:pPr marL="0" lvl="0" indent="0" algn="l" rtl="0">
+              <a:lnSpc>
+                <a:spcPct val="100000"/>
+              </a:lnSpc>
+              <a:spcBef>
+                <a:spcPts val="0"/>
+              </a:spcBef>
+              <a:spcAft>
+                <a:spcPts val="0"/>
+              </a:spcAft>
+              <a:buClr>
+                <a:srgbClr val="3D146F"/>
+              </a:buClr>
               <a:buSzPts val="3200"/>
+              <a:buFont typeface="Arial"/>
+              <a:buNone/>
             </a:pPr>
             <a:r>
               <a:rPr lang="en-US" dirty="0"/>
-              <a:t>Harvesting – GET Methods</a:t>
+              <a:t>Web Scraping Etiquette</a:t>
             </a:r>
             <a:endParaRPr dirty="0"/>
           </a:p>
@@ -13260,8 +13973,8 @@
         </p:nvSpPr>
         <p:spPr>
           <a:xfrm>
-            <a:off x="457200" y="1143000"/>
-            <a:ext cx="8039100" cy="4017319"/>
+            <a:off x="367314" y="1239818"/>
+            <a:ext cx="8541000" cy="4599600"/>
           </a:xfrm>
           <a:prstGeom prst="rect">
             <a:avLst/>
@@ -13277,235 +13990,117 @@
           </a:bodyPr>
           <a:lstStyle/>
           <a:p>
-            <a:pPr lvl="0"/>
-            <a:r>
-              <a:rPr lang="en-US" sz="2400" dirty="0"/>
-              <a:t>GET requests are an HTTP method a client (your computer) can call</a:t>
-            </a:r>
-          </a:p>
-          <a:p>
-            <a:pPr lvl="0"/>
-            <a:endParaRPr lang="en-US" sz="2400" dirty="0"/>
-          </a:p>
-          <a:p>
-            <a:pPr lvl="0"/>
-            <a:endParaRPr sz="900" dirty="0">
-              <a:solidFill>
-                <a:schemeClr val="dk1"/>
-              </a:solidFill>
-            </a:endParaRPr>
-          </a:p>
-          <a:p>
-            <a:pPr marL="457200" lvl="0" indent="-457200">
-              <a:buClr>
-                <a:schemeClr val="dk1"/>
-              </a:buClr>
-              <a:buSzPts val="1800"/>
+            <a:pPr marL="457200" indent="-457200">
               <a:buFont typeface="+mj-lt"/>
               <a:buAutoNum type="arabicPeriod"/>
             </a:pPr>
             <a:r>
-              <a:rPr lang="en-US" sz="2400" b="1" dirty="0" err="1">
-                <a:solidFill>
-                  <a:schemeClr val="dk1"/>
-                </a:solidFill>
-              </a:rPr>
-              <a:t>wget</a:t>
-            </a:r>
-            <a:r>
-              <a:rPr lang="en-US" sz="2400" b="1" dirty="0">
-                <a:solidFill>
-                  <a:schemeClr val="dk1"/>
-                </a:solidFill>
-              </a:rPr>
-              <a:t> (</a:t>
-            </a:r>
-            <a:r>
-              <a:rPr lang="en-US" sz="2400" b="1" dirty="0"/>
-              <a:t>World Wide Web + get)</a:t>
-            </a:r>
-            <a:r>
-              <a:rPr lang="en-US" sz="2400" b="1" dirty="0">
-                <a:solidFill>
-                  <a:schemeClr val="dk1"/>
-                </a:solidFill>
-              </a:rPr>
+              <a:rPr lang="en-US" sz="2400" dirty="0"/>
+              <a:t>Follow the guidelines of </a:t>
+            </a:r>
+            <a:r>
+              <a:rPr lang="en-US" sz="2400" i="1" dirty="0" err="1"/>
+              <a:t>robots.txt</a:t>
+            </a:r>
+            <a:r>
+              <a:rPr lang="en-US" sz="2400" i="1" dirty="0"/>
               <a:t> </a:t>
             </a:r>
             <a:r>
-              <a:rPr lang="mr-IN" sz="2400" dirty="0">
-                <a:solidFill>
-                  <a:schemeClr val="dk1"/>
-                </a:solidFill>
-              </a:rPr>
-              <a:t>–</a:t>
-            </a:r>
-            <a:r>
-              <a:rPr lang="en-US" sz="2400" dirty="0">
-                <a:solidFill>
-                  <a:schemeClr val="dk1"/>
-                </a:solidFill>
-              </a:rPr>
-              <a:t> A command line utility used to retrieve files via </a:t>
-            </a:r>
-            <a:r>
               <a:rPr lang="en-US" sz="2400" dirty="0"/>
-              <a:t>HTTP, HTTPS, and FTP </a:t>
-            </a:r>
-          </a:p>
-          <a:p>
-            <a:pPr marL="457200" lvl="0" indent="-457200">
-              <a:buClr>
-                <a:schemeClr val="dk1"/>
-              </a:buClr>
-              <a:buSzPts val="1800"/>
+              <a:t>and Terms of Service</a:t>
+            </a:r>
+            <a:endParaRPr lang="en-US" sz="2400" i="1" dirty="0"/>
+          </a:p>
+          <a:p>
+            <a:pPr marL="457200" indent="-457200">
               <a:buFont typeface="+mj-lt"/>
               <a:buAutoNum type="arabicPeriod"/>
             </a:pPr>
-            <a:endParaRPr lang="en-US" sz="2400" dirty="0"/>
-          </a:p>
-          <a:p>
-            <a:pPr marL="457200" lvl="0" indent="-457200">
-              <a:buClr>
-                <a:schemeClr val="dk1"/>
-              </a:buClr>
-              <a:buSzPts val="1800"/>
+            <a:endParaRPr lang="en-US" sz="2400" i="1" dirty="0"/>
+          </a:p>
+          <a:p>
+            <a:pPr marL="457200" indent="-457200">
               <a:buFont typeface="+mj-lt"/>
               <a:buAutoNum type="arabicPeriod"/>
             </a:pPr>
-            <a:r>
-              <a:rPr lang="en-US" sz="2400" b="1" dirty="0">
-                <a:solidFill>
-                  <a:schemeClr val="dk1"/>
-                </a:solidFill>
-              </a:rPr>
-              <a:t>curl (</a:t>
-            </a:r>
-            <a:r>
-              <a:rPr lang="en-US" sz="2400" b="1" dirty="0"/>
-              <a:t>Client for URLs)</a:t>
-            </a:r>
-            <a:r>
-              <a:rPr lang="en-US" sz="2400" b="1" dirty="0">
-                <a:solidFill>
-                  <a:schemeClr val="dk1"/>
-                </a:solidFill>
-              </a:rPr>
-              <a:t> </a:t>
-            </a:r>
-            <a:r>
-              <a:rPr lang="mr-IN" sz="2400" dirty="0">
-                <a:solidFill>
-                  <a:schemeClr val="dk1"/>
-                </a:solidFill>
-              </a:rPr>
-              <a:t>–</a:t>
-            </a:r>
-            <a:r>
-              <a:rPr lang="en-US" sz="2400" dirty="0">
-                <a:solidFill>
-                  <a:schemeClr val="dk1"/>
-                </a:solidFill>
-              </a:rPr>
-              <a:t> A command line tool used to retrieve files via many protocols</a:t>
-            </a:r>
-          </a:p>
-          <a:p>
-            <a:pPr marL="457200" lvl="0" indent="-457200">
-              <a:buClr>
-                <a:schemeClr val="dk1"/>
-              </a:buClr>
-              <a:buSzPts val="1800"/>
+            <a:endParaRPr lang="en-US" sz="2400" i="1" dirty="0"/>
+          </a:p>
+          <a:p>
+            <a:pPr marL="457200" indent="-457200">
               <a:buFont typeface="+mj-lt"/>
               <a:buAutoNum type="arabicPeriod"/>
             </a:pPr>
-            <a:endParaRPr lang="en-US" sz="2400" dirty="0">
-              <a:solidFill>
-                <a:schemeClr val="dk1"/>
-              </a:solidFill>
-            </a:endParaRPr>
-          </a:p>
-          <a:p>
-            <a:pPr marL="457200" lvl="0" indent="-457200">
-              <a:buClr>
-                <a:schemeClr val="dk1"/>
-              </a:buClr>
-              <a:buSzPts val="1800"/>
+            <a:endParaRPr lang="en-US" sz="2400" i="1" dirty="0"/>
+          </a:p>
+          <a:p>
+            <a:pPr marL="457200" indent="-457200">
               <a:buFont typeface="+mj-lt"/>
               <a:buAutoNum type="arabicPeriod"/>
             </a:pPr>
-            <a:r>
-              <a:rPr lang="en-US" sz="2400" b="1" dirty="0">
-                <a:solidFill>
-                  <a:schemeClr val="dk1"/>
-                </a:solidFill>
-              </a:rPr>
-              <a:t>requests</a:t>
-            </a:r>
-            <a:r>
-              <a:rPr lang="en-US" sz="2400" dirty="0">
-                <a:solidFill>
-                  <a:schemeClr val="dk1"/>
-                </a:solidFill>
-              </a:rPr>
-              <a:t> </a:t>
-            </a:r>
-            <a:r>
-              <a:rPr lang="mr-IN" sz="2400" dirty="0">
-                <a:solidFill>
-                  <a:schemeClr val="dk1"/>
-                </a:solidFill>
-              </a:rPr>
-              <a:t>–</a:t>
-            </a:r>
-            <a:r>
-              <a:rPr lang="en-US" sz="2400" dirty="0">
-                <a:solidFill>
-                  <a:schemeClr val="dk1"/>
-                </a:solidFill>
-              </a:rPr>
-              <a:t> The de facto library for making http requests in python</a:t>
-            </a:r>
-          </a:p>
-          <a:p>
-            <a:pPr marL="285750" lvl="0" indent="-285750" algn="l" rtl="0">
-              <a:spcBef>
-                <a:spcPts val="0"/>
-              </a:spcBef>
-              <a:spcAft>
-                <a:spcPts val="0"/>
-              </a:spcAft>
-              <a:buClr>
-                <a:schemeClr val="dk1"/>
-              </a:buClr>
-              <a:buSzPts val="1800"/>
-              <a:buChar char="•"/>
-            </a:pPr>
-            <a:endParaRPr lang="en-US" sz="800" b="0" i="0" u="none" strike="noStrike" cap="none" dirty="0">
-              <a:solidFill>
-                <a:schemeClr val="dk1"/>
-              </a:solidFill>
-              <a:sym typeface="Arial"/>
-            </a:endParaRPr>
-          </a:p>
-          <a:p>
-            <a:pPr marL="742950" marR="0" lvl="1" indent="-171450" algn="l" rtl="0">
-              <a:lnSpc>
-                <a:spcPct val="100000"/>
-              </a:lnSpc>
-              <a:spcBef>
-                <a:spcPts val="0"/>
-              </a:spcBef>
-              <a:spcAft>
-                <a:spcPts val="0"/>
-              </a:spcAft>
-              <a:buClr>
-                <a:schemeClr val="dk1"/>
-              </a:buClr>
-              <a:buSzPts val="1800"/>
-              <a:buFont typeface="Courier New"/>
-              <a:buNone/>
-            </a:pPr>
+            <a:endParaRPr lang="en-US" sz="2400" i="1" dirty="0"/>
+          </a:p>
+          <a:p>
+            <a:pPr marL="457200" indent="-457200">
+              <a:buFont typeface="+mj-lt"/>
+              <a:buAutoNum type="arabicPeriod"/>
+            </a:pPr>
+            <a:endParaRPr lang="en-US" sz="2400" dirty="0"/>
+          </a:p>
+          <a:p>
+            <a:pPr marL="350838" indent="-350838">
+              <a:buFont typeface="+mj-lt"/>
+              <a:buAutoNum type="arabicPeriod"/>
+            </a:pPr>
+            <a:endParaRPr lang="en-US" sz="1500" dirty="0"/>
+          </a:p>
+          <a:p>
+            <a:pPr marL="342900" indent="-342900">
+              <a:buFont typeface="+mj-lt"/>
+              <a:buAutoNum type="arabicPeriod"/>
+            </a:pPr>
+            <a:endParaRPr lang="en-US" sz="1500" dirty="0"/>
+          </a:p>
+          <a:p>
+            <a:pPr marL="457200" indent="-457200">
+              <a:buFont typeface="+mj-lt"/>
+              <a:buAutoNum type="arabicPeriod"/>
+            </a:pPr>
+            <a:r>
+              <a:rPr lang="en-US" sz="2400" dirty="0"/>
+              <a:t>Use your own IP address (Don’t Lie)</a:t>
+            </a:r>
+          </a:p>
+          <a:p>
+            <a:pPr marL="342900" indent="-342900">
+              <a:buFont typeface="+mj-lt"/>
+              <a:buAutoNum type="arabicPeriod"/>
+            </a:pPr>
+            <a:endParaRPr lang="en-US" sz="1500" dirty="0"/>
+          </a:p>
+          <a:p>
+            <a:pPr marL="457200" indent="-457200">
+              <a:buFont typeface="+mj-lt"/>
+              <a:buAutoNum type="arabicPeriod"/>
+            </a:pPr>
+            <a:r>
+              <a:rPr lang="en-US" sz="2400" dirty="0"/>
+              <a:t>Throttle your requests -- Sleep Times</a:t>
+            </a:r>
+          </a:p>
+          <a:p>
+            <a:pPr marL="342900" lvl="1" indent="-342900">
+              <a:buFont typeface="+mj-lt"/>
+              <a:buAutoNum type="arabicPeriod"/>
+            </a:pPr>
+            <a:endParaRPr lang="en-US" sz="1500" dirty="0"/>
+          </a:p>
+          <a:p>
+            <a:pPr lvl="2"/>
+            <a:r>
+              <a:rPr lang="en-US" sz="2400" dirty="0"/>
+              <a:t>	</a:t>
+            </a:r>
             <a:endParaRPr sz="1800" b="0" i="0" u="none" strike="noStrike" cap="none" dirty="0">
               <a:solidFill>
                 <a:schemeClr val="dk1"/>
@@ -13770,10 +14365,339 @@
           </a:p>
         </p:txBody>
       </p:sp>
+      <p:sp>
+        <p:nvSpPr>
+          <p:cNvPr id="4" name="Folded Corner 3"/>
+          <p:cNvSpPr/>
+          <p:nvPr/>
+        </p:nvSpPr>
+        <p:spPr>
+          <a:xfrm rot="10800000" flipH="1">
+            <a:off x="1750596" y="2300944"/>
+            <a:ext cx="2489200" cy="1346200"/>
+          </a:xfrm>
+          <a:prstGeom prst="foldedCorner">
+            <a:avLst>
+              <a:gd name="adj" fmla="val 34936"/>
+            </a:avLst>
+          </a:prstGeom>
+          <a:solidFill>
+            <a:schemeClr val="accent4">
+              <a:lumMod val="40000"/>
+              <a:lumOff val="60000"/>
+            </a:schemeClr>
+          </a:solidFill>
+          <a:ln>
+            <a:solidFill>
+              <a:srgbClr val="7030A0"/>
+            </a:solidFill>
+          </a:ln>
+        </p:spPr>
+        <p:style>
+          <a:lnRef idx="2">
+            <a:schemeClr val="accent1">
+              <a:shade val="50000"/>
+            </a:schemeClr>
+          </a:lnRef>
+          <a:fillRef idx="1">
+            <a:schemeClr val="accent1"/>
+          </a:fillRef>
+          <a:effectRef idx="0">
+            <a:schemeClr val="accent1"/>
+          </a:effectRef>
+          <a:fontRef idx="minor">
+            <a:schemeClr val="lt1"/>
+          </a:fontRef>
+        </p:style>
+        <p:txBody>
+          <a:bodyPr rtlCol="0" anchor="ctr"/>
+          <a:lstStyle/>
+          <a:p>
+            <a:pPr algn="ctr"/>
+            <a:endParaRPr lang="en-US" dirty="0"/>
+          </a:p>
+        </p:txBody>
+      </p:sp>
+      <p:sp>
+        <p:nvSpPr>
+          <p:cNvPr id="5" name="TextBox 4"/>
+          <p:cNvSpPr txBox="1"/>
+          <p:nvPr/>
+        </p:nvSpPr>
+        <p:spPr>
+          <a:xfrm>
+            <a:off x="2008867" y="2420045"/>
+            <a:ext cx="1877437" cy="1477328"/>
+          </a:xfrm>
+          <a:prstGeom prst="rect">
+            <a:avLst/>
+          </a:prstGeom>
+          <a:noFill/>
+        </p:spPr>
+        <p:txBody>
+          <a:bodyPr wrap="none" rtlCol="0">
+            <a:spAutoFit/>
+          </a:bodyPr>
+          <a:lstStyle/>
+          <a:p>
+            <a:r>
+              <a:rPr lang="en-US" sz="1800" b="1" dirty="0">
+                <a:solidFill>
+                  <a:srgbClr val="7030A0"/>
+                </a:solidFill>
+              </a:rPr>
+              <a:t>User-Agent: *</a:t>
+            </a:r>
+          </a:p>
+          <a:p>
+            <a:r>
+              <a:rPr lang="en-US" sz="1800" b="1" dirty="0">
+                <a:solidFill>
+                  <a:srgbClr val="7030A0"/>
+                </a:solidFill>
+              </a:rPr>
+              <a:t>Disallow: /</a:t>
+            </a:r>
+          </a:p>
+          <a:p>
+            <a:r>
+              <a:rPr lang="en-US" sz="1800" b="1" dirty="0">
+                <a:solidFill>
+                  <a:srgbClr val="7030A0"/>
+                </a:solidFill>
+              </a:rPr>
+              <a:t>Allow: /</a:t>
+            </a:r>
+          </a:p>
+          <a:p>
+            <a:r>
+              <a:rPr lang="en-US" sz="1800" b="1" dirty="0">
+                <a:solidFill>
+                  <a:srgbClr val="7030A0"/>
+                </a:solidFill>
+              </a:rPr>
+              <a:t>Crawl-delay: 20</a:t>
+            </a:r>
+          </a:p>
+          <a:p>
+            <a:endParaRPr lang="en-US" sz="1800" b="1" dirty="0">
+              <a:solidFill>
+                <a:srgbClr val="7030A0"/>
+              </a:solidFill>
+            </a:endParaRPr>
+          </a:p>
+        </p:txBody>
+      </p:sp>
+      <p:sp>
+        <p:nvSpPr>
+          <p:cNvPr id="10" name="Folded Corner 9"/>
+          <p:cNvSpPr/>
+          <p:nvPr/>
+        </p:nvSpPr>
+        <p:spPr>
+          <a:xfrm rot="10800000" flipH="1">
+            <a:off x="5449596" y="2289343"/>
+            <a:ext cx="2489200" cy="1346200"/>
+          </a:xfrm>
+          <a:prstGeom prst="foldedCorner">
+            <a:avLst>
+              <a:gd name="adj" fmla="val 34936"/>
+            </a:avLst>
+          </a:prstGeom>
+          <a:solidFill>
+            <a:schemeClr val="accent4">
+              <a:lumMod val="40000"/>
+              <a:lumOff val="60000"/>
+            </a:schemeClr>
+          </a:solidFill>
+          <a:ln>
+            <a:solidFill>
+              <a:srgbClr val="7030A0"/>
+            </a:solidFill>
+          </a:ln>
+        </p:spPr>
+        <p:style>
+          <a:lnRef idx="2">
+            <a:schemeClr val="accent1">
+              <a:shade val="50000"/>
+            </a:schemeClr>
+          </a:lnRef>
+          <a:fillRef idx="1">
+            <a:schemeClr val="accent1"/>
+          </a:fillRef>
+          <a:effectRef idx="0">
+            <a:schemeClr val="accent1"/>
+          </a:effectRef>
+          <a:fontRef idx="minor">
+            <a:schemeClr val="lt1"/>
+          </a:fontRef>
+        </p:style>
+        <p:txBody>
+          <a:bodyPr rtlCol="0" anchor="ctr"/>
+          <a:lstStyle/>
+          <a:p>
+            <a:pPr algn="ctr"/>
+            <a:endParaRPr lang="en-US" dirty="0"/>
+          </a:p>
+        </p:txBody>
+      </p:sp>
+      <p:sp>
+        <p:nvSpPr>
+          <p:cNvPr id="11" name="TextBox 10"/>
+          <p:cNvSpPr txBox="1"/>
+          <p:nvPr/>
+        </p:nvSpPr>
+        <p:spPr>
+          <a:xfrm>
+            <a:off x="5864481" y="2558545"/>
+            <a:ext cx="1659429" cy="646331"/>
+          </a:xfrm>
+          <a:prstGeom prst="rect">
+            <a:avLst/>
+          </a:prstGeom>
+          <a:noFill/>
+        </p:spPr>
+        <p:txBody>
+          <a:bodyPr wrap="none" rtlCol="0">
+            <a:spAutoFit/>
+          </a:bodyPr>
+          <a:lstStyle/>
+          <a:p>
+            <a:r>
+              <a:rPr lang="en-US" sz="1800" b="1" dirty="0">
+                <a:solidFill>
+                  <a:srgbClr val="7030A0"/>
+                </a:solidFill>
+              </a:rPr>
+              <a:t>User-Agent: *</a:t>
+            </a:r>
+          </a:p>
+          <a:p>
+            <a:r>
+              <a:rPr lang="en-US" sz="1800" b="1" dirty="0">
+                <a:solidFill>
+                  <a:srgbClr val="7030A0"/>
+                </a:solidFill>
+              </a:rPr>
+              <a:t>Disallow: / </a:t>
+            </a:r>
+          </a:p>
+        </p:txBody>
+      </p:sp>
+      <p:cxnSp>
+        <p:nvCxnSpPr>
+          <p:cNvPr id="8" name="Straight Connector 7"/>
+          <p:cNvCxnSpPr/>
+          <p:nvPr/>
+        </p:nvCxnSpPr>
+        <p:spPr>
+          <a:xfrm>
+            <a:off x="4811296" y="1945344"/>
+            <a:ext cx="0" cy="1766400"/>
+          </a:xfrm>
+          <a:prstGeom prst="line">
+            <a:avLst/>
+          </a:prstGeom>
+          <a:ln w="28575">
+            <a:solidFill>
+              <a:srgbClr val="7030A0"/>
+            </a:solidFill>
+          </a:ln>
+        </p:spPr>
+        <p:style>
+          <a:lnRef idx="1">
+            <a:schemeClr val="accent1"/>
+          </a:lnRef>
+          <a:fillRef idx="0">
+            <a:schemeClr val="accent1"/>
+          </a:fillRef>
+          <a:effectRef idx="0">
+            <a:schemeClr val="accent1"/>
+          </a:effectRef>
+          <a:fontRef idx="minor">
+            <a:schemeClr val="tx1"/>
+          </a:fontRef>
+        </p:style>
+      </p:cxnSp>
+      <p:sp>
+        <p:nvSpPr>
+          <p:cNvPr id="15" name="TextBox 14"/>
+          <p:cNvSpPr txBox="1"/>
+          <p:nvPr/>
+        </p:nvSpPr>
+        <p:spPr>
+          <a:xfrm>
+            <a:off x="6183017" y="1767865"/>
+            <a:ext cx="1183337" cy="400110"/>
+          </a:xfrm>
+          <a:prstGeom prst="rect">
+            <a:avLst/>
+          </a:prstGeom>
+          <a:noFill/>
+        </p:spPr>
+        <p:txBody>
+          <a:bodyPr wrap="none" rtlCol="0">
+            <a:spAutoFit/>
+          </a:bodyPr>
+          <a:lstStyle/>
+          <a:p>
+            <a:r>
+              <a:rPr lang="en-US" sz="2000" b="1" dirty="0">
+                <a:solidFill>
+                  <a:srgbClr val="FF0000"/>
+                </a:solidFill>
+              </a:rPr>
+              <a:t>Blocked</a:t>
+            </a:r>
+          </a:p>
+        </p:txBody>
+      </p:sp>
+      <p:sp>
+        <p:nvSpPr>
+          <p:cNvPr id="16" name="TextBox 15"/>
+          <p:cNvSpPr txBox="1"/>
+          <p:nvPr/>
+        </p:nvSpPr>
+        <p:spPr>
+          <a:xfrm>
+            <a:off x="2457554" y="1768963"/>
+            <a:ext cx="1167307" cy="400110"/>
+          </a:xfrm>
+          <a:prstGeom prst="rect">
+            <a:avLst/>
+          </a:prstGeom>
+          <a:noFill/>
+        </p:spPr>
+        <p:txBody>
+          <a:bodyPr wrap="none" rtlCol="0">
+            <a:spAutoFit/>
+          </a:bodyPr>
+          <a:lstStyle/>
+          <a:p>
+            <a:r>
+              <a:rPr lang="en-US" sz="2000" b="1">
+                <a:solidFill>
+                  <a:schemeClr val="accent3">
+                    <a:lumMod val="75000"/>
+                  </a:schemeClr>
+                </a:solidFill>
+              </a:rPr>
+              <a:t>Allowed</a:t>
+            </a:r>
+            <a:endParaRPr lang="en-US" sz="2000" b="1" dirty="0">
+              <a:solidFill>
+                <a:schemeClr val="accent3">
+                  <a:lumMod val="75000"/>
+                </a:schemeClr>
+              </a:solidFill>
+            </a:endParaRPr>
+          </a:p>
+        </p:txBody>
+      </p:sp>
     </p:spTree>
     <p:extLst>
       <p:ext uri="{BB962C8B-B14F-4D97-AF65-F5344CB8AC3E}">
-        <p14:creationId xmlns:p14="http://schemas.microsoft.com/office/powerpoint/2010/main" val="1494849832"/>
+        <p14:creationId xmlns:p14="http://schemas.microsoft.com/office/powerpoint/2010/main" val="2819797563"/>
       </p:ext>
     </p:extLst>
   </p:cSld>
@@ -13829,12 +14753,26 @@
           </a:bodyPr>
           <a:lstStyle/>
           <a:p>
-            <a:pPr lvl="0">
+            <a:pPr marL="0" lvl="0" indent="0" algn="l" rtl="0">
+              <a:lnSpc>
+                <a:spcPct val="100000"/>
+              </a:lnSpc>
+              <a:spcBef>
+                <a:spcPts val="0"/>
+              </a:spcBef>
+              <a:spcAft>
+                <a:spcPts val="0"/>
+              </a:spcAft>
+              <a:buClr>
+                <a:srgbClr val="3D146F"/>
+              </a:buClr>
               <a:buSzPts val="3200"/>
+              <a:buFont typeface="Arial"/>
+              <a:buNone/>
             </a:pPr>
             <a:r>
               <a:rPr lang="en-US" dirty="0"/>
-              <a:t>Harvesting – Task 1</a:t>
+              <a:t>Web Scraping Etiquette</a:t>
             </a:r>
             <a:endParaRPr dirty="0"/>
           </a:p>
@@ -13890,39 +14828,749 @@
           </a:p>
         </p:txBody>
       </p:sp>
-      <p:pic>
-        <p:nvPicPr>
-          <p:cNvPr id="3" name="Picture 2" descr="A screenshot of a computer screen&#10;&#10;Description automatically generated">
-            <a:extLst>
-              <a:ext uri="{FF2B5EF4-FFF2-40B4-BE49-F238E27FC236}">
-                <a16:creationId xmlns:a16="http://schemas.microsoft.com/office/drawing/2014/main" id="{2F3B3CFB-D70E-1D48-A08A-0F2341581DD8}"/>
-              </a:ext>
-            </a:extLst>
-          </p:cNvPr>
-          <p:cNvPicPr>
-            <a:picLocks noChangeAspect="1"/>
-          </p:cNvPicPr>
+      <p:sp>
+        <p:nvSpPr>
+          <p:cNvPr id="7" name="Google Shape;60;p9"/>
+          <p:cNvSpPr txBox="1"/>
           <p:nvPr/>
-        </p:nvPicPr>
-        <p:blipFill rotWithShape="1">
-          <a:blip r:embed="rId3"/>
-          <a:srcRect l="7096" t="-442" r="26841" b="7377"/>
-          <a:stretch/>
-        </p:blipFill>
+        </p:nvSpPr>
         <p:spPr>
           <a:xfrm>
-            <a:off x="988540" y="877331"/>
-            <a:ext cx="6895071" cy="5531551"/>
+            <a:off x="367314" y="1239818"/>
+            <a:ext cx="8541000" cy="4599600"/>
           </a:xfrm>
           <a:prstGeom prst="rect">
             <a:avLst/>
           </a:prstGeom>
+          <a:noFill/>
+          <a:ln>
+            <a:noFill/>
+          </a:ln>
         </p:spPr>
-      </p:pic>
+        <p:txBody>
+          <a:bodyPr spcFirstLastPara="1" wrap="square" lIns="91425" tIns="45700" rIns="91425" bIns="45700" anchor="t" anchorCtr="0">
+            <a:noAutofit/>
+          </a:bodyPr>
+          <a:lstStyle/>
+          <a:p>
+            <a:pPr marL="457200" indent="-457200">
+              <a:buFont typeface="+mj-lt"/>
+              <a:buAutoNum type="arabicPeriod"/>
+            </a:pPr>
+            <a:r>
+              <a:rPr lang="en-US" sz="2400" dirty="0"/>
+              <a:t>Follow the guidelines of </a:t>
+            </a:r>
+            <a:r>
+              <a:rPr lang="en-US" sz="2400" i="1" dirty="0" err="1"/>
+              <a:t>robots.txt</a:t>
+            </a:r>
+            <a:r>
+              <a:rPr lang="en-US" sz="2400" i="1" dirty="0"/>
+              <a:t> </a:t>
+            </a:r>
+            <a:r>
+              <a:rPr lang="en-US" sz="2400" dirty="0"/>
+              <a:t>and Terms of Service</a:t>
+            </a:r>
+            <a:endParaRPr lang="en-US" sz="2400" i="1" dirty="0"/>
+          </a:p>
+          <a:p>
+            <a:pPr marL="457200" indent="-457200">
+              <a:buFont typeface="+mj-lt"/>
+              <a:buAutoNum type="arabicPeriod"/>
+            </a:pPr>
+            <a:endParaRPr lang="en-US" sz="2400" i="1" dirty="0"/>
+          </a:p>
+          <a:p>
+            <a:pPr marL="457200" indent="-457200">
+              <a:buFont typeface="+mj-lt"/>
+              <a:buAutoNum type="arabicPeriod"/>
+            </a:pPr>
+            <a:endParaRPr lang="en-US" sz="2400" i="1" dirty="0"/>
+          </a:p>
+          <a:p>
+            <a:pPr marL="457200" indent="-457200">
+              <a:buFont typeface="+mj-lt"/>
+              <a:buAutoNum type="arabicPeriod"/>
+            </a:pPr>
+            <a:endParaRPr lang="en-US" sz="2400" i="1" dirty="0"/>
+          </a:p>
+          <a:p>
+            <a:pPr marL="457200" indent="-457200">
+              <a:buFont typeface="+mj-lt"/>
+              <a:buAutoNum type="arabicPeriod"/>
+            </a:pPr>
+            <a:endParaRPr lang="en-US" sz="2400" i="1" dirty="0"/>
+          </a:p>
+          <a:p>
+            <a:pPr marL="457200" indent="-457200">
+              <a:buFont typeface="+mj-lt"/>
+              <a:buAutoNum type="arabicPeriod"/>
+            </a:pPr>
+            <a:endParaRPr lang="en-US" sz="2400" dirty="0"/>
+          </a:p>
+          <a:p>
+            <a:pPr marL="350838" indent="-350838">
+              <a:buFont typeface="+mj-lt"/>
+              <a:buAutoNum type="arabicPeriod"/>
+            </a:pPr>
+            <a:endParaRPr lang="en-US" sz="1500" dirty="0"/>
+          </a:p>
+          <a:p>
+            <a:pPr marL="342900" indent="-342900">
+              <a:buFont typeface="+mj-lt"/>
+              <a:buAutoNum type="arabicPeriod"/>
+            </a:pPr>
+            <a:endParaRPr lang="en-US" sz="1500" dirty="0"/>
+          </a:p>
+          <a:p>
+            <a:pPr marL="457200" indent="-457200">
+              <a:buFont typeface="+mj-lt"/>
+              <a:buAutoNum type="arabicPeriod"/>
+            </a:pPr>
+            <a:r>
+              <a:rPr lang="en-US" sz="2400" dirty="0"/>
+              <a:t>Use your own IP address (Don’t Lie)</a:t>
+            </a:r>
+          </a:p>
+          <a:p>
+            <a:pPr marL="342900" indent="-342900">
+              <a:buFont typeface="+mj-lt"/>
+              <a:buAutoNum type="arabicPeriod"/>
+            </a:pPr>
+            <a:endParaRPr lang="en-US" sz="1500" dirty="0"/>
+          </a:p>
+          <a:p>
+            <a:pPr marL="457200" indent="-457200">
+              <a:buFont typeface="+mj-lt"/>
+              <a:buAutoNum type="arabicPeriod"/>
+            </a:pPr>
+            <a:r>
+              <a:rPr lang="en-US" sz="2400" dirty="0"/>
+              <a:t>Throttle your requests -- Sleep Times</a:t>
+            </a:r>
+          </a:p>
+          <a:p>
+            <a:pPr marL="342900" lvl="1" indent="-342900">
+              <a:buFont typeface="+mj-lt"/>
+              <a:buAutoNum type="arabicPeriod"/>
+            </a:pPr>
+            <a:endParaRPr lang="en-US" sz="1500" dirty="0"/>
+          </a:p>
+          <a:p>
+            <a:pPr marL="457200" indent="-457200">
+              <a:buFont typeface="+mj-lt"/>
+              <a:buAutoNum type="arabicPeriod"/>
+            </a:pPr>
+            <a:r>
+              <a:rPr lang="en-US" sz="2400" dirty="0"/>
+              <a:t>When in doubt, ask for permission</a:t>
+            </a:r>
+          </a:p>
+          <a:p>
+            <a:pPr lvl="2"/>
+            <a:r>
+              <a:rPr lang="en-US" sz="2400" dirty="0"/>
+              <a:t>	</a:t>
+            </a:r>
+            <a:endParaRPr sz="1800" b="0" i="0" u="none" strike="noStrike" cap="none" dirty="0">
+              <a:solidFill>
+                <a:schemeClr val="dk1"/>
+              </a:solidFill>
+              <a:latin typeface="Arial"/>
+              <a:ea typeface="Arial"/>
+              <a:cs typeface="Arial"/>
+              <a:sym typeface="Arial"/>
+            </a:endParaRPr>
+          </a:p>
+          <a:p>
+            <a:pPr marL="457200" marR="0" lvl="1" indent="0" algn="l" rtl="0">
+              <a:lnSpc>
+                <a:spcPct val="100000"/>
+              </a:lnSpc>
+              <a:spcBef>
+                <a:spcPts val="0"/>
+              </a:spcBef>
+              <a:spcAft>
+                <a:spcPts val="0"/>
+              </a:spcAft>
+              <a:buClr>
+                <a:srgbClr val="000000"/>
+              </a:buClr>
+              <a:buSzPts val="1800"/>
+              <a:buFont typeface="Arial"/>
+              <a:buNone/>
+            </a:pPr>
+            <a:endParaRPr sz="1800" b="0" i="0" u="none" strike="noStrike" cap="none" dirty="0">
+              <a:solidFill>
+                <a:schemeClr val="dk1"/>
+              </a:solidFill>
+              <a:latin typeface="Arial"/>
+              <a:ea typeface="Arial"/>
+              <a:cs typeface="Arial"/>
+              <a:sym typeface="Arial"/>
+            </a:endParaRPr>
+          </a:p>
+          <a:p>
+            <a:pPr marL="0" marR="0" lvl="0" indent="0" algn="l" rtl="0">
+              <a:lnSpc>
+                <a:spcPct val="100000"/>
+              </a:lnSpc>
+              <a:spcBef>
+                <a:spcPts val="0"/>
+              </a:spcBef>
+              <a:spcAft>
+                <a:spcPts val="0"/>
+              </a:spcAft>
+              <a:buClr>
+                <a:srgbClr val="000000"/>
+              </a:buClr>
+              <a:buSzPts val="1800"/>
+              <a:buFont typeface="Arial"/>
+              <a:buNone/>
+            </a:pPr>
+            <a:endParaRPr sz="1800" b="0" i="0" u="none" strike="noStrike" cap="none" dirty="0">
+              <a:solidFill>
+                <a:schemeClr val="dk1"/>
+              </a:solidFill>
+              <a:latin typeface="Arial"/>
+              <a:ea typeface="Arial"/>
+              <a:cs typeface="Arial"/>
+              <a:sym typeface="Arial"/>
+            </a:endParaRPr>
+          </a:p>
+          <a:p>
+            <a:pPr marL="0" marR="0" lvl="0" indent="0" algn="l" rtl="0">
+              <a:lnSpc>
+                <a:spcPct val="100000"/>
+              </a:lnSpc>
+              <a:spcBef>
+                <a:spcPts val="0"/>
+              </a:spcBef>
+              <a:spcAft>
+                <a:spcPts val="0"/>
+              </a:spcAft>
+              <a:buClr>
+                <a:srgbClr val="000000"/>
+              </a:buClr>
+              <a:buSzPts val="1800"/>
+              <a:buFont typeface="Arial"/>
+              <a:buNone/>
+            </a:pPr>
+            <a:endParaRPr sz="1800" b="0" i="0" u="none" strike="noStrike" cap="none" dirty="0">
+              <a:solidFill>
+                <a:schemeClr val="dk1"/>
+              </a:solidFill>
+              <a:latin typeface="Arial"/>
+              <a:ea typeface="Arial"/>
+              <a:cs typeface="Arial"/>
+              <a:sym typeface="Arial"/>
+            </a:endParaRPr>
+          </a:p>
+          <a:p>
+            <a:pPr marL="0" marR="0" lvl="0" indent="0" algn="l" rtl="0">
+              <a:lnSpc>
+                <a:spcPct val="100000"/>
+              </a:lnSpc>
+              <a:spcBef>
+                <a:spcPts val="0"/>
+              </a:spcBef>
+              <a:spcAft>
+                <a:spcPts val="0"/>
+              </a:spcAft>
+              <a:buClr>
+                <a:srgbClr val="000000"/>
+              </a:buClr>
+              <a:buSzPts val="1800"/>
+              <a:buFont typeface="Arial"/>
+              <a:buNone/>
+            </a:pPr>
+            <a:endParaRPr sz="1800" b="0" i="0" u="none" strike="noStrike" cap="none" dirty="0">
+              <a:solidFill>
+                <a:schemeClr val="dk1"/>
+              </a:solidFill>
+              <a:latin typeface="Arial"/>
+              <a:ea typeface="Arial"/>
+              <a:cs typeface="Arial"/>
+              <a:sym typeface="Arial"/>
+            </a:endParaRPr>
+          </a:p>
+          <a:p>
+            <a:pPr marL="0" marR="0" lvl="0" indent="0" algn="l" rtl="0">
+              <a:lnSpc>
+                <a:spcPct val="100000"/>
+              </a:lnSpc>
+              <a:spcBef>
+                <a:spcPts val="0"/>
+              </a:spcBef>
+              <a:spcAft>
+                <a:spcPts val="0"/>
+              </a:spcAft>
+              <a:buClr>
+                <a:srgbClr val="000000"/>
+              </a:buClr>
+              <a:buSzPts val="1800"/>
+              <a:buFont typeface="Arial"/>
+              <a:buNone/>
+            </a:pPr>
+            <a:endParaRPr sz="1800" b="0" i="0" u="none" strike="noStrike" cap="none" dirty="0">
+              <a:solidFill>
+                <a:schemeClr val="dk1"/>
+              </a:solidFill>
+              <a:latin typeface="Arial"/>
+              <a:ea typeface="Arial"/>
+              <a:cs typeface="Arial"/>
+              <a:sym typeface="Arial"/>
+            </a:endParaRPr>
+          </a:p>
+          <a:p>
+            <a:pPr marL="0" marR="0" lvl="0" indent="0" algn="l" rtl="0">
+              <a:lnSpc>
+                <a:spcPct val="100000"/>
+              </a:lnSpc>
+              <a:spcBef>
+                <a:spcPts val="0"/>
+              </a:spcBef>
+              <a:spcAft>
+                <a:spcPts val="0"/>
+              </a:spcAft>
+              <a:buClr>
+                <a:srgbClr val="000000"/>
+              </a:buClr>
+              <a:buSzPts val="1800"/>
+              <a:buFont typeface="Arial"/>
+              <a:buNone/>
+            </a:pPr>
+            <a:endParaRPr sz="1800" b="0" i="0" u="none" strike="noStrike" cap="none" dirty="0">
+              <a:solidFill>
+                <a:schemeClr val="dk1"/>
+              </a:solidFill>
+              <a:latin typeface="Arial"/>
+              <a:ea typeface="Arial"/>
+              <a:cs typeface="Arial"/>
+              <a:sym typeface="Arial"/>
+            </a:endParaRPr>
+          </a:p>
+          <a:p>
+            <a:pPr marL="0" marR="0" lvl="0" indent="0" algn="l" rtl="0">
+              <a:lnSpc>
+                <a:spcPct val="100000"/>
+              </a:lnSpc>
+              <a:spcBef>
+                <a:spcPts val="0"/>
+              </a:spcBef>
+              <a:spcAft>
+                <a:spcPts val="0"/>
+              </a:spcAft>
+              <a:buClr>
+                <a:srgbClr val="000000"/>
+              </a:buClr>
+              <a:buSzPts val="1800"/>
+              <a:buFont typeface="Arial"/>
+              <a:buNone/>
+            </a:pPr>
+            <a:endParaRPr sz="1800" b="0" i="0" u="none" strike="noStrike" cap="none" dirty="0">
+              <a:solidFill>
+                <a:schemeClr val="dk1"/>
+              </a:solidFill>
+              <a:latin typeface="Arial"/>
+              <a:ea typeface="Arial"/>
+              <a:cs typeface="Arial"/>
+              <a:sym typeface="Arial"/>
+            </a:endParaRPr>
+          </a:p>
+          <a:p>
+            <a:pPr marL="0" marR="0" lvl="0" indent="0" algn="l" rtl="0">
+              <a:lnSpc>
+                <a:spcPct val="100000"/>
+              </a:lnSpc>
+              <a:spcBef>
+                <a:spcPts val="0"/>
+              </a:spcBef>
+              <a:spcAft>
+                <a:spcPts val="0"/>
+              </a:spcAft>
+              <a:buClr>
+                <a:srgbClr val="000000"/>
+              </a:buClr>
+              <a:buSzPts val="1800"/>
+              <a:buFont typeface="Arial"/>
+              <a:buNone/>
+            </a:pPr>
+            <a:endParaRPr sz="1800" b="0" i="0" u="none" strike="noStrike" cap="none" dirty="0">
+              <a:solidFill>
+                <a:schemeClr val="dk1"/>
+              </a:solidFill>
+              <a:latin typeface="Arial"/>
+              <a:ea typeface="Arial"/>
+              <a:cs typeface="Arial"/>
+              <a:sym typeface="Arial"/>
+            </a:endParaRPr>
+          </a:p>
+          <a:p>
+            <a:pPr marL="0" marR="0" lvl="0" indent="0" algn="l" rtl="0">
+              <a:lnSpc>
+                <a:spcPct val="100000"/>
+              </a:lnSpc>
+              <a:spcBef>
+                <a:spcPts val="0"/>
+              </a:spcBef>
+              <a:spcAft>
+                <a:spcPts val="0"/>
+              </a:spcAft>
+              <a:buClr>
+                <a:srgbClr val="000000"/>
+              </a:buClr>
+              <a:buSzPts val="1800"/>
+              <a:buFont typeface="Arial"/>
+              <a:buNone/>
+            </a:pPr>
+            <a:endParaRPr sz="1800" b="0" i="0" u="none" strike="noStrike" cap="none" dirty="0">
+              <a:solidFill>
+                <a:schemeClr val="dk1"/>
+              </a:solidFill>
+              <a:latin typeface="Arial"/>
+              <a:ea typeface="Arial"/>
+              <a:cs typeface="Arial"/>
+              <a:sym typeface="Arial"/>
+            </a:endParaRPr>
+          </a:p>
+        </p:txBody>
+      </p:sp>
+      <p:sp>
+        <p:nvSpPr>
+          <p:cNvPr id="4" name="Folded Corner 3"/>
+          <p:cNvSpPr/>
+          <p:nvPr/>
+        </p:nvSpPr>
+        <p:spPr>
+          <a:xfrm rot="10800000" flipH="1">
+            <a:off x="1750596" y="2300944"/>
+            <a:ext cx="2489200" cy="1346200"/>
+          </a:xfrm>
+          <a:prstGeom prst="foldedCorner">
+            <a:avLst>
+              <a:gd name="adj" fmla="val 34936"/>
+            </a:avLst>
+          </a:prstGeom>
+          <a:solidFill>
+            <a:schemeClr val="accent4">
+              <a:lumMod val="40000"/>
+              <a:lumOff val="60000"/>
+            </a:schemeClr>
+          </a:solidFill>
+          <a:ln>
+            <a:solidFill>
+              <a:srgbClr val="7030A0"/>
+            </a:solidFill>
+          </a:ln>
+        </p:spPr>
+        <p:style>
+          <a:lnRef idx="2">
+            <a:schemeClr val="accent1">
+              <a:shade val="50000"/>
+            </a:schemeClr>
+          </a:lnRef>
+          <a:fillRef idx="1">
+            <a:schemeClr val="accent1"/>
+          </a:fillRef>
+          <a:effectRef idx="0">
+            <a:schemeClr val="accent1"/>
+          </a:effectRef>
+          <a:fontRef idx="minor">
+            <a:schemeClr val="lt1"/>
+          </a:fontRef>
+        </p:style>
+        <p:txBody>
+          <a:bodyPr rtlCol="0" anchor="ctr"/>
+          <a:lstStyle/>
+          <a:p>
+            <a:pPr algn="ctr"/>
+            <a:endParaRPr lang="en-US" dirty="0"/>
+          </a:p>
+        </p:txBody>
+      </p:sp>
+      <p:sp>
+        <p:nvSpPr>
+          <p:cNvPr id="5" name="TextBox 4"/>
+          <p:cNvSpPr txBox="1"/>
+          <p:nvPr/>
+        </p:nvSpPr>
+        <p:spPr>
+          <a:xfrm>
+            <a:off x="2008867" y="2420045"/>
+            <a:ext cx="1877437" cy="1477328"/>
+          </a:xfrm>
+          <a:prstGeom prst="rect">
+            <a:avLst/>
+          </a:prstGeom>
+          <a:noFill/>
+        </p:spPr>
+        <p:txBody>
+          <a:bodyPr wrap="none" rtlCol="0">
+            <a:spAutoFit/>
+          </a:bodyPr>
+          <a:lstStyle/>
+          <a:p>
+            <a:r>
+              <a:rPr lang="en-US" sz="1800" b="1" dirty="0">
+                <a:solidFill>
+                  <a:srgbClr val="7030A0"/>
+                </a:solidFill>
+              </a:rPr>
+              <a:t>User-Agent: *</a:t>
+            </a:r>
+          </a:p>
+          <a:p>
+            <a:r>
+              <a:rPr lang="en-US" sz="1800" b="1" dirty="0">
+                <a:solidFill>
+                  <a:srgbClr val="7030A0"/>
+                </a:solidFill>
+              </a:rPr>
+              <a:t>Disallow: /</a:t>
+            </a:r>
+          </a:p>
+          <a:p>
+            <a:r>
+              <a:rPr lang="en-US" sz="1800" b="1" dirty="0">
+                <a:solidFill>
+                  <a:srgbClr val="7030A0"/>
+                </a:solidFill>
+              </a:rPr>
+              <a:t>Allow: /</a:t>
+            </a:r>
+          </a:p>
+          <a:p>
+            <a:r>
+              <a:rPr lang="en-US" sz="1800" b="1" dirty="0">
+                <a:solidFill>
+                  <a:srgbClr val="7030A0"/>
+                </a:solidFill>
+              </a:rPr>
+              <a:t>Crawl-delay: 20</a:t>
+            </a:r>
+          </a:p>
+          <a:p>
+            <a:endParaRPr lang="en-US" sz="1800" b="1" dirty="0">
+              <a:solidFill>
+                <a:srgbClr val="7030A0"/>
+              </a:solidFill>
+            </a:endParaRPr>
+          </a:p>
+        </p:txBody>
+      </p:sp>
+      <p:sp>
+        <p:nvSpPr>
+          <p:cNvPr id="10" name="Folded Corner 9"/>
+          <p:cNvSpPr/>
+          <p:nvPr/>
+        </p:nvSpPr>
+        <p:spPr>
+          <a:xfrm rot="10800000" flipH="1">
+            <a:off x="5449596" y="2289343"/>
+            <a:ext cx="2489200" cy="1346200"/>
+          </a:xfrm>
+          <a:prstGeom prst="foldedCorner">
+            <a:avLst>
+              <a:gd name="adj" fmla="val 34936"/>
+            </a:avLst>
+          </a:prstGeom>
+          <a:solidFill>
+            <a:schemeClr val="accent4">
+              <a:lumMod val="40000"/>
+              <a:lumOff val="60000"/>
+            </a:schemeClr>
+          </a:solidFill>
+          <a:ln>
+            <a:solidFill>
+              <a:srgbClr val="7030A0"/>
+            </a:solidFill>
+          </a:ln>
+        </p:spPr>
+        <p:style>
+          <a:lnRef idx="2">
+            <a:schemeClr val="accent1">
+              <a:shade val="50000"/>
+            </a:schemeClr>
+          </a:lnRef>
+          <a:fillRef idx="1">
+            <a:schemeClr val="accent1"/>
+          </a:fillRef>
+          <a:effectRef idx="0">
+            <a:schemeClr val="accent1"/>
+          </a:effectRef>
+          <a:fontRef idx="minor">
+            <a:schemeClr val="lt1"/>
+          </a:fontRef>
+        </p:style>
+        <p:txBody>
+          <a:bodyPr rtlCol="0" anchor="ctr"/>
+          <a:lstStyle/>
+          <a:p>
+            <a:pPr algn="ctr"/>
+            <a:endParaRPr lang="en-US" dirty="0"/>
+          </a:p>
+        </p:txBody>
+      </p:sp>
+      <p:sp>
+        <p:nvSpPr>
+          <p:cNvPr id="11" name="TextBox 10"/>
+          <p:cNvSpPr txBox="1"/>
+          <p:nvPr/>
+        </p:nvSpPr>
+        <p:spPr>
+          <a:xfrm>
+            <a:off x="5864481" y="2558545"/>
+            <a:ext cx="1659429" cy="646331"/>
+          </a:xfrm>
+          <a:prstGeom prst="rect">
+            <a:avLst/>
+          </a:prstGeom>
+          <a:noFill/>
+        </p:spPr>
+        <p:txBody>
+          <a:bodyPr wrap="none" rtlCol="0">
+            <a:spAutoFit/>
+          </a:bodyPr>
+          <a:lstStyle/>
+          <a:p>
+            <a:r>
+              <a:rPr lang="en-US" sz="1800" b="1" dirty="0">
+                <a:solidFill>
+                  <a:srgbClr val="7030A0"/>
+                </a:solidFill>
+              </a:rPr>
+              <a:t>User-Agent: *</a:t>
+            </a:r>
+          </a:p>
+          <a:p>
+            <a:r>
+              <a:rPr lang="en-US" sz="1800" b="1" dirty="0">
+                <a:solidFill>
+                  <a:srgbClr val="7030A0"/>
+                </a:solidFill>
+              </a:rPr>
+              <a:t>Disallow: / </a:t>
+            </a:r>
+          </a:p>
+        </p:txBody>
+      </p:sp>
+      <p:cxnSp>
+        <p:nvCxnSpPr>
+          <p:cNvPr id="8" name="Straight Connector 7"/>
+          <p:cNvCxnSpPr/>
+          <p:nvPr/>
+        </p:nvCxnSpPr>
+        <p:spPr>
+          <a:xfrm>
+            <a:off x="4811296" y="1945344"/>
+            <a:ext cx="0" cy="1766400"/>
+          </a:xfrm>
+          <a:prstGeom prst="line">
+            <a:avLst/>
+          </a:prstGeom>
+          <a:ln w="28575">
+            <a:solidFill>
+              <a:srgbClr val="7030A0"/>
+            </a:solidFill>
+          </a:ln>
+        </p:spPr>
+        <p:style>
+          <a:lnRef idx="1">
+            <a:schemeClr val="accent1"/>
+          </a:lnRef>
+          <a:fillRef idx="0">
+            <a:schemeClr val="accent1"/>
+          </a:fillRef>
+          <a:effectRef idx="0">
+            <a:schemeClr val="accent1"/>
+          </a:effectRef>
+          <a:fontRef idx="minor">
+            <a:schemeClr val="tx1"/>
+          </a:fontRef>
+        </p:style>
+      </p:cxnSp>
+      <p:sp>
+        <p:nvSpPr>
+          <p:cNvPr id="15" name="TextBox 14"/>
+          <p:cNvSpPr txBox="1"/>
+          <p:nvPr/>
+        </p:nvSpPr>
+        <p:spPr>
+          <a:xfrm>
+            <a:off x="6183017" y="1767865"/>
+            <a:ext cx="1183337" cy="400110"/>
+          </a:xfrm>
+          <a:prstGeom prst="rect">
+            <a:avLst/>
+          </a:prstGeom>
+          <a:noFill/>
+        </p:spPr>
+        <p:txBody>
+          <a:bodyPr wrap="none" rtlCol="0">
+            <a:spAutoFit/>
+          </a:bodyPr>
+          <a:lstStyle/>
+          <a:p>
+            <a:r>
+              <a:rPr lang="en-US" sz="2000" b="1" dirty="0">
+                <a:solidFill>
+                  <a:srgbClr val="FF0000"/>
+                </a:solidFill>
+              </a:rPr>
+              <a:t>Blocked</a:t>
+            </a:r>
+          </a:p>
+        </p:txBody>
+      </p:sp>
+      <p:sp>
+        <p:nvSpPr>
+          <p:cNvPr id="16" name="TextBox 15"/>
+          <p:cNvSpPr txBox="1"/>
+          <p:nvPr/>
+        </p:nvSpPr>
+        <p:spPr>
+          <a:xfrm>
+            <a:off x="2457554" y="1768963"/>
+            <a:ext cx="1167307" cy="400110"/>
+          </a:xfrm>
+          <a:prstGeom prst="rect">
+            <a:avLst/>
+          </a:prstGeom>
+          <a:noFill/>
+        </p:spPr>
+        <p:txBody>
+          <a:bodyPr wrap="none" rtlCol="0">
+            <a:spAutoFit/>
+          </a:bodyPr>
+          <a:lstStyle/>
+          <a:p>
+            <a:r>
+              <a:rPr lang="en-US" sz="2000" b="1">
+                <a:solidFill>
+                  <a:schemeClr val="accent3">
+                    <a:lumMod val="75000"/>
+                  </a:schemeClr>
+                </a:solidFill>
+              </a:rPr>
+              <a:t>Allowed</a:t>
+            </a:r>
+            <a:endParaRPr lang="en-US" sz="2000" b="1" dirty="0">
+              <a:solidFill>
+                <a:schemeClr val="accent3">
+                  <a:lumMod val="75000"/>
+                </a:schemeClr>
+              </a:solidFill>
+            </a:endParaRPr>
+          </a:p>
+        </p:txBody>
+      </p:sp>
     </p:spTree>
     <p:extLst>
       <p:ext uri="{BB962C8B-B14F-4D97-AF65-F5344CB8AC3E}">
-        <p14:creationId xmlns:p14="http://schemas.microsoft.com/office/powerpoint/2010/main" val="2855543437"/>
+        <p14:creationId xmlns:p14="http://schemas.microsoft.com/office/powerpoint/2010/main" val="2598595206"/>
       </p:ext>
     </p:extLst>
   </p:cSld>
@@ -13978,30 +15626,12 @@
           </a:bodyPr>
           <a:lstStyle/>
           <a:p>
-            <a:pPr marL="0" lvl="0" indent="0" algn="l" rtl="0">
-              <a:lnSpc>
-                <a:spcPct val="100000"/>
-              </a:lnSpc>
-              <a:spcBef>
-                <a:spcPts val="0"/>
-              </a:spcBef>
-              <a:spcAft>
-                <a:spcPts val="0"/>
-              </a:spcAft>
-              <a:buClr>
-                <a:srgbClr val="3D146F"/>
-              </a:buClr>
+            <a:pPr lvl="0">
               <a:buSzPts val="3200"/>
-              <a:buFont typeface="Arial"/>
-              <a:buNone/>
             </a:pPr>
             <a:r>
               <a:rPr lang="en-US" dirty="0"/>
-              <a:t>GET Methods – </a:t>
-            </a:r>
-            <a:r>
-              <a:rPr lang="en-US" dirty="0" err="1"/>
-              <a:t>wget</a:t>
+              <a:t>Harvesting – GET Methods</a:t>
             </a:r>
             <a:endParaRPr dirty="0"/>
           </a:p>
@@ -14065,7 +15695,812 @@
         </p:nvSpPr>
         <p:spPr>
           <a:xfrm>
-            <a:off x="602247" y="901700"/>
+            <a:off x="457200" y="1143000"/>
+            <a:ext cx="8039100" cy="4017319"/>
+          </a:xfrm>
+          <a:prstGeom prst="rect">
+            <a:avLst/>
+          </a:prstGeom>
+          <a:noFill/>
+          <a:ln>
+            <a:noFill/>
+          </a:ln>
+        </p:spPr>
+        <p:txBody>
+          <a:bodyPr spcFirstLastPara="1" wrap="square" lIns="91425" tIns="45700" rIns="91425" bIns="45700" anchor="t" anchorCtr="0">
+            <a:noAutofit/>
+          </a:bodyPr>
+          <a:lstStyle/>
+          <a:p>
+            <a:pPr lvl="0"/>
+            <a:r>
+              <a:rPr lang="en-US" sz="2400" dirty="0"/>
+              <a:t>GET requests are an HTTP method a client (your computer) can call</a:t>
+            </a:r>
+          </a:p>
+          <a:p>
+            <a:pPr lvl="0"/>
+            <a:endParaRPr lang="en-US" sz="2400" dirty="0"/>
+          </a:p>
+          <a:p>
+            <a:pPr lvl="0"/>
+            <a:endParaRPr sz="900" dirty="0">
+              <a:solidFill>
+                <a:schemeClr val="dk1"/>
+              </a:solidFill>
+            </a:endParaRPr>
+          </a:p>
+          <a:p>
+            <a:pPr marL="457200" lvl="0" indent="-457200">
+              <a:buClr>
+                <a:schemeClr val="dk1"/>
+              </a:buClr>
+              <a:buSzPts val="1800"/>
+              <a:buFont typeface="+mj-lt"/>
+              <a:buAutoNum type="arabicPeriod"/>
+            </a:pPr>
+            <a:r>
+              <a:rPr lang="en-US" sz="2400" b="1" dirty="0" err="1">
+                <a:solidFill>
+                  <a:schemeClr val="dk1"/>
+                </a:solidFill>
+              </a:rPr>
+              <a:t>wget</a:t>
+            </a:r>
+            <a:r>
+              <a:rPr lang="en-US" sz="2400" b="1" dirty="0">
+                <a:solidFill>
+                  <a:schemeClr val="dk1"/>
+                </a:solidFill>
+              </a:rPr>
+              <a:t> (</a:t>
+            </a:r>
+            <a:r>
+              <a:rPr lang="en-US" sz="2400" b="1" dirty="0"/>
+              <a:t>World Wide Web + get)</a:t>
+            </a:r>
+            <a:r>
+              <a:rPr lang="en-US" sz="2400" b="1" dirty="0">
+                <a:solidFill>
+                  <a:schemeClr val="dk1"/>
+                </a:solidFill>
+              </a:rPr>
+              <a:t> </a:t>
+            </a:r>
+            <a:r>
+              <a:rPr lang="mr-IN" sz="2400" dirty="0">
+                <a:solidFill>
+                  <a:schemeClr val="dk1"/>
+                </a:solidFill>
+              </a:rPr>
+              <a:t>–</a:t>
+            </a:r>
+            <a:r>
+              <a:rPr lang="en-US" sz="2400" dirty="0">
+                <a:solidFill>
+                  <a:schemeClr val="dk1"/>
+                </a:solidFill>
+              </a:rPr>
+              <a:t> A command line utility used to retrieve files via </a:t>
+            </a:r>
+            <a:r>
+              <a:rPr lang="en-US" sz="2400" dirty="0"/>
+              <a:t>HTTP, HTTPS, and FTP </a:t>
+            </a:r>
+          </a:p>
+          <a:p>
+            <a:pPr marL="457200" lvl="0" indent="-457200">
+              <a:buClr>
+                <a:schemeClr val="dk1"/>
+              </a:buClr>
+              <a:buSzPts val="1800"/>
+              <a:buFont typeface="+mj-lt"/>
+              <a:buAutoNum type="arabicPeriod"/>
+            </a:pPr>
+            <a:endParaRPr lang="en-US" sz="2400" dirty="0"/>
+          </a:p>
+          <a:p>
+            <a:pPr marL="457200" lvl="0" indent="-457200">
+              <a:buClr>
+                <a:schemeClr val="dk1"/>
+              </a:buClr>
+              <a:buSzPts val="1800"/>
+              <a:buFont typeface="+mj-lt"/>
+              <a:buAutoNum type="arabicPeriod"/>
+            </a:pPr>
+            <a:r>
+              <a:rPr lang="en-US" sz="2400" b="1" dirty="0">
+                <a:solidFill>
+                  <a:schemeClr val="dk1"/>
+                </a:solidFill>
+              </a:rPr>
+              <a:t>curl (</a:t>
+            </a:r>
+            <a:r>
+              <a:rPr lang="en-US" sz="2400" b="1" dirty="0"/>
+              <a:t>Client for URLs)</a:t>
+            </a:r>
+            <a:r>
+              <a:rPr lang="en-US" sz="2400" b="1" dirty="0">
+                <a:solidFill>
+                  <a:schemeClr val="dk1"/>
+                </a:solidFill>
+              </a:rPr>
+              <a:t> </a:t>
+            </a:r>
+            <a:r>
+              <a:rPr lang="mr-IN" sz="2400" dirty="0">
+                <a:solidFill>
+                  <a:schemeClr val="dk1"/>
+                </a:solidFill>
+              </a:rPr>
+              <a:t>–</a:t>
+            </a:r>
+            <a:r>
+              <a:rPr lang="en-US" sz="2400" dirty="0">
+                <a:solidFill>
+                  <a:schemeClr val="dk1"/>
+                </a:solidFill>
+              </a:rPr>
+              <a:t> A command line tool used to retrieve files via many protocols</a:t>
+            </a:r>
+          </a:p>
+          <a:p>
+            <a:pPr marL="457200" lvl="0" indent="-457200">
+              <a:buClr>
+                <a:schemeClr val="dk1"/>
+              </a:buClr>
+              <a:buSzPts val="1800"/>
+              <a:buFont typeface="+mj-lt"/>
+              <a:buAutoNum type="arabicPeriod"/>
+            </a:pPr>
+            <a:endParaRPr lang="en-US" sz="2400" dirty="0">
+              <a:solidFill>
+                <a:schemeClr val="dk1"/>
+              </a:solidFill>
+            </a:endParaRPr>
+          </a:p>
+          <a:p>
+            <a:pPr marL="457200" lvl="0" indent="-457200">
+              <a:buClr>
+                <a:schemeClr val="dk1"/>
+              </a:buClr>
+              <a:buSzPts val="1800"/>
+              <a:buFont typeface="+mj-lt"/>
+              <a:buAutoNum type="arabicPeriod"/>
+            </a:pPr>
+            <a:r>
+              <a:rPr lang="en-US" sz="2400" b="1" dirty="0">
+                <a:solidFill>
+                  <a:schemeClr val="dk1"/>
+                </a:solidFill>
+              </a:rPr>
+              <a:t>requests</a:t>
+            </a:r>
+            <a:r>
+              <a:rPr lang="en-US" sz="2400" dirty="0">
+                <a:solidFill>
+                  <a:schemeClr val="dk1"/>
+                </a:solidFill>
+              </a:rPr>
+              <a:t> </a:t>
+            </a:r>
+            <a:r>
+              <a:rPr lang="mr-IN" sz="2400" dirty="0">
+                <a:solidFill>
+                  <a:schemeClr val="dk1"/>
+                </a:solidFill>
+              </a:rPr>
+              <a:t>–</a:t>
+            </a:r>
+            <a:r>
+              <a:rPr lang="en-US" sz="2400" dirty="0">
+                <a:solidFill>
+                  <a:schemeClr val="dk1"/>
+                </a:solidFill>
+              </a:rPr>
+              <a:t> The de facto library for making HTTP requests in Python</a:t>
+            </a:r>
+          </a:p>
+          <a:p>
+            <a:pPr marL="285750" lvl="0" indent="-285750" algn="l" rtl="0">
+              <a:spcBef>
+                <a:spcPts val="0"/>
+              </a:spcBef>
+              <a:spcAft>
+                <a:spcPts val="0"/>
+              </a:spcAft>
+              <a:buClr>
+                <a:schemeClr val="dk1"/>
+              </a:buClr>
+              <a:buSzPts val="1800"/>
+              <a:buChar char="•"/>
+            </a:pPr>
+            <a:endParaRPr lang="en-US" sz="800" b="0" i="0" u="none" strike="noStrike" cap="none" dirty="0">
+              <a:solidFill>
+                <a:schemeClr val="dk1"/>
+              </a:solidFill>
+              <a:sym typeface="Arial"/>
+            </a:endParaRPr>
+          </a:p>
+          <a:p>
+            <a:pPr marL="742950" marR="0" lvl="1" indent="-171450" algn="l" rtl="0">
+              <a:lnSpc>
+                <a:spcPct val="100000"/>
+              </a:lnSpc>
+              <a:spcBef>
+                <a:spcPts val="0"/>
+              </a:spcBef>
+              <a:spcAft>
+                <a:spcPts val="0"/>
+              </a:spcAft>
+              <a:buClr>
+                <a:schemeClr val="dk1"/>
+              </a:buClr>
+              <a:buSzPts val="1800"/>
+              <a:buFont typeface="Courier New"/>
+              <a:buNone/>
+            </a:pPr>
+            <a:endParaRPr sz="1800" b="0" i="0" u="none" strike="noStrike" cap="none" dirty="0">
+              <a:solidFill>
+                <a:schemeClr val="dk1"/>
+              </a:solidFill>
+              <a:latin typeface="Arial"/>
+              <a:ea typeface="Arial"/>
+              <a:cs typeface="Arial"/>
+              <a:sym typeface="Arial"/>
+            </a:endParaRPr>
+          </a:p>
+          <a:p>
+            <a:pPr marL="457200" marR="0" lvl="1" indent="0" algn="l" rtl="0">
+              <a:lnSpc>
+                <a:spcPct val="100000"/>
+              </a:lnSpc>
+              <a:spcBef>
+                <a:spcPts val="0"/>
+              </a:spcBef>
+              <a:spcAft>
+                <a:spcPts val="0"/>
+              </a:spcAft>
+              <a:buClr>
+                <a:srgbClr val="000000"/>
+              </a:buClr>
+              <a:buSzPts val="1800"/>
+              <a:buFont typeface="Arial"/>
+              <a:buNone/>
+            </a:pPr>
+            <a:endParaRPr sz="1800" b="0" i="0" u="none" strike="noStrike" cap="none" dirty="0">
+              <a:solidFill>
+                <a:schemeClr val="dk1"/>
+              </a:solidFill>
+              <a:latin typeface="Arial"/>
+              <a:ea typeface="Arial"/>
+              <a:cs typeface="Arial"/>
+              <a:sym typeface="Arial"/>
+            </a:endParaRPr>
+          </a:p>
+          <a:p>
+            <a:pPr marL="0" marR="0" lvl="0" indent="0" algn="l" rtl="0">
+              <a:lnSpc>
+                <a:spcPct val="100000"/>
+              </a:lnSpc>
+              <a:spcBef>
+                <a:spcPts val="0"/>
+              </a:spcBef>
+              <a:spcAft>
+                <a:spcPts val="0"/>
+              </a:spcAft>
+              <a:buClr>
+                <a:srgbClr val="000000"/>
+              </a:buClr>
+              <a:buSzPts val="1800"/>
+              <a:buFont typeface="Arial"/>
+              <a:buNone/>
+            </a:pPr>
+            <a:endParaRPr sz="1800" b="0" i="0" u="none" strike="noStrike" cap="none" dirty="0">
+              <a:solidFill>
+                <a:schemeClr val="dk1"/>
+              </a:solidFill>
+              <a:latin typeface="Arial"/>
+              <a:ea typeface="Arial"/>
+              <a:cs typeface="Arial"/>
+              <a:sym typeface="Arial"/>
+            </a:endParaRPr>
+          </a:p>
+          <a:p>
+            <a:pPr marL="0" marR="0" lvl="0" indent="0" algn="l" rtl="0">
+              <a:lnSpc>
+                <a:spcPct val="100000"/>
+              </a:lnSpc>
+              <a:spcBef>
+                <a:spcPts val="0"/>
+              </a:spcBef>
+              <a:spcAft>
+                <a:spcPts val="0"/>
+              </a:spcAft>
+              <a:buClr>
+                <a:srgbClr val="000000"/>
+              </a:buClr>
+              <a:buSzPts val="1800"/>
+              <a:buFont typeface="Arial"/>
+              <a:buNone/>
+            </a:pPr>
+            <a:endParaRPr sz="1800" b="0" i="0" u="none" strike="noStrike" cap="none" dirty="0">
+              <a:solidFill>
+                <a:schemeClr val="dk1"/>
+              </a:solidFill>
+              <a:latin typeface="Arial"/>
+              <a:ea typeface="Arial"/>
+              <a:cs typeface="Arial"/>
+              <a:sym typeface="Arial"/>
+            </a:endParaRPr>
+          </a:p>
+          <a:p>
+            <a:pPr marL="0" marR="0" lvl="0" indent="0" algn="l" rtl="0">
+              <a:lnSpc>
+                <a:spcPct val="100000"/>
+              </a:lnSpc>
+              <a:spcBef>
+                <a:spcPts val="0"/>
+              </a:spcBef>
+              <a:spcAft>
+                <a:spcPts val="0"/>
+              </a:spcAft>
+              <a:buClr>
+                <a:srgbClr val="000000"/>
+              </a:buClr>
+              <a:buSzPts val="1800"/>
+              <a:buFont typeface="Arial"/>
+              <a:buNone/>
+            </a:pPr>
+            <a:endParaRPr sz="1800" b="0" i="0" u="none" strike="noStrike" cap="none" dirty="0">
+              <a:solidFill>
+                <a:schemeClr val="dk1"/>
+              </a:solidFill>
+              <a:latin typeface="Arial"/>
+              <a:ea typeface="Arial"/>
+              <a:cs typeface="Arial"/>
+              <a:sym typeface="Arial"/>
+            </a:endParaRPr>
+          </a:p>
+          <a:p>
+            <a:pPr marL="0" marR="0" lvl="0" indent="0" algn="l" rtl="0">
+              <a:lnSpc>
+                <a:spcPct val="100000"/>
+              </a:lnSpc>
+              <a:spcBef>
+                <a:spcPts val="0"/>
+              </a:spcBef>
+              <a:spcAft>
+                <a:spcPts val="0"/>
+              </a:spcAft>
+              <a:buClr>
+                <a:srgbClr val="000000"/>
+              </a:buClr>
+              <a:buSzPts val="1800"/>
+              <a:buFont typeface="Arial"/>
+              <a:buNone/>
+            </a:pPr>
+            <a:endParaRPr sz="1800" b="0" i="0" u="none" strike="noStrike" cap="none" dirty="0">
+              <a:solidFill>
+                <a:schemeClr val="dk1"/>
+              </a:solidFill>
+              <a:latin typeface="Arial"/>
+              <a:ea typeface="Arial"/>
+              <a:cs typeface="Arial"/>
+              <a:sym typeface="Arial"/>
+            </a:endParaRPr>
+          </a:p>
+          <a:p>
+            <a:pPr marL="0" marR="0" lvl="0" indent="0" algn="l" rtl="0">
+              <a:lnSpc>
+                <a:spcPct val="100000"/>
+              </a:lnSpc>
+              <a:spcBef>
+                <a:spcPts val="0"/>
+              </a:spcBef>
+              <a:spcAft>
+                <a:spcPts val="0"/>
+              </a:spcAft>
+              <a:buClr>
+                <a:srgbClr val="000000"/>
+              </a:buClr>
+              <a:buSzPts val="1800"/>
+              <a:buFont typeface="Arial"/>
+              <a:buNone/>
+            </a:pPr>
+            <a:endParaRPr sz="1800" b="0" i="0" u="none" strike="noStrike" cap="none" dirty="0">
+              <a:solidFill>
+                <a:schemeClr val="dk1"/>
+              </a:solidFill>
+              <a:latin typeface="Arial"/>
+              <a:ea typeface="Arial"/>
+              <a:cs typeface="Arial"/>
+              <a:sym typeface="Arial"/>
+            </a:endParaRPr>
+          </a:p>
+          <a:p>
+            <a:pPr marL="0" marR="0" lvl="0" indent="0" algn="l" rtl="0">
+              <a:lnSpc>
+                <a:spcPct val="100000"/>
+              </a:lnSpc>
+              <a:spcBef>
+                <a:spcPts val="0"/>
+              </a:spcBef>
+              <a:spcAft>
+                <a:spcPts val="0"/>
+              </a:spcAft>
+              <a:buClr>
+                <a:srgbClr val="000000"/>
+              </a:buClr>
+              <a:buSzPts val="1800"/>
+              <a:buFont typeface="Arial"/>
+              <a:buNone/>
+            </a:pPr>
+            <a:endParaRPr sz="1800" b="0" i="0" u="none" strike="noStrike" cap="none" dirty="0">
+              <a:solidFill>
+                <a:schemeClr val="dk1"/>
+              </a:solidFill>
+              <a:latin typeface="Arial"/>
+              <a:ea typeface="Arial"/>
+              <a:cs typeface="Arial"/>
+              <a:sym typeface="Arial"/>
+            </a:endParaRPr>
+          </a:p>
+          <a:p>
+            <a:pPr marL="0" marR="0" lvl="0" indent="0" algn="l" rtl="0">
+              <a:lnSpc>
+                <a:spcPct val="100000"/>
+              </a:lnSpc>
+              <a:spcBef>
+                <a:spcPts val="0"/>
+              </a:spcBef>
+              <a:spcAft>
+                <a:spcPts val="0"/>
+              </a:spcAft>
+              <a:buClr>
+                <a:srgbClr val="000000"/>
+              </a:buClr>
+              <a:buSzPts val="1800"/>
+              <a:buFont typeface="Arial"/>
+              <a:buNone/>
+            </a:pPr>
+            <a:endParaRPr sz="1800" b="0" i="0" u="none" strike="noStrike" cap="none" dirty="0">
+              <a:solidFill>
+                <a:schemeClr val="dk1"/>
+              </a:solidFill>
+              <a:latin typeface="Arial"/>
+              <a:ea typeface="Arial"/>
+              <a:cs typeface="Arial"/>
+              <a:sym typeface="Arial"/>
+            </a:endParaRPr>
+          </a:p>
+          <a:p>
+            <a:pPr marL="0" marR="0" lvl="0" indent="0" algn="l" rtl="0">
+              <a:lnSpc>
+                <a:spcPct val="100000"/>
+              </a:lnSpc>
+              <a:spcBef>
+                <a:spcPts val="0"/>
+              </a:spcBef>
+              <a:spcAft>
+                <a:spcPts val="0"/>
+              </a:spcAft>
+              <a:buClr>
+                <a:srgbClr val="000000"/>
+              </a:buClr>
+              <a:buSzPts val="1800"/>
+              <a:buFont typeface="Arial"/>
+              <a:buNone/>
+            </a:pPr>
+            <a:endParaRPr sz="1800" b="0" i="0" u="none" strike="noStrike" cap="none" dirty="0">
+              <a:solidFill>
+                <a:schemeClr val="dk1"/>
+              </a:solidFill>
+              <a:latin typeface="Arial"/>
+              <a:ea typeface="Arial"/>
+              <a:cs typeface="Arial"/>
+              <a:sym typeface="Arial"/>
+            </a:endParaRPr>
+          </a:p>
+        </p:txBody>
+      </p:sp>
+    </p:spTree>
+    <p:extLst>
+      <p:ext uri="{BB962C8B-B14F-4D97-AF65-F5344CB8AC3E}">
+        <p14:creationId xmlns:p14="http://schemas.microsoft.com/office/powerpoint/2010/main" val="1494849832"/>
+      </p:ext>
+    </p:extLst>
+  </p:cSld>
+  <p:clrMapOvr>
+    <a:masterClrMapping/>
+  </p:clrMapOvr>
+</p:sld>
+</file>
+
+<file path=ppt/slides/slide14.xml><?xml version="1.0" encoding="utf-8"?>
+<p:sld xmlns:a="http://schemas.openxmlformats.org/drawingml/2006/main" xmlns:r="http://schemas.openxmlformats.org/officeDocument/2006/relationships" xmlns:p="http://schemas.openxmlformats.org/presentationml/2006/main">
+  <p:cSld>
+    <p:spTree>
+      <p:nvGrpSpPr>
+        <p:cNvPr id="1" name="Shape 56"/>
+        <p:cNvGrpSpPr/>
+        <p:nvPr/>
+      </p:nvGrpSpPr>
+      <p:grpSpPr>
+        <a:xfrm>
+          <a:off x="0" y="0"/>
+          <a:ext cx="0" cy="0"/>
+          <a:chOff x="0" y="0"/>
+          <a:chExt cx="0" cy="0"/>
+        </a:xfrm>
+      </p:grpSpPr>
+      <p:sp>
+        <p:nvSpPr>
+          <p:cNvPr id="57" name="Google Shape;57;p9"/>
+          <p:cNvSpPr txBox="1">
+            <a:spLocks noGrp="1"/>
+          </p:cNvSpPr>
+          <p:nvPr>
+            <p:ph type="title"/>
+          </p:nvPr>
+        </p:nvSpPr>
+        <p:spPr>
+          <a:xfrm>
+            <a:off x="457200" y="0"/>
+            <a:ext cx="8229600" cy="1143000"/>
+          </a:xfrm>
+          <a:prstGeom prst="rect">
+            <a:avLst/>
+          </a:prstGeom>
+          <a:noFill/>
+          <a:ln>
+            <a:noFill/>
+          </a:ln>
+        </p:spPr>
+        <p:txBody>
+          <a:bodyPr spcFirstLastPara="1" wrap="square" lIns="91425" tIns="45700" rIns="91425" bIns="45700" anchor="ctr" anchorCtr="0">
+            <a:noAutofit/>
+          </a:bodyPr>
+          <a:lstStyle/>
+          <a:p>
+            <a:pPr lvl="0">
+              <a:buSzPts val="3200"/>
+            </a:pPr>
+            <a:r>
+              <a:rPr lang="en-US" dirty="0"/>
+              <a:t>Harvesting – Task 1</a:t>
+            </a:r>
+            <a:endParaRPr dirty="0"/>
+          </a:p>
+        </p:txBody>
+      </p:sp>
+      <p:sp>
+        <p:nvSpPr>
+          <p:cNvPr id="59" name="Google Shape;59;p9"/>
+          <p:cNvSpPr txBox="1">
+            <a:spLocks noGrp="1"/>
+          </p:cNvSpPr>
+          <p:nvPr>
+            <p:ph type="sldNum" idx="12"/>
+          </p:nvPr>
+        </p:nvSpPr>
+        <p:spPr>
+          <a:xfrm>
+            <a:off x="8686800" y="6506896"/>
+            <a:ext cx="416244" cy="365125"/>
+          </a:xfrm>
+          <a:prstGeom prst="rect">
+            <a:avLst/>
+          </a:prstGeom>
+          <a:noFill/>
+          <a:ln>
+            <a:noFill/>
+          </a:ln>
+        </p:spPr>
+        <p:txBody>
+          <a:bodyPr spcFirstLastPara="1" wrap="square" lIns="91425" tIns="45700" rIns="91425" bIns="45700" anchor="ctr" anchorCtr="0">
+            <a:noAutofit/>
+          </a:bodyPr>
+          <a:lstStyle/>
+          <a:p>
+            <a:pPr marL="0" lvl="0" indent="0" algn="r" rtl="0">
+              <a:lnSpc>
+                <a:spcPct val="100000"/>
+              </a:lnSpc>
+              <a:spcBef>
+                <a:spcPts val="0"/>
+              </a:spcBef>
+              <a:spcAft>
+                <a:spcPts val="0"/>
+              </a:spcAft>
+              <a:buSzPts val="1000"/>
+              <a:buNone/>
+            </a:pPr>
+            <a:fld id="{00000000-1234-1234-1234-123412341234}" type="slidenum">
+              <a:rPr lang="en-US"/>
+              <a:t>14</a:t>
+            </a:fld>
+            <a:endParaRPr/>
+          </a:p>
+        </p:txBody>
+      </p:sp>
+      <p:pic>
+        <p:nvPicPr>
+          <p:cNvPr id="3" name="Picture 2" descr="A screenshot of a computer screen&#10;&#10;Description automatically generated">
+            <a:extLst>
+              <a:ext uri="{FF2B5EF4-FFF2-40B4-BE49-F238E27FC236}">
+                <a16:creationId xmlns:a16="http://schemas.microsoft.com/office/drawing/2014/main" id="{2F3B3CFB-D70E-1D48-A08A-0F2341581DD8}"/>
+              </a:ext>
+            </a:extLst>
+          </p:cNvPr>
+          <p:cNvPicPr>
+            <a:picLocks noChangeAspect="1"/>
+          </p:cNvPicPr>
+          <p:nvPr/>
+        </p:nvPicPr>
+        <p:blipFill rotWithShape="1">
+          <a:blip r:embed="rId3"/>
+          <a:srcRect l="7096" t="-442" r="26841" b="7377"/>
+          <a:stretch/>
+        </p:blipFill>
+        <p:spPr>
+          <a:xfrm>
+            <a:off x="988540" y="877331"/>
+            <a:ext cx="6895071" cy="5531551"/>
+          </a:xfrm>
+          <a:prstGeom prst="rect">
+            <a:avLst/>
+          </a:prstGeom>
+        </p:spPr>
+      </p:pic>
+    </p:spTree>
+    <p:extLst>
+      <p:ext uri="{BB962C8B-B14F-4D97-AF65-F5344CB8AC3E}">
+        <p14:creationId xmlns:p14="http://schemas.microsoft.com/office/powerpoint/2010/main" val="2855543437"/>
+      </p:ext>
+    </p:extLst>
+  </p:cSld>
+  <p:clrMapOvr>
+    <a:masterClrMapping/>
+  </p:clrMapOvr>
+</p:sld>
+</file>
+
+<file path=ppt/slides/slide15.xml><?xml version="1.0" encoding="utf-8"?>
+<p:sld xmlns:a="http://schemas.openxmlformats.org/drawingml/2006/main" xmlns:r="http://schemas.openxmlformats.org/officeDocument/2006/relationships" xmlns:p="http://schemas.openxmlformats.org/presentationml/2006/main">
+  <p:cSld>
+    <p:spTree>
+      <p:nvGrpSpPr>
+        <p:cNvPr id="1" name="Shape 56"/>
+        <p:cNvGrpSpPr/>
+        <p:nvPr/>
+      </p:nvGrpSpPr>
+      <p:grpSpPr>
+        <a:xfrm>
+          <a:off x="0" y="0"/>
+          <a:ext cx="0" cy="0"/>
+          <a:chOff x="0" y="0"/>
+          <a:chExt cx="0" cy="0"/>
+        </a:xfrm>
+      </p:grpSpPr>
+      <p:sp>
+        <p:nvSpPr>
+          <p:cNvPr id="57" name="Google Shape;57;p9"/>
+          <p:cNvSpPr txBox="1">
+            <a:spLocks noGrp="1"/>
+          </p:cNvSpPr>
+          <p:nvPr>
+            <p:ph type="title"/>
+          </p:nvPr>
+        </p:nvSpPr>
+        <p:spPr>
+          <a:xfrm>
+            <a:off x="457200" y="0"/>
+            <a:ext cx="8229600" cy="1143000"/>
+          </a:xfrm>
+          <a:prstGeom prst="rect">
+            <a:avLst/>
+          </a:prstGeom>
+          <a:noFill/>
+          <a:ln>
+            <a:noFill/>
+          </a:ln>
+        </p:spPr>
+        <p:txBody>
+          <a:bodyPr spcFirstLastPara="1" wrap="square" lIns="91425" tIns="45700" rIns="91425" bIns="45700" anchor="ctr" anchorCtr="0">
+            <a:noAutofit/>
+          </a:bodyPr>
+          <a:lstStyle/>
+          <a:p>
+            <a:pPr marL="0" lvl="0" indent="0" algn="l" rtl="0">
+              <a:lnSpc>
+                <a:spcPct val="100000"/>
+              </a:lnSpc>
+              <a:spcBef>
+                <a:spcPts val="0"/>
+              </a:spcBef>
+              <a:spcAft>
+                <a:spcPts val="0"/>
+              </a:spcAft>
+              <a:buClr>
+                <a:srgbClr val="3D146F"/>
+              </a:buClr>
+              <a:buSzPts val="3200"/>
+              <a:buFont typeface="Arial"/>
+              <a:buNone/>
+            </a:pPr>
+            <a:r>
+              <a:rPr lang="en-US" dirty="0"/>
+              <a:t>GET Methods – </a:t>
+            </a:r>
+            <a:r>
+              <a:rPr lang="en-US" dirty="0" err="1"/>
+              <a:t>wget</a:t>
+            </a:r>
+            <a:endParaRPr dirty="0"/>
+          </a:p>
+        </p:txBody>
+      </p:sp>
+      <p:sp>
+        <p:nvSpPr>
+          <p:cNvPr id="59" name="Google Shape;59;p9"/>
+          <p:cNvSpPr txBox="1">
+            <a:spLocks noGrp="1"/>
+          </p:cNvSpPr>
+          <p:nvPr>
+            <p:ph type="sldNum" idx="12"/>
+          </p:nvPr>
+        </p:nvSpPr>
+        <p:spPr>
+          <a:xfrm>
+            <a:off x="8686800" y="6506896"/>
+            <a:ext cx="416244" cy="365125"/>
+          </a:xfrm>
+          <a:prstGeom prst="rect">
+            <a:avLst/>
+          </a:prstGeom>
+          <a:noFill/>
+          <a:ln>
+            <a:noFill/>
+          </a:ln>
+        </p:spPr>
+        <p:txBody>
+          <a:bodyPr spcFirstLastPara="1" wrap="square" lIns="91425" tIns="45700" rIns="91425" bIns="45700" anchor="ctr" anchorCtr="0">
+            <a:noAutofit/>
+          </a:bodyPr>
+          <a:lstStyle/>
+          <a:p>
+            <a:pPr marL="0" lvl="0" indent="0" algn="r" rtl="0">
+              <a:lnSpc>
+                <a:spcPct val="100000"/>
+              </a:lnSpc>
+              <a:spcBef>
+                <a:spcPts val="0"/>
+              </a:spcBef>
+              <a:spcAft>
+                <a:spcPts val="0"/>
+              </a:spcAft>
+              <a:buSzPts val="1000"/>
+              <a:buNone/>
+            </a:pPr>
+            <a:fld id="{00000000-1234-1234-1234-123412341234}" type="slidenum">
+              <a:rPr lang="en-US"/>
+              <a:t>15</a:t>
+            </a:fld>
+            <a:endParaRPr/>
+          </a:p>
+        </p:txBody>
+      </p:sp>
+      <p:sp>
+        <p:nvSpPr>
+          <p:cNvPr id="7" name="Google Shape;60;p9"/>
+          <p:cNvSpPr txBox="1"/>
+          <p:nvPr/>
+        </p:nvSpPr>
+        <p:spPr>
+          <a:xfrm>
+            <a:off x="487947" y="571500"/>
             <a:ext cx="7881353" cy="4815500"/>
           </a:xfrm>
           <a:prstGeom prst="rect">
@@ -14244,14 +16679,44 @@
             </a:r>
             <a:endParaRPr lang="en-US" sz="2000" dirty="0">
               <a:solidFill>
-                <a:schemeClr val="dk1"/>
+                <a:schemeClr val="tx1"/>
               </a:solidFill>
               <a:latin typeface="Consolas" panose="020B0609020204030204" pitchFamily="49" charset="0"/>
+              <a:ea typeface="Consolas" charset="0"/>
               <a:cs typeface="Consolas" panose="020B0609020204030204" pitchFamily="49" charset="0"/>
             </a:endParaRPr>
           </a:p>
           <a:p>
-            <a:pPr marL="457200">
+            <a:pPr>
+              <a:buClr>
+                <a:schemeClr val="dk1"/>
+              </a:buClr>
+              <a:buSzPts val="1800"/>
+            </a:pPr>
+            <a:endParaRPr lang="en-US" sz="2000" dirty="0">
+              <a:solidFill>
+                <a:schemeClr val="dk1"/>
+              </a:solidFill>
+            </a:endParaRPr>
+          </a:p>
+          <a:p>
+            <a:pPr lvl="0">
+              <a:buClr>
+                <a:schemeClr val="dk1"/>
+              </a:buClr>
+              <a:buSzPts val="1800"/>
+            </a:pPr>
+            <a:r>
+              <a:rPr lang="en-US" sz="2000" dirty="0">
+                <a:solidFill>
+                  <a:schemeClr val="dk1"/>
+                </a:solidFill>
+              </a:rPr>
+              <a:t>Mirror a site:</a:t>
+            </a:r>
+          </a:p>
+          <a:p>
+            <a:pPr marL="465138" lvl="8">
               <a:buClr>
                 <a:schemeClr val="dk1"/>
               </a:buClr>
@@ -14329,7 +16794,7 @@
             </a:endParaRPr>
           </a:p>
           <a:p>
-            <a:pPr>
+            <a:pPr lvl="0">
               <a:buClr>
                 <a:schemeClr val="dk1"/>
               </a:buClr>
@@ -14831,7 +17296,7 @@
         </p:nvSpPr>
         <p:spPr>
           <a:xfrm>
-            <a:off x="1031986" y="1558269"/>
+            <a:off x="959794" y="1204390"/>
             <a:ext cx="7337314" cy="486431"/>
           </a:xfrm>
           <a:prstGeom prst="roundRect">
@@ -14878,124 +17343,6 @@
       </p:sp>
       <p:sp>
         <p:nvSpPr>
-          <p:cNvPr id="8" name="Rounded Rectangle 7">
-            <a:extLst>
-              <a:ext uri="{FF2B5EF4-FFF2-40B4-BE49-F238E27FC236}">
-                <a16:creationId xmlns:a16="http://schemas.microsoft.com/office/drawing/2014/main" id="{70E8843F-80DA-F64D-B548-623B55F430F5}"/>
-              </a:ext>
-            </a:extLst>
-          </p:cNvPr>
-          <p:cNvSpPr/>
-          <p:nvPr/>
-        </p:nvSpPr>
-        <p:spPr>
-          <a:xfrm>
-            <a:off x="1031986" y="2472669"/>
-            <a:ext cx="7337314" cy="1311931"/>
-          </a:xfrm>
-          <a:prstGeom prst="roundRect">
-            <a:avLst/>
-          </a:prstGeom>
-          <a:solidFill>
-            <a:schemeClr val="bg1">
-              <a:lumMod val="95000"/>
-              <a:alpha val="19000"/>
-            </a:schemeClr>
-          </a:solidFill>
-          <a:ln>
-            <a:solidFill>
-              <a:schemeClr val="bg1">
-                <a:lumMod val="75000"/>
-              </a:schemeClr>
-            </a:solidFill>
-          </a:ln>
-        </p:spPr>
-        <p:style>
-          <a:lnRef idx="2">
-            <a:schemeClr val="accent1">
-              <a:shade val="50000"/>
-            </a:schemeClr>
-          </a:lnRef>
-          <a:fillRef idx="1">
-            <a:schemeClr val="accent1"/>
-          </a:fillRef>
-          <a:effectRef idx="0">
-            <a:schemeClr val="accent1"/>
-          </a:effectRef>
-          <a:fontRef idx="minor">
-            <a:schemeClr val="lt1"/>
-          </a:fontRef>
-        </p:style>
-        <p:txBody>
-          <a:bodyPr rtlCol="0" anchor="ctr"/>
-          <a:lstStyle/>
-          <a:p>
-            <a:pPr algn="ctr"/>
-            <a:endParaRPr lang="en-US"/>
-          </a:p>
-        </p:txBody>
-      </p:sp>
-      <p:sp>
-        <p:nvSpPr>
-          <p:cNvPr id="9" name="Rounded Rectangle 8">
-            <a:extLst>
-              <a:ext uri="{FF2B5EF4-FFF2-40B4-BE49-F238E27FC236}">
-                <a16:creationId xmlns:a16="http://schemas.microsoft.com/office/drawing/2014/main" id="{B44EA67A-FC68-C84F-B6B5-0A029AEE22BC}"/>
-              </a:ext>
-            </a:extLst>
-          </p:cNvPr>
-          <p:cNvSpPr/>
-          <p:nvPr/>
-        </p:nvSpPr>
-        <p:spPr>
-          <a:xfrm>
-            <a:off x="1031986" y="4291234"/>
-            <a:ext cx="7337314" cy="790132"/>
-          </a:xfrm>
-          <a:prstGeom prst="roundRect">
-            <a:avLst/>
-          </a:prstGeom>
-          <a:solidFill>
-            <a:schemeClr val="bg1">
-              <a:lumMod val="95000"/>
-              <a:alpha val="19000"/>
-            </a:schemeClr>
-          </a:solidFill>
-          <a:ln>
-            <a:solidFill>
-              <a:schemeClr val="bg1">
-                <a:lumMod val="75000"/>
-              </a:schemeClr>
-            </a:solidFill>
-          </a:ln>
-        </p:spPr>
-        <p:style>
-          <a:lnRef idx="2">
-            <a:schemeClr val="accent1">
-              <a:shade val="50000"/>
-            </a:schemeClr>
-          </a:lnRef>
-          <a:fillRef idx="1">
-            <a:schemeClr val="accent1"/>
-          </a:fillRef>
-          <a:effectRef idx="0">
-            <a:schemeClr val="accent1"/>
-          </a:effectRef>
-          <a:fontRef idx="minor">
-            <a:schemeClr val="lt1"/>
-          </a:fontRef>
-        </p:style>
-        <p:txBody>
-          <a:bodyPr rtlCol="0" anchor="ctr"/>
-          <a:lstStyle/>
-          <a:p>
-            <a:pPr algn="ctr"/>
-            <a:endParaRPr lang="en-US" dirty="0"/>
-          </a:p>
-        </p:txBody>
-      </p:sp>
-      <p:sp>
-        <p:nvSpPr>
           <p:cNvPr id="10" name="Rounded Rectangle 9">
             <a:extLst>
               <a:ext uri="{FF2B5EF4-FFF2-40B4-BE49-F238E27FC236}">
@@ -15008,7 +17355,7 @@
         </p:nvSpPr>
         <p:spPr>
           <a:xfrm>
-            <a:off x="1031986" y="5534469"/>
+            <a:off x="1031986" y="5794372"/>
             <a:ext cx="7337314" cy="421832"/>
           </a:xfrm>
           <a:prstGeom prst="roundRect">
@@ -15053,6 +17400,183 @@
           </a:p>
         </p:txBody>
       </p:sp>
+      <p:sp>
+        <p:nvSpPr>
+          <p:cNvPr id="11" name="Rounded Rectangle 10">
+            <a:extLst>
+              <a:ext uri="{FF2B5EF4-FFF2-40B4-BE49-F238E27FC236}">
+                <a16:creationId xmlns:a16="http://schemas.microsoft.com/office/drawing/2014/main" id="{4099BEAF-8395-524F-A260-09FF01CF034D}"/>
+              </a:ext>
+            </a:extLst>
+          </p:cNvPr>
+          <p:cNvSpPr/>
+          <p:nvPr/>
+        </p:nvSpPr>
+        <p:spPr>
+          <a:xfrm>
+            <a:off x="959794" y="2153653"/>
+            <a:ext cx="7337314" cy="733926"/>
+          </a:xfrm>
+          <a:prstGeom prst="roundRect">
+            <a:avLst/>
+          </a:prstGeom>
+          <a:solidFill>
+            <a:schemeClr val="bg1">
+              <a:lumMod val="95000"/>
+              <a:alpha val="19000"/>
+            </a:schemeClr>
+          </a:solidFill>
+          <a:ln>
+            <a:solidFill>
+              <a:schemeClr val="bg1">
+                <a:lumMod val="75000"/>
+              </a:schemeClr>
+            </a:solidFill>
+          </a:ln>
+        </p:spPr>
+        <p:style>
+          <a:lnRef idx="2">
+            <a:schemeClr val="accent1">
+              <a:shade val="50000"/>
+            </a:schemeClr>
+          </a:lnRef>
+          <a:fillRef idx="1">
+            <a:schemeClr val="accent1"/>
+          </a:fillRef>
+          <a:effectRef idx="0">
+            <a:schemeClr val="accent1"/>
+          </a:effectRef>
+          <a:fontRef idx="minor">
+            <a:schemeClr val="lt1"/>
+          </a:fontRef>
+        </p:style>
+        <p:txBody>
+          <a:bodyPr rtlCol="0" anchor="ctr"/>
+          <a:lstStyle/>
+          <a:p>
+            <a:pPr algn="ctr"/>
+            <a:endParaRPr lang="en-US"/>
+          </a:p>
+        </p:txBody>
+      </p:sp>
+      <p:sp>
+        <p:nvSpPr>
+          <p:cNvPr id="14" name="Rounded Rectangle 13">
+            <a:extLst>
+              <a:ext uri="{FF2B5EF4-FFF2-40B4-BE49-F238E27FC236}">
+                <a16:creationId xmlns:a16="http://schemas.microsoft.com/office/drawing/2014/main" id="{28CAF2FC-9609-AE4F-A5AB-89A6D0C5666A}"/>
+              </a:ext>
+            </a:extLst>
+          </p:cNvPr>
+          <p:cNvSpPr/>
+          <p:nvPr/>
+        </p:nvSpPr>
+        <p:spPr>
+          <a:xfrm>
+            <a:off x="959794" y="3332461"/>
+            <a:ext cx="7337314" cy="733926"/>
+          </a:xfrm>
+          <a:prstGeom prst="roundRect">
+            <a:avLst/>
+          </a:prstGeom>
+          <a:solidFill>
+            <a:schemeClr val="bg1">
+              <a:lumMod val="95000"/>
+              <a:alpha val="19000"/>
+            </a:schemeClr>
+          </a:solidFill>
+          <a:ln>
+            <a:solidFill>
+              <a:schemeClr val="bg1">
+                <a:lumMod val="75000"/>
+              </a:schemeClr>
+            </a:solidFill>
+          </a:ln>
+        </p:spPr>
+        <p:style>
+          <a:lnRef idx="2">
+            <a:schemeClr val="accent1">
+              <a:shade val="50000"/>
+            </a:schemeClr>
+          </a:lnRef>
+          <a:fillRef idx="1">
+            <a:schemeClr val="accent1"/>
+          </a:fillRef>
+          <a:effectRef idx="0">
+            <a:schemeClr val="accent1"/>
+          </a:effectRef>
+          <a:fontRef idx="minor">
+            <a:schemeClr val="lt1"/>
+          </a:fontRef>
+        </p:style>
+        <p:txBody>
+          <a:bodyPr rtlCol="0" anchor="ctr"/>
+          <a:lstStyle/>
+          <a:p>
+            <a:pPr algn="ctr"/>
+            <a:endParaRPr lang="en-US"/>
+          </a:p>
+        </p:txBody>
+      </p:sp>
+      <p:sp>
+        <p:nvSpPr>
+          <p:cNvPr id="15" name="Rounded Rectangle 14">
+            <a:extLst>
+              <a:ext uri="{FF2B5EF4-FFF2-40B4-BE49-F238E27FC236}">
+                <a16:creationId xmlns:a16="http://schemas.microsoft.com/office/drawing/2014/main" id="{84C86FD7-3BC1-FA4A-A8CD-3A502912D0A0}"/>
+              </a:ext>
+            </a:extLst>
+          </p:cNvPr>
+          <p:cNvSpPr/>
+          <p:nvPr/>
+        </p:nvSpPr>
+        <p:spPr>
+          <a:xfrm>
+            <a:off x="959794" y="4568327"/>
+            <a:ext cx="7337314" cy="733926"/>
+          </a:xfrm>
+          <a:prstGeom prst="roundRect">
+            <a:avLst/>
+          </a:prstGeom>
+          <a:solidFill>
+            <a:schemeClr val="bg1">
+              <a:lumMod val="95000"/>
+              <a:alpha val="19000"/>
+            </a:schemeClr>
+          </a:solidFill>
+          <a:ln>
+            <a:solidFill>
+              <a:schemeClr val="bg1">
+                <a:lumMod val="75000"/>
+              </a:schemeClr>
+            </a:solidFill>
+          </a:ln>
+        </p:spPr>
+        <p:style>
+          <a:lnRef idx="2">
+            <a:schemeClr val="accent1">
+              <a:shade val="50000"/>
+            </a:schemeClr>
+          </a:lnRef>
+          <a:fillRef idx="1">
+            <a:schemeClr val="accent1"/>
+          </a:fillRef>
+          <a:effectRef idx="0">
+            <a:schemeClr val="accent1"/>
+          </a:effectRef>
+          <a:fontRef idx="minor">
+            <a:schemeClr val="lt1"/>
+          </a:fontRef>
+        </p:style>
+        <p:txBody>
+          <a:bodyPr rtlCol="0" anchor="ctr"/>
+          <a:lstStyle/>
+          <a:p>
+            <a:pPr algn="ctr"/>
+            <a:endParaRPr lang="en-US"/>
+          </a:p>
+        </p:txBody>
+      </p:sp>
     </p:spTree>
     <p:extLst>
       <p:ext uri="{BB962C8B-B14F-4D97-AF65-F5344CB8AC3E}">
@@ -15066,7 +17590,7 @@
 </p:sld>
 </file>
 
-<file path=ppt/slides/slide14.xml><?xml version="1.0" encoding="utf-8"?>
+<file path=ppt/slides/slide16.xml><?xml version="1.0" encoding="utf-8"?>
 <p:sld xmlns:a="http://schemas.openxmlformats.org/drawingml/2006/main" xmlns:r="http://schemas.openxmlformats.org/officeDocument/2006/relationships" xmlns:p="http://schemas.openxmlformats.org/presentationml/2006/main">
   <p:cSld>
     <p:spTree>
@@ -15946,7 +18470,7 @@
             </a:pPr>
             <a:fld id="{00000000-1234-1234-1234-123412341234}" type="slidenum">
               <a:rPr lang="en-US"/>
-              <a:t>14</a:t>
+              <a:t>16</a:t>
             </a:fld>
             <a:endParaRPr/>
           </a:p>
@@ -16201,7 +18725,7 @@
 </p:sld>
 </file>
 
-<file path=ppt/slides/slide15.xml><?xml version="1.0" encoding="utf-8"?>
+<file path=ppt/slides/slide17.xml><?xml version="1.0" encoding="utf-8"?>
 <p:sld xmlns:a="http://schemas.openxmlformats.org/drawingml/2006/main" xmlns:r="http://schemas.openxmlformats.org/officeDocument/2006/relationships" xmlns:p="http://schemas.openxmlformats.org/presentationml/2006/main">
   <p:cSld>
     <p:spTree>
@@ -16302,7 +18826,7 @@
             </a:pPr>
             <a:fld id="{00000000-1234-1234-1234-123412341234}" type="slidenum">
               <a:rPr lang="en-US"/>
-              <a:t>15</a:t>
+              <a:t>17</a:t>
             </a:fld>
             <a:endParaRPr/>
           </a:p>
@@ -17103,7 +19627,7 @@
 </p:sld>
 </file>
 
-<file path=ppt/slides/slide16.xml><?xml version="1.0" encoding="utf-8"?>
+<file path=ppt/slides/slide18.xml><?xml version="1.0" encoding="utf-8"?>
 <p:sld xmlns:a="http://schemas.openxmlformats.org/drawingml/2006/main" xmlns:r="http://schemas.openxmlformats.org/officeDocument/2006/relationships" xmlns:p="http://schemas.openxmlformats.org/presentationml/2006/main">
   <p:cSld>
     <p:spTree>
@@ -17218,7 +19742,7 @@
             </a:pPr>
             <a:fld id="{00000000-1234-1234-1234-123412341234}" type="slidenum">
               <a:rPr lang="en-US"/>
-              <a:t>16</a:t>
+              <a:t>18</a:t>
             </a:fld>
             <a:endParaRPr/>
           </a:p>
@@ -18684,7 +21208,7 @@
 </p:sld>
 </file>
 
-<file path=ppt/slides/slide17.xml><?xml version="1.0" encoding="utf-8"?>
+<file path=ppt/slides/slide19.xml><?xml version="1.0" encoding="utf-8"?>
 <p:sld xmlns:a="http://schemas.openxmlformats.org/drawingml/2006/main" xmlns:r="http://schemas.openxmlformats.org/officeDocument/2006/relationships" xmlns:p="http://schemas.openxmlformats.org/presentationml/2006/main">
   <p:cSld>
     <p:spTree>
@@ -18799,7 +21323,7 @@
             </a:pPr>
             <a:fld id="{00000000-1234-1234-1234-123412341234}" type="slidenum">
               <a:rPr lang="en-US"/>
-              <a:t>17</a:t>
+              <a:t>19</a:t>
             </a:fld>
             <a:endParaRPr/>
           </a:p>
@@ -19704,7 +22228,7 @@
 </p:sld>
 </file>
 
-<file path=ppt/slides/slide18.xml><?xml version="1.0" encoding="utf-8"?>
+<file path=ppt/slides/slide2.xml><?xml version="1.0" encoding="utf-8"?>
 <p:sld xmlns:a="http://schemas.openxmlformats.org/drawingml/2006/main" xmlns:r="http://schemas.openxmlformats.org/officeDocument/2006/relationships" xmlns:p="http://schemas.openxmlformats.org/presentationml/2006/main">
   <p:cSld>
     <p:spTree>
@@ -19750,12 +22274,26 @@
           </a:bodyPr>
           <a:lstStyle/>
           <a:p>
-            <a:pPr lvl="0">
+            <a:pPr marL="0" lvl="0" indent="0" algn="l" rtl="0">
+              <a:lnSpc>
+                <a:spcPct val="100000"/>
+              </a:lnSpc>
+              <a:spcBef>
+                <a:spcPts val="0"/>
+              </a:spcBef>
+              <a:spcAft>
+                <a:spcPts val="0"/>
+              </a:spcAft>
+              <a:buClr>
+                <a:srgbClr val="3D146F"/>
+              </a:buClr>
               <a:buSzPts val="3200"/>
+              <a:buFont typeface="Arial"/>
+              <a:buNone/>
             </a:pPr>
             <a:r>
               <a:rPr lang="en-US" dirty="0"/>
-              <a:t>Parsing – Task 2</a:t>
+              <a:t>What is Web Harvesting?</a:t>
             </a:r>
             <a:endParaRPr dirty="0"/>
           </a:p>
@@ -19805,7 +22343,398 @@
             </a:pPr>
             <a:fld id="{00000000-1234-1234-1234-123412341234}" type="slidenum">
               <a:rPr lang="en-US"/>
-              <a:t>18</a:t>
+              <a:t>2</a:t>
+            </a:fld>
+            <a:endParaRPr/>
+          </a:p>
+        </p:txBody>
+      </p:sp>
+      <p:sp>
+        <p:nvSpPr>
+          <p:cNvPr id="2" name="Rounded Rectangle 1"/>
+          <p:cNvSpPr/>
+          <p:nvPr/>
+        </p:nvSpPr>
+        <p:spPr>
+          <a:xfrm>
+            <a:off x="625642" y="1311442"/>
+            <a:ext cx="8061158" cy="2346157"/>
+          </a:xfrm>
+          <a:prstGeom prst="roundRect">
+            <a:avLst>
+              <a:gd name="adj" fmla="val 8150"/>
+            </a:avLst>
+          </a:prstGeom>
+          <a:solidFill>
+            <a:schemeClr val="accent4">
+              <a:lumMod val="20000"/>
+              <a:lumOff val="80000"/>
+            </a:schemeClr>
+          </a:solidFill>
+          <a:ln>
+            <a:solidFill>
+              <a:srgbClr val="7030A0"/>
+            </a:solidFill>
+          </a:ln>
+        </p:spPr>
+        <p:style>
+          <a:lnRef idx="2">
+            <a:schemeClr val="accent1">
+              <a:shade val="50000"/>
+            </a:schemeClr>
+          </a:lnRef>
+          <a:fillRef idx="1">
+            <a:schemeClr val="accent1"/>
+          </a:fillRef>
+          <a:effectRef idx="0">
+            <a:schemeClr val="accent1"/>
+          </a:effectRef>
+          <a:fontRef idx="minor">
+            <a:schemeClr val="lt1"/>
+          </a:fontRef>
+        </p:style>
+        <p:txBody>
+          <a:bodyPr rtlCol="0" anchor="ctr"/>
+          <a:lstStyle/>
+          <a:p>
+            <a:r>
+              <a:rPr lang="en-US" sz="2400" dirty="0">
+                <a:solidFill>
+                  <a:srgbClr val="7030A0"/>
+                </a:solidFill>
+                <a:latin typeface="+mj-lt"/>
+              </a:rPr>
+              <a:t>Web harvesting or scraping is an automated process of extracting data from websites.  </a:t>
+            </a:r>
+          </a:p>
+          <a:p>
+            <a:pPr marL="457200" indent="-457200">
+              <a:buFont typeface="+mj-lt"/>
+              <a:buAutoNum type="arabicPeriod"/>
+            </a:pPr>
+            <a:r>
+              <a:rPr lang="en-US" sz="2200" dirty="0">
+                <a:solidFill>
+                  <a:srgbClr val="7030A0"/>
+                </a:solidFill>
+                <a:latin typeface="+mj-lt"/>
+              </a:rPr>
+              <a:t>Step 1 </a:t>
+            </a:r>
+            <a:r>
+              <a:rPr lang="en-US" sz="2200" u="sng" dirty="0">
+                <a:solidFill>
+                  <a:srgbClr val="7030A0"/>
+                </a:solidFill>
+                <a:latin typeface="+mj-lt"/>
+              </a:rPr>
+              <a:t>Harvesting </a:t>
+            </a:r>
+            <a:r>
+              <a:rPr lang="en-US" sz="2200" dirty="0">
+                <a:solidFill>
+                  <a:srgbClr val="7030A0"/>
+                </a:solidFill>
+                <a:latin typeface="+mj-lt"/>
+              </a:rPr>
+              <a:t>- Accesses website contents through hypertext transfer protocol (HTTP) or a web browser.  </a:t>
+            </a:r>
+          </a:p>
+          <a:p>
+            <a:pPr marL="457200" indent="-457200">
+              <a:buFont typeface="+mj-lt"/>
+              <a:buAutoNum type="arabicPeriod"/>
+            </a:pPr>
+            <a:r>
+              <a:rPr lang="en-US" sz="2200" dirty="0">
+                <a:solidFill>
+                  <a:srgbClr val="7030A0"/>
+                </a:solidFill>
+                <a:latin typeface="+mj-lt"/>
+              </a:rPr>
+              <a:t>Step 2 </a:t>
+            </a:r>
+            <a:r>
+              <a:rPr lang="en-US" sz="2200" u="sng" dirty="0">
+                <a:solidFill>
+                  <a:srgbClr val="7030A0"/>
+                </a:solidFill>
+                <a:latin typeface="+mj-lt"/>
+              </a:rPr>
+              <a:t>Parsing</a:t>
+            </a:r>
+            <a:r>
+              <a:rPr lang="en-US" sz="2200" dirty="0">
+                <a:solidFill>
+                  <a:srgbClr val="7030A0"/>
+                </a:solidFill>
+                <a:latin typeface="+mj-lt"/>
+              </a:rPr>
+              <a:t> - Extracts, copies, and stores data from a webpage in a local database or spreadsheet.</a:t>
+            </a:r>
+          </a:p>
+        </p:txBody>
+      </p:sp>
+      <p:pic>
+        <p:nvPicPr>
+          <p:cNvPr id="5" name="Picture 4"/>
+          <p:cNvPicPr>
+            <a:picLocks noChangeAspect="1"/>
+          </p:cNvPicPr>
+          <p:nvPr/>
+        </p:nvPicPr>
+        <p:blipFill>
+          <a:blip r:embed="rId3">
+            <a:extLst>
+              <a:ext uri="{28A0092B-C50C-407E-A947-70E740481C1C}">
+                <a14:useLocalDpi xmlns:a14="http://schemas.microsoft.com/office/drawing/2010/main" val="0"/>
+              </a:ext>
+            </a:extLst>
+          </a:blip>
+          <a:stretch>
+            <a:fillRect/>
+          </a:stretch>
+        </p:blipFill>
+        <p:spPr>
+          <a:xfrm>
+            <a:off x="696833" y="3946357"/>
+            <a:ext cx="7918775" cy="1888958"/>
+          </a:xfrm>
+          <a:prstGeom prst="rect">
+            <a:avLst/>
+          </a:prstGeom>
+        </p:spPr>
+      </p:pic>
+      <p:sp>
+        <p:nvSpPr>
+          <p:cNvPr id="3" name="TextBox 2"/>
+          <p:cNvSpPr txBox="1"/>
+          <p:nvPr/>
+        </p:nvSpPr>
+        <p:spPr>
+          <a:xfrm>
+            <a:off x="2832044" y="5863328"/>
+            <a:ext cx="6062878" cy="307777"/>
+          </a:xfrm>
+          <a:prstGeom prst="rect">
+            <a:avLst/>
+          </a:prstGeom>
+          <a:noFill/>
+        </p:spPr>
+        <p:txBody>
+          <a:bodyPr wrap="none" rtlCol="0">
+            <a:spAutoFit/>
+          </a:bodyPr>
+          <a:lstStyle/>
+          <a:p>
+            <a:r>
+              <a:rPr lang="en-US" i="1" dirty="0"/>
+              <a:t>Image taken from: https://</a:t>
+            </a:r>
+            <a:r>
+              <a:rPr lang="en-US" i="1" dirty="0" err="1"/>
+              <a:t>www.edureka.co</a:t>
+            </a:r>
+            <a:r>
+              <a:rPr lang="en-US" i="1" dirty="0"/>
+              <a:t>/blog/web-scraping-with-python/</a:t>
+            </a:r>
+          </a:p>
+        </p:txBody>
+      </p:sp>
+      <p:sp>
+        <p:nvSpPr>
+          <p:cNvPr id="4" name="TextBox 3">
+            <a:extLst>
+              <a:ext uri="{FF2B5EF4-FFF2-40B4-BE49-F238E27FC236}">
+                <a16:creationId xmlns:a16="http://schemas.microsoft.com/office/drawing/2014/main" id="{0FFFC7BA-BEF2-274E-8672-4D0594193FF0}"/>
+              </a:ext>
+            </a:extLst>
+          </p:cNvPr>
+          <p:cNvSpPr txBox="1"/>
+          <p:nvPr/>
+        </p:nvSpPr>
+        <p:spPr>
+          <a:xfrm>
+            <a:off x="3441700" y="3946357"/>
+            <a:ext cx="954107" cy="400110"/>
+          </a:xfrm>
+          <a:prstGeom prst="rect">
+            <a:avLst/>
+          </a:prstGeom>
+          <a:noFill/>
+        </p:spPr>
+        <p:txBody>
+          <a:bodyPr wrap="none" rtlCol="0">
+            <a:spAutoFit/>
+          </a:bodyPr>
+          <a:lstStyle/>
+          <a:p>
+            <a:r>
+              <a:rPr lang="en-US" sz="2000" b="1" i="1" dirty="0">
+                <a:solidFill>
+                  <a:srgbClr val="7030A0"/>
+                </a:solidFill>
+              </a:rPr>
+              <a:t>Step 1</a:t>
+            </a:r>
+          </a:p>
+        </p:txBody>
+      </p:sp>
+      <p:sp>
+        <p:nvSpPr>
+          <p:cNvPr id="9" name="TextBox 8">
+            <a:extLst>
+              <a:ext uri="{FF2B5EF4-FFF2-40B4-BE49-F238E27FC236}">
+                <a16:creationId xmlns:a16="http://schemas.microsoft.com/office/drawing/2014/main" id="{371C5F62-E564-C84A-942C-EC5BD91DBEA1}"/>
+              </a:ext>
+            </a:extLst>
+          </p:cNvPr>
+          <p:cNvSpPr txBox="1"/>
+          <p:nvPr/>
+        </p:nvSpPr>
+        <p:spPr>
+          <a:xfrm>
+            <a:off x="6299200" y="3918344"/>
+            <a:ext cx="954107" cy="400110"/>
+          </a:xfrm>
+          <a:prstGeom prst="rect">
+            <a:avLst/>
+          </a:prstGeom>
+          <a:noFill/>
+        </p:spPr>
+        <p:txBody>
+          <a:bodyPr wrap="none" rtlCol="0">
+            <a:spAutoFit/>
+          </a:bodyPr>
+          <a:lstStyle/>
+          <a:p>
+            <a:r>
+              <a:rPr lang="en-US" sz="2000" b="1" i="1" dirty="0">
+                <a:solidFill>
+                  <a:srgbClr val="7030A0"/>
+                </a:solidFill>
+              </a:rPr>
+              <a:t>Step 2</a:t>
+            </a:r>
+          </a:p>
+        </p:txBody>
+      </p:sp>
+    </p:spTree>
+    <p:extLst>
+      <p:ext uri="{BB962C8B-B14F-4D97-AF65-F5344CB8AC3E}">
+        <p14:creationId xmlns:p14="http://schemas.microsoft.com/office/powerpoint/2010/main" val="3676628507"/>
+      </p:ext>
+    </p:extLst>
+  </p:cSld>
+  <p:clrMapOvr>
+    <a:masterClrMapping/>
+  </p:clrMapOvr>
+</p:sld>
+</file>
+
+<file path=ppt/slides/slide20.xml><?xml version="1.0" encoding="utf-8"?>
+<p:sld xmlns:a="http://schemas.openxmlformats.org/drawingml/2006/main" xmlns:r="http://schemas.openxmlformats.org/officeDocument/2006/relationships" xmlns:p="http://schemas.openxmlformats.org/presentationml/2006/main">
+  <p:cSld>
+    <p:spTree>
+      <p:nvGrpSpPr>
+        <p:cNvPr id="1" name="Shape 56"/>
+        <p:cNvGrpSpPr/>
+        <p:nvPr/>
+      </p:nvGrpSpPr>
+      <p:grpSpPr>
+        <a:xfrm>
+          <a:off x="0" y="0"/>
+          <a:ext cx="0" cy="0"/>
+          <a:chOff x="0" y="0"/>
+          <a:chExt cx="0" cy="0"/>
+        </a:xfrm>
+      </p:grpSpPr>
+      <p:sp>
+        <p:nvSpPr>
+          <p:cNvPr id="57" name="Google Shape;57;p9"/>
+          <p:cNvSpPr txBox="1">
+            <a:spLocks noGrp="1"/>
+          </p:cNvSpPr>
+          <p:nvPr>
+            <p:ph type="title"/>
+          </p:nvPr>
+        </p:nvSpPr>
+        <p:spPr>
+          <a:xfrm>
+            <a:off x="457200" y="0"/>
+            <a:ext cx="8229600" cy="1143000"/>
+          </a:xfrm>
+          <a:prstGeom prst="rect">
+            <a:avLst/>
+          </a:prstGeom>
+          <a:noFill/>
+          <a:ln>
+            <a:noFill/>
+          </a:ln>
+        </p:spPr>
+        <p:txBody>
+          <a:bodyPr spcFirstLastPara="1" wrap="square" lIns="91425" tIns="45700" rIns="91425" bIns="45700" anchor="ctr" anchorCtr="0">
+            <a:noAutofit/>
+          </a:bodyPr>
+          <a:lstStyle/>
+          <a:p>
+            <a:pPr lvl="0">
+              <a:buSzPts val="3200"/>
+            </a:pPr>
+            <a:r>
+              <a:rPr lang="en-US" dirty="0"/>
+              <a:t>Parsing – Task 2</a:t>
+            </a:r>
+            <a:endParaRPr dirty="0"/>
+          </a:p>
+        </p:txBody>
+      </p:sp>
+      <p:sp>
+        <p:nvSpPr>
+          <p:cNvPr id="59" name="Google Shape;59;p9"/>
+          <p:cNvSpPr txBox="1">
+            <a:spLocks noGrp="1"/>
+          </p:cNvSpPr>
+          <p:nvPr>
+            <p:ph type="sldNum" idx="12"/>
+          </p:nvPr>
+        </p:nvSpPr>
+        <p:spPr>
+          <a:xfrm>
+            <a:off x="8686800" y="6506896"/>
+            <a:ext cx="416244" cy="365125"/>
+          </a:xfrm>
+          <a:prstGeom prst="rect">
+            <a:avLst/>
+          </a:prstGeom>
+          <a:noFill/>
+          <a:ln>
+            <a:noFill/>
+          </a:ln>
+        </p:spPr>
+        <p:txBody>
+          <a:bodyPr spcFirstLastPara="1" wrap="square" lIns="91425" tIns="45700" rIns="91425" bIns="45700" anchor="ctr" anchorCtr="0">
+            <a:noAutofit/>
+          </a:bodyPr>
+          <a:lstStyle/>
+          <a:p>
+            <a:pPr marL="0" lvl="0" indent="0" algn="r" rtl="0">
+              <a:lnSpc>
+                <a:spcPct val="100000"/>
+              </a:lnSpc>
+              <a:spcBef>
+                <a:spcPts val="0"/>
+              </a:spcBef>
+              <a:spcAft>
+                <a:spcPts val="0"/>
+              </a:spcAft>
+              <a:buSzPts val="1000"/>
+              <a:buNone/>
+            </a:pPr>
+            <a:fld id="{00000000-1234-1234-1234-123412341234}" type="slidenum">
+              <a:rPr lang="en-US"/>
+              <a:t>20</a:t>
             </a:fld>
             <a:endParaRPr/>
           </a:p>
@@ -19854,7 +22783,7 @@
 </p:sld>
 </file>
 
-<file path=ppt/slides/slide19.xml><?xml version="1.0" encoding="utf-8"?>
+<file path=ppt/slides/slide21.xml><?xml version="1.0" encoding="utf-8"?>
 <p:sld xmlns:a="http://schemas.openxmlformats.org/drawingml/2006/main" xmlns:r="http://schemas.openxmlformats.org/officeDocument/2006/relationships" xmlns:p="http://schemas.openxmlformats.org/presentationml/2006/main">
   <p:cSld>
     <p:spTree>
@@ -19919,7 +22848,7 @@
             </a:pPr>
             <a:r>
               <a:rPr lang="en-US" dirty="0"/>
-              <a:t>Run Python Scraping Libraries on KLC</a:t>
+              <a:t>HTML Elements – Tag, Attribute, Value</a:t>
             </a:r>
             <a:endParaRPr dirty="0"/>
           </a:p>
@@ -19969,7 +22898,847 @@
             </a:pPr>
             <a:fld id="{00000000-1234-1234-1234-123412341234}" type="slidenum">
               <a:rPr lang="en-US"/>
-              <a:t>19</a:t>
+              <a:t>21</a:t>
+            </a:fld>
+            <a:endParaRPr/>
+          </a:p>
+        </p:txBody>
+      </p:sp>
+      <p:pic>
+        <p:nvPicPr>
+          <p:cNvPr id="1025" name="Picture 1" descr="page4image30848128">
+            <a:extLst>
+              <a:ext uri="{FF2B5EF4-FFF2-40B4-BE49-F238E27FC236}">
+                <a16:creationId xmlns:a16="http://schemas.microsoft.com/office/drawing/2014/main" id="{2B74FFE0-B15E-024F-9A7F-B2DB9A7EF7EF}"/>
+              </a:ext>
+            </a:extLst>
+          </p:cNvPr>
+          <p:cNvPicPr>
+            <a:picLocks noChangeAspect="1" noChangeArrowheads="1"/>
+          </p:cNvPicPr>
+          <p:nvPr/>
+        </p:nvPicPr>
+        <p:blipFill>
+          <a:blip r:embed="rId3">
+            <a:extLst>
+              <a:ext uri="{28A0092B-C50C-407E-A947-70E740481C1C}">
+                <a14:useLocalDpi xmlns:a14="http://schemas.microsoft.com/office/drawing/2010/main" val="0"/>
+              </a:ext>
+            </a:extLst>
+          </a:blip>
+          <a:srcRect/>
+          <a:stretch>
+            <a:fillRect/>
+          </a:stretch>
+        </p:blipFill>
+        <p:spPr bwMode="auto">
+          <a:xfrm>
+            <a:off x="0" y="0"/>
+            <a:ext cx="2514600" cy="177800"/>
+          </a:xfrm>
+          <a:prstGeom prst="rect">
+            <a:avLst/>
+          </a:prstGeom>
+          <a:noFill/>
+          <a:extLst>
+            <a:ext uri="{909E8E84-426E-40DD-AFC4-6F175D3DCCD1}">
+              <a14:hiddenFill xmlns:a14="http://schemas.microsoft.com/office/drawing/2010/main">
+                <a:solidFill>
+                  <a:srgbClr val="FFFFFF"/>
+                </a:solidFill>
+              </a14:hiddenFill>
+            </a:ext>
+          </a:extLst>
+        </p:spPr>
+      </p:pic>
+      <p:sp>
+        <p:nvSpPr>
+          <p:cNvPr id="5" name="Rectangle 4">
+            <a:extLst>
+              <a:ext uri="{FF2B5EF4-FFF2-40B4-BE49-F238E27FC236}">
+                <a16:creationId xmlns:a16="http://schemas.microsoft.com/office/drawing/2014/main" id="{95191143-0E6D-734D-AD67-DAE982F69277}"/>
+              </a:ext>
+            </a:extLst>
+          </p:cNvPr>
+          <p:cNvSpPr/>
+          <p:nvPr/>
+        </p:nvSpPr>
+        <p:spPr>
+          <a:xfrm>
+            <a:off x="2218370" y="5632629"/>
+            <a:ext cx="6516528" cy="307777"/>
+          </a:xfrm>
+          <a:prstGeom prst="rect">
+            <a:avLst/>
+          </a:prstGeom>
+        </p:spPr>
+        <p:txBody>
+          <a:bodyPr wrap="none">
+            <a:spAutoFit/>
+          </a:bodyPr>
+          <a:lstStyle/>
+          <a:p>
+            <a:r>
+              <a:rPr lang="en-US" b="1" dirty="0"/>
+              <a:t>Source: </a:t>
+            </a:r>
+            <a:r>
+              <a:rPr lang="en-US" b="1" dirty="0">
+                <a:hlinkClick r:id="rId4"/>
+              </a:rPr>
+              <a:t>https://www.tutorialrepublic.com/html-tutorial/html-elements.php</a:t>
+            </a:r>
+            <a:r>
+              <a:rPr lang="en-US" b="1" dirty="0"/>
+              <a:t>  </a:t>
+            </a:r>
+          </a:p>
+        </p:txBody>
+      </p:sp>
+      <p:pic>
+        <p:nvPicPr>
+          <p:cNvPr id="3" name="Picture 2" descr="A picture containing graphical user interface&#10;&#10;Description automatically generated">
+            <a:extLst>
+              <a:ext uri="{FF2B5EF4-FFF2-40B4-BE49-F238E27FC236}">
+                <a16:creationId xmlns:a16="http://schemas.microsoft.com/office/drawing/2014/main" id="{360DCCE3-78C4-6F48-8447-CF5E5A07C9AE}"/>
+              </a:ext>
+            </a:extLst>
+          </p:cNvPr>
+          <p:cNvPicPr>
+            <a:picLocks noChangeAspect="1"/>
+          </p:cNvPicPr>
+          <p:nvPr/>
+        </p:nvPicPr>
+        <p:blipFill>
+          <a:blip r:embed="rId5"/>
+          <a:stretch>
+            <a:fillRect/>
+          </a:stretch>
+        </p:blipFill>
+        <p:spPr>
+          <a:xfrm>
+            <a:off x="428944" y="1915631"/>
+            <a:ext cx="8674100" cy="2095500"/>
+          </a:xfrm>
+          <a:prstGeom prst="rect">
+            <a:avLst/>
+          </a:prstGeom>
+        </p:spPr>
+      </p:pic>
+    </p:spTree>
+    <p:extLst>
+      <p:ext uri="{BB962C8B-B14F-4D97-AF65-F5344CB8AC3E}">
+        <p14:creationId xmlns:p14="http://schemas.microsoft.com/office/powerpoint/2010/main" val="1737492730"/>
+      </p:ext>
+    </p:extLst>
+  </p:cSld>
+  <p:clrMapOvr>
+    <a:masterClrMapping/>
+  </p:clrMapOvr>
+</p:sld>
+</file>
+
+<file path=ppt/slides/slide22.xml><?xml version="1.0" encoding="utf-8"?>
+<p:sld xmlns:a="http://schemas.openxmlformats.org/drawingml/2006/main" xmlns:r="http://schemas.openxmlformats.org/officeDocument/2006/relationships" xmlns:p="http://schemas.openxmlformats.org/presentationml/2006/main">
+  <p:cSld>
+    <p:spTree>
+      <p:nvGrpSpPr>
+        <p:cNvPr id="1" name="Shape 56"/>
+        <p:cNvGrpSpPr/>
+        <p:nvPr/>
+      </p:nvGrpSpPr>
+      <p:grpSpPr>
+        <a:xfrm>
+          <a:off x="0" y="0"/>
+          <a:ext cx="0" cy="0"/>
+          <a:chOff x="0" y="0"/>
+          <a:chExt cx="0" cy="0"/>
+        </a:xfrm>
+      </p:grpSpPr>
+      <p:sp>
+        <p:nvSpPr>
+          <p:cNvPr id="57" name="Google Shape;57;p9"/>
+          <p:cNvSpPr txBox="1">
+            <a:spLocks noGrp="1"/>
+          </p:cNvSpPr>
+          <p:nvPr>
+            <p:ph type="title"/>
+          </p:nvPr>
+        </p:nvSpPr>
+        <p:spPr>
+          <a:xfrm>
+            <a:off x="457200" y="0"/>
+            <a:ext cx="8229600" cy="1143000"/>
+          </a:xfrm>
+          <a:prstGeom prst="rect">
+            <a:avLst/>
+          </a:prstGeom>
+          <a:noFill/>
+          <a:ln>
+            <a:noFill/>
+          </a:ln>
+        </p:spPr>
+        <p:txBody>
+          <a:bodyPr spcFirstLastPara="1" wrap="square" lIns="91425" tIns="45700" rIns="91425" bIns="45700" anchor="ctr" anchorCtr="0">
+            <a:noAutofit/>
+          </a:bodyPr>
+          <a:lstStyle/>
+          <a:p>
+            <a:pPr marL="0" lvl="0" indent="0" algn="l" rtl="0">
+              <a:lnSpc>
+                <a:spcPct val="100000"/>
+              </a:lnSpc>
+              <a:spcBef>
+                <a:spcPts val="0"/>
+              </a:spcBef>
+              <a:spcAft>
+                <a:spcPts val="0"/>
+              </a:spcAft>
+              <a:buClr>
+                <a:srgbClr val="3D146F"/>
+              </a:buClr>
+              <a:buSzPts val="3200"/>
+              <a:buFont typeface="Arial"/>
+              <a:buNone/>
+            </a:pPr>
+            <a:r>
+              <a:rPr lang="en-US" dirty="0"/>
+              <a:t>HTML Elements </a:t>
+            </a:r>
+            <a:endParaRPr dirty="0"/>
+          </a:p>
+        </p:txBody>
+      </p:sp>
+      <p:sp>
+        <p:nvSpPr>
+          <p:cNvPr id="59" name="Google Shape;59;p9"/>
+          <p:cNvSpPr txBox="1">
+            <a:spLocks noGrp="1"/>
+          </p:cNvSpPr>
+          <p:nvPr>
+            <p:ph type="sldNum" idx="12"/>
+          </p:nvPr>
+        </p:nvSpPr>
+        <p:spPr>
+          <a:xfrm>
+            <a:off x="8686800" y="6506896"/>
+            <a:ext cx="416244" cy="365125"/>
+          </a:xfrm>
+          <a:prstGeom prst="rect">
+            <a:avLst/>
+          </a:prstGeom>
+          <a:noFill/>
+          <a:ln>
+            <a:noFill/>
+          </a:ln>
+        </p:spPr>
+        <p:txBody>
+          <a:bodyPr spcFirstLastPara="1" wrap="square" lIns="91425" tIns="45700" rIns="91425" bIns="45700" anchor="ctr" anchorCtr="0">
+            <a:noAutofit/>
+          </a:bodyPr>
+          <a:lstStyle/>
+          <a:p>
+            <a:pPr marL="0" lvl="0" indent="0" algn="r" rtl="0">
+              <a:lnSpc>
+                <a:spcPct val="100000"/>
+              </a:lnSpc>
+              <a:spcBef>
+                <a:spcPts val="0"/>
+              </a:spcBef>
+              <a:spcAft>
+                <a:spcPts val="0"/>
+              </a:spcAft>
+              <a:buSzPts val="1000"/>
+              <a:buNone/>
+            </a:pPr>
+            <a:fld id="{00000000-1234-1234-1234-123412341234}" type="slidenum">
+              <a:rPr lang="en-US"/>
+              <a:t>22</a:t>
+            </a:fld>
+            <a:endParaRPr/>
+          </a:p>
+        </p:txBody>
+      </p:sp>
+      <p:pic>
+        <p:nvPicPr>
+          <p:cNvPr id="1025" name="Picture 1" descr="page4image30848128">
+            <a:extLst>
+              <a:ext uri="{FF2B5EF4-FFF2-40B4-BE49-F238E27FC236}">
+                <a16:creationId xmlns:a16="http://schemas.microsoft.com/office/drawing/2014/main" id="{2B74FFE0-B15E-024F-9A7F-B2DB9A7EF7EF}"/>
+              </a:ext>
+            </a:extLst>
+          </p:cNvPr>
+          <p:cNvPicPr>
+            <a:picLocks noChangeAspect="1" noChangeArrowheads="1"/>
+          </p:cNvPicPr>
+          <p:nvPr/>
+        </p:nvPicPr>
+        <p:blipFill>
+          <a:blip r:embed="rId3">
+            <a:extLst>
+              <a:ext uri="{28A0092B-C50C-407E-A947-70E740481C1C}">
+                <a14:useLocalDpi xmlns:a14="http://schemas.microsoft.com/office/drawing/2010/main" val="0"/>
+              </a:ext>
+            </a:extLst>
+          </a:blip>
+          <a:srcRect/>
+          <a:stretch>
+            <a:fillRect/>
+          </a:stretch>
+        </p:blipFill>
+        <p:spPr bwMode="auto">
+          <a:xfrm>
+            <a:off x="0" y="0"/>
+            <a:ext cx="2514600" cy="177800"/>
+          </a:xfrm>
+          <a:prstGeom prst="rect">
+            <a:avLst/>
+          </a:prstGeom>
+          <a:noFill/>
+          <a:extLst>
+            <a:ext uri="{909E8E84-426E-40DD-AFC4-6F175D3DCCD1}">
+              <a14:hiddenFill xmlns:a14="http://schemas.microsoft.com/office/drawing/2010/main">
+                <a:solidFill>
+                  <a:srgbClr val="FFFFFF"/>
+                </a:solidFill>
+              </a14:hiddenFill>
+            </a:ext>
+          </a:extLst>
+        </p:spPr>
+      </p:pic>
+      <p:sp>
+        <p:nvSpPr>
+          <p:cNvPr id="8" name="TextBox 7">
+            <a:extLst>
+              <a:ext uri="{FF2B5EF4-FFF2-40B4-BE49-F238E27FC236}">
+                <a16:creationId xmlns:a16="http://schemas.microsoft.com/office/drawing/2014/main" id="{51348810-AB89-684B-8166-A0E66B8D685C}"/>
+              </a:ext>
+            </a:extLst>
+          </p:cNvPr>
+          <p:cNvSpPr txBox="1"/>
+          <p:nvPr/>
+        </p:nvSpPr>
+        <p:spPr>
+          <a:xfrm>
+            <a:off x="774700" y="2823681"/>
+            <a:ext cx="7063152" cy="3631763"/>
+          </a:xfrm>
+          <a:prstGeom prst="rect">
+            <a:avLst/>
+          </a:prstGeom>
+          <a:noFill/>
+        </p:spPr>
+        <p:txBody>
+          <a:bodyPr wrap="none" rtlCol="0">
+            <a:spAutoFit/>
+          </a:bodyPr>
+          <a:lstStyle/>
+          <a:p>
+            <a:r>
+              <a:rPr lang="en-US" sz="2400" dirty="0"/>
+              <a:t>&lt; </a:t>
+            </a:r>
+            <a:r>
+              <a:rPr lang="en-US" sz="2400" dirty="0">
+                <a:solidFill>
+                  <a:srgbClr val="7030A0"/>
+                </a:solidFill>
+              </a:rPr>
+              <a:t>div</a:t>
+            </a:r>
+            <a:r>
+              <a:rPr lang="en-US" sz="2400" dirty="0"/>
+              <a:t> </a:t>
+            </a:r>
+            <a:r>
+              <a:rPr lang="en-US" sz="2400" dirty="0">
+                <a:solidFill>
+                  <a:srgbClr val="0070C0"/>
+                </a:solidFill>
+              </a:rPr>
+              <a:t>id</a:t>
+            </a:r>
+            <a:r>
+              <a:rPr lang="en-US" sz="2400" dirty="0"/>
+              <a:t> = </a:t>
+            </a:r>
+            <a:r>
+              <a:rPr lang="en-US" sz="2400" dirty="0">
+                <a:solidFill>
+                  <a:srgbClr val="00B050"/>
+                </a:solidFill>
+              </a:rPr>
+              <a:t>“</a:t>
+            </a:r>
+            <a:r>
+              <a:rPr lang="en-US" sz="2400" dirty="0" err="1">
+                <a:solidFill>
+                  <a:srgbClr val="00B050"/>
+                </a:solidFill>
+              </a:rPr>
+              <a:t>bindFaculty</a:t>
+            </a:r>
+            <a:r>
+              <a:rPr lang="en-US" sz="2400" dirty="0">
+                <a:solidFill>
+                  <a:srgbClr val="00B050"/>
+                </a:solidFill>
+              </a:rPr>
+              <a:t>”  </a:t>
+            </a:r>
+            <a:r>
+              <a:rPr lang="en-US" sz="2400" dirty="0"/>
+              <a:t>…………………….&gt;</a:t>
+            </a:r>
+          </a:p>
+          <a:p>
+            <a:endParaRPr lang="en-US" sz="2400" dirty="0"/>
+          </a:p>
+          <a:p>
+            <a:r>
+              <a:rPr lang="en-US" sz="2400" dirty="0"/>
+              <a:t>      &lt;</a:t>
+            </a:r>
+            <a:r>
+              <a:rPr lang="en-US" sz="2400" dirty="0">
+                <a:solidFill>
+                  <a:srgbClr val="7030A0"/>
+                </a:solidFill>
+              </a:rPr>
+              <a:t>h2</a:t>
+            </a:r>
+            <a:r>
+              <a:rPr lang="en-US" sz="2400" dirty="0"/>
+              <a:t> </a:t>
+            </a:r>
+            <a:r>
+              <a:rPr lang="en-US" sz="2400" dirty="0">
+                <a:solidFill>
+                  <a:srgbClr val="0070C0"/>
+                </a:solidFill>
+              </a:rPr>
+              <a:t>id</a:t>
+            </a:r>
+            <a:r>
+              <a:rPr lang="en-US" sz="2400" dirty="0"/>
+              <a:t> = </a:t>
+            </a:r>
+            <a:r>
+              <a:rPr lang="en-US" sz="2400" dirty="0">
+                <a:solidFill>
+                  <a:srgbClr val="00B050"/>
+                </a:solidFill>
+              </a:rPr>
+              <a:t>“</a:t>
+            </a:r>
+            <a:r>
+              <a:rPr lang="en-US" sz="2400" dirty="0" err="1">
+                <a:solidFill>
+                  <a:srgbClr val="00B050"/>
+                </a:solidFill>
+              </a:rPr>
+              <a:t>facName</a:t>
+            </a:r>
+            <a:r>
+              <a:rPr lang="en-US" sz="2400" dirty="0"/>
+              <a:t>”&gt;</a:t>
+            </a:r>
+          </a:p>
+          <a:p>
+            <a:r>
+              <a:rPr lang="en-US" sz="2400" dirty="0"/>
+              <a:t>	&lt;</a:t>
+            </a:r>
+            <a:r>
+              <a:rPr lang="en-US" sz="2400" dirty="0">
+                <a:solidFill>
+                  <a:srgbClr val="7030A0"/>
+                </a:solidFill>
+              </a:rPr>
+              <a:t>a</a:t>
+            </a:r>
+            <a:r>
+              <a:rPr lang="en-US" sz="2400" dirty="0"/>
+              <a:t> </a:t>
+            </a:r>
+            <a:r>
+              <a:rPr lang="en-US" sz="2400" dirty="0" err="1">
+                <a:solidFill>
+                  <a:srgbClr val="0070C0"/>
+                </a:solidFill>
+              </a:rPr>
+              <a:t>href</a:t>
+            </a:r>
+            <a:r>
+              <a:rPr lang="en-US" sz="2400" dirty="0"/>
+              <a:t> = </a:t>
+            </a:r>
+            <a:r>
+              <a:rPr lang="en-US" sz="2400" dirty="0">
+                <a:solidFill>
+                  <a:schemeClr val="tx1"/>
+                </a:solidFill>
+                <a:highlight>
+                  <a:srgbClr val="FFFF00"/>
+                </a:highlight>
+              </a:rPr>
+              <a:t>“/faculty/directory/</a:t>
+            </a:r>
+            <a:r>
+              <a:rPr lang="en-US" sz="2400" dirty="0" err="1">
+                <a:solidFill>
+                  <a:schemeClr val="tx1"/>
+                </a:solidFill>
+                <a:highlight>
+                  <a:srgbClr val="FFFF00"/>
+                </a:highlight>
+              </a:rPr>
+              <a:t>abdallah_tarek</a:t>
+            </a:r>
+            <a:r>
+              <a:rPr lang="en-US" sz="2400" dirty="0">
+                <a:solidFill>
+                  <a:schemeClr val="tx1"/>
+                </a:solidFill>
+                <a:highlight>
+                  <a:srgbClr val="FFFF00"/>
+                </a:highlight>
+              </a:rPr>
+              <a:t>” </a:t>
+            </a:r>
+          </a:p>
+          <a:p>
+            <a:r>
+              <a:rPr lang="en-US" sz="2400" dirty="0"/>
+              <a:t>             </a:t>
+            </a:r>
+            <a:r>
+              <a:rPr lang="en-US" sz="2400" dirty="0">
+                <a:solidFill>
+                  <a:srgbClr val="0070C0"/>
+                </a:solidFill>
+              </a:rPr>
+              <a:t>target</a:t>
+            </a:r>
+            <a:r>
+              <a:rPr lang="en-US" sz="2400" dirty="0"/>
+              <a:t> = </a:t>
+            </a:r>
+            <a:r>
+              <a:rPr lang="en-US" sz="2400" dirty="0">
+                <a:solidFill>
+                  <a:srgbClr val="00B050"/>
+                </a:solidFill>
+              </a:rPr>
+              <a:t>“_blank</a:t>
+            </a:r>
+            <a:r>
+              <a:rPr lang="en-US" sz="2400" dirty="0"/>
+              <a:t>”&gt;</a:t>
+            </a:r>
+            <a:r>
+              <a:rPr lang="en-US" sz="2400" dirty="0">
+                <a:solidFill>
+                  <a:schemeClr val="tx1"/>
+                </a:solidFill>
+                <a:highlight>
+                  <a:srgbClr val="FFFF00"/>
+                </a:highlight>
+              </a:rPr>
+              <a:t>Tarek Abdallah </a:t>
+            </a:r>
+            <a:r>
+              <a:rPr lang="en-US" sz="2400" dirty="0"/>
+              <a:t>&lt;/</a:t>
+            </a:r>
+            <a:r>
+              <a:rPr lang="en-US" sz="2400" dirty="0">
+                <a:solidFill>
+                  <a:srgbClr val="7030A0"/>
+                </a:solidFill>
+              </a:rPr>
+              <a:t>a</a:t>
+            </a:r>
+            <a:r>
+              <a:rPr lang="en-US" sz="2400" dirty="0"/>
+              <a:t>&gt;</a:t>
+            </a:r>
+          </a:p>
+          <a:p>
+            <a:r>
+              <a:rPr lang="en-US" sz="2400" dirty="0"/>
+              <a:t>	&lt;</a:t>
+            </a:r>
+            <a:r>
+              <a:rPr lang="en-US" sz="2400" dirty="0">
+                <a:solidFill>
+                  <a:srgbClr val="7030A0"/>
+                </a:solidFill>
+              </a:rPr>
+              <a:t>div</a:t>
+            </a:r>
+            <a:r>
+              <a:rPr lang="en-US" sz="2400" dirty="0"/>
+              <a:t> </a:t>
+            </a:r>
+            <a:r>
+              <a:rPr lang="en-US" sz="2400" dirty="0">
+                <a:solidFill>
+                  <a:srgbClr val="0070C0"/>
+                </a:solidFill>
+              </a:rPr>
+              <a:t>id</a:t>
+            </a:r>
+            <a:r>
+              <a:rPr lang="en-US" sz="2400" dirty="0"/>
+              <a:t>= </a:t>
+            </a:r>
+            <a:r>
+              <a:rPr lang="en-US" sz="2400" dirty="0">
+                <a:solidFill>
+                  <a:srgbClr val="00B050"/>
+                </a:solidFill>
+              </a:rPr>
+              <a:t>“Faculty-Guide-content</a:t>
+            </a:r>
+            <a:r>
+              <a:rPr lang="en-US" sz="2400" dirty="0"/>
+              <a:t>”&gt; </a:t>
+            </a:r>
+          </a:p>
+          <a:p>
+            <a:r>
+              <a:rPr lang="en-US" sz="2400" dirty="0"/>
+              <a:t>             </a:t>
+            </a:r>
+            <a:r>
+              <a:rPr lang="en-US" sz="2400" dirty="0">
+                <a:solidFill>
+                  <a:schemeClr val="tx1"/>
+                </a:solidFill>
+                <a:highlight>
+                  <a:srgbClr val="FFFF00"/>
+                </a:highlight>
+              </a:rPr>
+              <a:t>Assistant Professor of Operations </a:t>
+            </a:r>
+            <a:r>
+              <a:rPr lang="en-US" sz="2400" dirty="0"/>
+              <a:t>&lt;/</a:t>
+            </a:r>
+            <a:r>
+              <a:rPr lang="en-US" sz="2400" dirty="0">
+                <a:solidFill>
+                  <a:srgbClr val="7030A0"/>
+                </a:solidFill>
+              </a:rPr>
+              <a:t>div</a:t>
+            </a:r>
+            <a:r>
+              <a:rPr lang="en-US" sz="2400" dirty="0"/>
+              <a:t>&gt;</a:t>
+            </a:r>
+          </a:p>
+          <a:p>
+            <a:r>
+              <a:rPr lang="en-US" sz="2400" dirty="0"/>
+              <a:t>       &lt;/</a:t>
+            </a:r>
+            <a:r>
+              <a:rPr lang="en-US" sz="2400" dirty="0">
+                <a:solidFill>
+                  <a:srgbClr val="7030A0"/>
+                </a:solidFill>
+              </a:rPr>
+              <a:t>h2</a:t>
+            </a:r>
+            <a:r>
+              <a:rPr lang="en-US" sz="2400" dirty="0"/>
+              <a:t>&gt;</a:t>
+            </a:r>
+          </a:p>
+          <a:p>
+            <a:r>
+              <a:rPr lang="en-US" sz="2400" dirty="0"/>
+              <a:t>&lt;/</a:t>
+            </a:r>
+            <a:r>
+              <a:rPr lang="en-US" sz="2400" dirty="0">
+                <a:solidFill>
+                  <a:srgbClr val="7030A0"/>
+                </a:solidFill>
+              </a:rPr>
+              <a:t>div</a:t>
+            </a:r>
+            <a:r>
+              <a:rPr lang="en-US" sz="2400" dirty="0"/>
+              <a:t>&gt;</a:t>
+            </a:r>
+          </a:p>
+          <a:p>
+            <a:endParaRPr lang="en-US" dirty="0"/>
+          </a:p>
+        </p:txBody>
+      </p:sp>
+      <p:pic>
+        <p:nvPicPr>
+          <p:cNvPr id="12" name="Picture 11" descr="A picture containing graphical user interface&#10;&#10;Description automatically generated">
+            <a:extLst>
+              <a:ext uri="{FF2B5EF4-FFF2-40B4-BE49-F238E27FC236}">
+                <a16:creationId xmlns:a16="http://schemas.microsoft.com/office/drawing/2014/main" id="{F7D161A3-6C94-C34E-91C0-3D284572BB21}"/>
+              </a:ext>
+            </a:extLst>
+          </p:cNvPr>
+          <p:cNvPicPr>
+            <a:picLocks noChangeAspect="1"/>
+          </p:cNvPicPr>
+          <p:nvPr/>
+        </p:nvPicPr>
+        <p:blipFill>
+          <a:blip r:embed="rId4"/>
+          <a:stretch>
+            <a:fillRect/>
+          </a:stretch>
+        </p:blipFill>
+        <p:spPr>
+          <a:xfrm>
+            <a:off x="428944" y="728181"/>
+            <a:ext cx="8674100" cy="2095500"/>
+          </a:xfrm>
+          <a:prstGeom prst="rect">
+            <a:avLst/>
+          </a:prstGeom>
+        </p:spPr>
+      </p:pic>
+    </p:spTree>
+    <p:extLst>
+      <p:ext uri="{BB962C8B-B14F-4D97-AF65-F5344CB8AC3E}">
+        <p14:creationId xmlns:p14="http://schemas.microsoft.com/office/powerpoint/2010/main" val="4174264938"/>
+      </p:ext>
+    </p:extLst>
+  </p:cSld>
+  <p:clrMapOvr>
+    <a:masterClrMapping/>
+  </p:clrMapOvr>
+</p:sld>
+</file>
+
+<file path=ppt/slides/slide23.xml><?xml version="1.0" encoding="utf-8"?>
+<p:sld xmlns:a="http://schemas.openxmlformats.org/drawingml/2006/main" xmlns:r="http://schemas.openxmlformats.org/officeDocument/2006/relationships" xmlns:p="http://schemas.openxmlformats.org/presentationml/2006/main">
+  <p:cSld>
+    <p:spTree>
+      <p:nvGrpSpPr>
+        <p:cNvPr id="1" name="Shape 56"/>
+        <p:cNvGrpSpPr/>
+        <p:nvPr/>
+      </p:nvGrpSpPr>
+      <p:grpSpPr>
+        <a:xfrm>
+          <a:off x="0" y="0"/>
+          <a:ext cx="0" cy="0"/>
+          <a:chOff x="0" y="0"/>
+          <a:chExt cx="0" cy="0"/>
+        </a:xfrm>
+      </p:grpSpPr>
+      <p:sp>
+        <p:nvSpPr>
+          <p:cNvPr id="57" name="Google Shape;57;p9"/>
+          <p:cNvSpPr txBox="1">
+            <a:spLocks noGrp="1"/>
+          </p:cNvSpPr>
+          <p:nvPr>
+            <p:ph type="title"/>
+          </p:nvPr>
+        </p:nvSpPr>
+        <p:spPr>
+          <a:xfrm>
+            <a:off x="457200" y="0"/>
+            <a:ext cx="8229600" cy="1143000"/>
+          </a:xfrm>
+          <a:prstGeom prst="rect">
+            <a:avLst/>
+          </a:prstGeom>
+          <a:noFill/>
+          <a:ln>
+            <a:noFill/>
+          </a:ln>
+        </p:spPr>
+        <p:txBody>
+          <a:bodyPr spcFirstLastPara="1" wrap="square" lIns="91425" tIns="45700" rIns="91425" bIns="45700" anchor="ctr" anchorCtr="0">
+            <a:noAutofit/>
+          </a:bodyPr>
+          <a:lstStyle/>
+          <a:p>
+            <a:pPr marL="0" lvl="0" indent="0" algn="l" rtl="0">
+              <a:lnSpc>
+                <a:spcPct val="100000"/>
+              </a:lnSpc>
+              <a:spcBef>
+                <a:spcPts val="0"/>
+              </a:spcBef>
+              <a:spcAft>
+                <a:spcPts val="0"/>
+              </a:spcAft>
+              <a:buClr>
+                <a:srgbClr val="3D146F"/>
+              </a:buClr>
+              <a:buSzPts val="3200"/>
+              <a:buFont typeface="Arial"/>
+              <a:buNone/>
+            </a:pPr>
+            <a:r>
+              <a:rPr lang="en-US" dirty="0"/>
+              <a:t>Run Python Scraping Libraries on KLC</a:t>
+            </a:r>
+            <a:endParaRPr dirty="0"/>
+          </a:p>
+        </p:txBody>
+      </p:sp>
+      <p:sp>
+        <p:nvSpPr>
+          <p:cNvPr id="59" name="Google Shape;59;p9"/>
+          <p:cNvSpPr txBox="1">
+            <a:spLocks noGrp="1"/>
+          </p:cNvSpPr>
+          <p:nvPr>
+            <p:ph type="sldNum" idx="12"/>
+          </p:nvPr>
+        </p:nvSpPr>
+        <p:spPr>
+          <a:xfrm>
+            <a:off x="8686800" y="6506896"/>
+            <a:ext cx="416244" cy="365125"/>
+          </a:xfrm>
+          <a:prstGeom prst="rect">
+            <a:avLst/>
+          </a:prstGeom>
+          <a:noFill/>
+          <a:ln>
+            <a:noFill/>
+          </a:ln>
+        </p:spPr>
+        <p:txBody>
+          <a:bodyPr spcFirstLastPara="1" wrap="square" lIns="91425" tIns="45700" rIns="91425" bIns="45700" anchor="ctr" anchorCtr="0">
+            <a:noAutofit/>
+          </a:bodyPr>
+          <a:lstStyle/>
+          <a:p>
+            <a:pPr marL="0" lvl="0" indent="0" algn="r" rtl="0">
+              <a:lnSpc>
+                <a:spcPct val="100000"/>
+              </a:lnSpc>
+              <a:spcBef>
+                <a:spcPts val="0"/>
+              </a:spcBef>
+              <a:spcAft>
+                <a:spcPts val="0"/>
+              </a:spcAft>
+              <a:buSzPts val="1000"/>
+              <a:buNone/>
+            </a:pPr>
+            <a:fld id="{00000000-1234-1234-1234-123412341234}" type="slidenum">
+              <a:rPr lang="en-US"/>
+              <a:t>23</a:t>
             </a:fld>
             <a:endParaRPr/>
           </a:p>
@@ -20289,7 +24058,7 @@
         </p:nvSpPr>
         <p:spPr>
           <a:xfrm>
-            <a:off x="266700" y="1393598"/>
+            <a:off x="266700" y="1368198"/>
             <a:ext cx="8229600" cy="4524315"/>
           </a:xfrm>
           <a:prstGeom prst="rect">
@@ -20575,7 +24344,7 @@
 </p:sld>
 </file>
 
-<file path=ppt/slides/slide2.xml><?xml version="1.0" encoding="utf-8"?>
+<file path=ppt/slides/slide24.xml><?xml version="1.0" encoding="utf-8"?>
 <p:sld xmlns:a="http://schemas.openxmlformats.org/drawingml/2006/main" xmlns:r="http://schemas.openxmlformats.org/officeDocument/2006/relationships" xmlns:p="http://schemas.openxmlformats.org/presentationml/2006/main">
   <p:cSld>
     <p:spTree>
@@ -20640,7 +24409,7 @@
             </a:pPr>
             <a:r>
               <a:rPr lang="en-US" dirty="0"/>
-              <a:t>What is Web Harvesting?</a:t>
+              <a:t>Should you scrape?</a:t>
             </a:r>
             <a:endParaRPr dirty="0"/>
           </a:p>
@@ -20690,412 +24459,7 @@
             </a:pPr>
             <a:fld id="{00000000-1234-1234-1234-123412341234}" type="slidenum">
               <a:rPr lang="en-US"/>
-              <a:t>2</a:t>
-            </a:fld>
-            <a:endParaRPr/>
-          </a:p>
-        </p:txBody>
-      </p:sp>
-      <p:sp>
-        <p:nvSpPr>
-          <p:cNvPr id="2" name="Rounded Rectangle 1"/>
-          <p:cNvSpPr/>
-          <p:nvPr/>
-        </p:nvSpPr>
-        <p:spPr>
-          <a:xfrm>
-            <a:off x="625642" y="1143000"/>
-            <a:ext cx="8061158" cy="2514599"/>
-          </a:xfrm>
-          <a:prstGeom prst="roundRect">
-            <a:avLst>
-              <a:gd name="adj" fmla="val 8150"/>
-            </a:avLst>
-          </a:prstGeom>
-          <a:solidFill>
-            <a:schemeClr val="accent4">
-              <a:lumMod val="20000"/>
-              <a:lumOff val="80000"/>
-            </a:schemeClr>
-          </a:solidFill>
-          <a:ln>
-            <a:solidFill>
-              <a:srgbClr val="7030A0"/>
-            </a:solidFill>
-          </a:ln>
-        </p:spPr>
-        <p:style>
-          <a:lnRef idx="2">
-            <a:schemeClr val="accent1">
-              <a:shade val="50000"/>
-            </a:schemeClr>
-          </a:lnRef>
-          <a:fillRef idx="1">
-            <a:schemeClr val="accent1"/>
-          </a:fillRef>
-          <a:effectRef idx="0">
-            <a:schemeClr val="accent1"/>
-          </a:effectRef>
-          <a:fontRef idx="minor">
-            <a:schemeClr val="lt1"/>
-          </a:fontRef>
-        </p:style>
-        <p:txBody>
-          <a:bodyPr rtlCol="0" anchor="ctr"/>
-          <a:lstStyle/>
-          <a:p>
-            <a:r>
-              <a:rPr lang="en-US" sz="2400" dirty="0">
-                <a:solidFill>
-                  <a:srgbClr val="7030A0"/>
-                </a:solidFill>
-                <a:latin typeface="+mj-lt"/>
-              </a:rPr>
-              <a:t>Web harvesting or scraping is an automated process of extracting data from websites.  </a:t>
-            </a:r>
-          </a:p>
-          <a:p>
-            <a:pPr marL="457200" indent="-457200">
-              <a:buFont typeface="+mj-lt"/>
-              <a:buAutoNum type="arabicPeriod"/>
-            </a:pPr>
-            <a:r>
-              <a:rPr lang="en-US" sz="2200" dirty="0">
-                <a:solidFill>
-                  <a:srgbClr val="7030A0"/>
-                </a:solidFill>
-                <a:latin typeface="+mj-lt"/>
-              </a:rPr>
-              <a:t>Step 1 </a:t>
-            </a:r>
-            <a:r>
-              <a:rPr lang="en-US" sz="2200" u="sng" dirty="0">
-                <a:solidFill>
-                  <a:srgbClr val="7030A0"/>
-                </a:solidFill>
-                <a:latin typeface="+mj-lt"/>
-              </a:rPr>
-              <a:t>Harvesting </a:t>
-            </a:r>
-            <a:r>
-              <a:rPr lang="en-US" sz="2200" dirty="0">
-                <a:solidFill>
-                  <a:srgbClr val="7030A0"/>
-                </a:solidFill>
-                <a:latin typeface="+mj-lt"/>
-              </a:rPr>
-              <a:t>- Accesses website contents through hypertext transfer protocol (HTP) or a web browser.  </a:t>
-            </a:r>
-          </a:p>
-          <a:p>
-            <a:pPr marL="457200" indent="-457200">
-              <a:buFont typeface="+mj-lt"/>
-              <a:buAutoNum type="arabicPeriod"/>
-            </a:pPr>
-            <a:r>
-              <a:rPr lang="en-US" sz="2200" dirty="0">
-                <a:solidFill>
-                  <a:srgbClr val="7030A0"/>
-                </a:solidFill>
-                <a:latin typeface="+mj-lt"/>
-              </a:rPr>
-              <a:t>Step 2 </a:t>
-            </a:r>
-            <a:r>
-              <a:rPr lang="en-US" sz="2200" u="sng" dirty="0">
-                <a:solidFill>
-                  <a:srgbClr val="7030A0"/>
-                </a:solidFill>
-                <a:latin typeface="+mj-lt"/>
-              </a:rPr>
-              <a:t>Parsing</a:t>
-            </a:r>
-            <a:r>
-              <a:rPr lang="en-US" sz="2200" dirty="0">
-                <a:solidFill>
-                  <a:srgbClr val="7030A0"/>
-                </a:solidFill>
-                <a:latin typeface="+mj-lt"/>
-              </a:rPr>
-              <a:t> - Extracts, copies, and stores data from a webpage in a local database or spreadsheet.</a:t>
-            </a:r>
-          </a:p>
-        </p:txBody>
-      </p:sp>
-      <p:pic>
-        <p:nvPicPr>
-          <p:cNvPr id="5" name="Picture 4"/>
-          <p:cNvPicPr>
-            <a:picLocks noChangeAspect="1"/>
-          </p:cNvPicPr>
-          <p:nvPr/>
-        </p:nvPicPr>
-        <p:blipFill>
-          <a:blip r:embed="rId3">
-            <a:extLst>
-              <a:ext uri="{28A0092B-C50C-407E-A947-70E740481C1C}">
-                <a14:useLocalDpi xmlns:a14="http://schemas.microsoft.com/office/drawing/2010/main" val="0"/>
-              </a:ext>
-            </a:extLst>
-          </a:blip>
-          <a:stretch>
-            <a:fillRect/>
-          </a:stretch>
-        </p:blipFill>
-        <p:spPr>
-          <a:xfrm>
-            <a:off x="696833" y="3946357"/>
-            <a:ext cx="7918775" cy="1888958"/>
-          </a:xfrm>
-          <a:prstGeom prst="rect">
-            <a:avLst/>
-          </a:prstGeom>
-        </p:spPr>
-      </p:pic>
-      <p:sp>
-        <p:nvSpPr>
-          <p:cNvPr id="3" name="TextBox 2"/>
-          <p:cNvSpPr txBox="1"/>
-          <p:nvPr/>
-        </p:nvSpPr>
-        <p:spPr>
-          <a:xfrm>
-            <a:off x="2832044" y="5863328"/>
-            <a:ext cx="6062878" cy="307777"/>
-          </a:xfrm>
-          <a:prstGeom prst="rect">
-            <a:avLst/>
-          </a:prstGeom>
-          <a:noFill/>
-        </p:spPr>
-        <p:txBody>
-          <a:bodyPr wrap="none" rtlCol="0">
-            <a:spAutoFit/>
-          </a:bodyPr>
-          <a:lstStyle/>
-          <a:p>
-            <a:r>
-              <a:rPr lang="en-US" i="1" dirty="0"/>
-              <a:t>Image taken from: https://</a:t>
-            </a:r>
-            <a:r>
-              <a:rPr lang="en-US" i="1" dirty="0" err="1"/>
-              <a:t>www.edureka.co</a:t>
-            </a:r>
-            <a:r>
-              <a:rPr lang="en-US" i="1" dirty="0"/>
-              <a:t>/blog/web-scraping-with-python/</a:t>
-            </a:r>
-          </a:p>
-        </p:txBody>
-      </p:sp>
-      <p:sp>
-        <p:nvSpPr>
-          <p:cNvPr id="4" name="TextBox 3">
-            <a:extLst>
-              <a:ext uri="{FF2B5EF4-FFF2-40B4-BE49-F238E27FC236}">
-                <a16:creationId xmlns:a16="http://schemas.microsoft.com/office/drawing/2014/main" id="{0FFFC7BA-BEF2-274E-8672-4D0594193FF0}"/>
-              </a:ext>
-            </a:extLst>
-          </p:cNvPr>
-          <p:cNvSpPr txBox="1"/>
-          <p:nvPr/>
-        </p:nvSpPr>
-        <p:spPr>
-          <a:xfrm>
-            <a:off x="3441700" y="3946357"/>
-            <a:ext cx="954107" cy="400110"/>
-          </a:xfrm>
-          <a:prstGeom prst="rect">
-            <a:avLst/>
-          </a:prstGeom>
-          <a:noFill/>
-        </p:spPr>
-        <p:txBody>
-          <a:bodyPr wrap="none" rtlCol="0">
-            <a:spAutoFit/>
-          </a:bodyPr>
-          <a:lstStyle/>
-          <a:p>
-            <a:r>
-              <a:rPr lang="en-US" sz="2000" b="1" i="1" dirty="0">
-                <a:solidFill>
-                  <a:srgbClr val="7030A0"/>
-                </a:solidFill>
-              </a:rPr>
-              <a:t>Step 1</a:t>
-            </a:r>
-          </a:p>
-        </p:txBody>
-      </p:sp>
-      <p:sp>
-        <p:nvSpPr>
-          <p:cNvPr id="9" name="TextBox 8">
-            <a:extLst>
-              <a:ext uri="{FF2B5EF4-FFF2-40B4-BE49-F238E27FC236}">
-                <a16:creationId xmlns:a16="http://schemas.microsoft.com/office/drawing/2014/main" id="{371C5F62-E564-C84A-942C-EC5BD91DBEA1}"/>
-              </a:ext>
-            </a:extLst>
-          </p:cNvPr>
-          <p:cNvSpPr txBox="1"/>
-          <p:nvPr/>
-        </p:nvSpPr>
-        <p:spPr>
-          <a:xfrm>
-            <a:off x="6299200" y="3918344"/>
-            <a:ext cx="954107" cy="400110"/>
-          </a:xfrm>
-          <a:prstGeom prst="rect">
-            <a:avLst/>
-          </a:prstGeom>
-          <a:noFill/>
-        </p:spPr>
-        <p:txBody>
-          <a:bodyPr wrap="none" rtlCol="0">
-            <a:spAutoFit/>
-          </a:bodyPr>
-          <a:lstStyle/>
-          <a:p>
-            <a:r>
-              <a:rPr lang="en-US" sz="2000" b="1" i="1" dirty="0">
-                <a:solidFill>
-                  <a:srgbClr val="7030A0"/>
-                </a:solidFill>
-              </a:rPr>
-              <a:t>Step 2</a:t>
-            </a:r>
-          </a:p>
-        </p:txBody>
-      </p:sp>
-    </p:spTree>
-    <p:extLst>
-      <p:ext uri="{BB962C8B-B14F-4D97-AF65-F5344CB8AC3E}">
-        <p14:creationId xmlns:p14="http://schemas.microsoft.com/office/powerpoint/2010/main" val="3676628507"/>
-      </p:ext>
-    </p:extLst>
-  </p:cSld>
-  <p:clrMapOvr>
-    <a:masterClrMapping/>
-  </p:clrMapOvr>
-</p:sld>
-</file>
-
-<file path=ppt/slides/slide20.xml><?xml version="1.0" encoding="utf-8"?>
-<p:sld xmlns:a="http://schemas.openxmlformats.org/drawingml/2006/main" xmlns:r="http://schemas.openxmlformats.org/officeDocument/2006/relationships" xmlns:p="http://schemas.openxmlformats.org/presentationml/2006/main">
-  <p:cSld>
-    <p:spTree>
-      <p:nvGrpSpPr>
-        <p:cNvPr id="1" name="Shape 56"/>
-        <p:cNvGrpSpPr/>
-        <p:nvPr/>
-      </p:nvGrpSpPr>
-      <p:grpSpPr>
-        <a:xfrm>
-          <a:off x="0" y="0"/>
-          <a:ext cx="0" cy="0"/>
-          <a:chOff x="0" y="0"/>
-          <a:chExt cx="0" cy="0"/>
-        </a:xfrm>
-      </p:grpSpPr>
-      <p:sp>
-        <p:nvSpPr>
-          <p:cNvPr id="57" name="Google Shape;57;p9"/>
-          <p:cNvSpPr txBox="1">
-            <a:spLocks noGrp="1"/>
-          </p:cNvSpPr>
-          <p:nvPr>
-            <p:ph type="title"/>
-          </p:nvPr>
-        </p:nvSpPr>
-        <p:spPr>
-          <a:xfrm>
-            <a:off x="457200" y="0"/>
-            <a:ext cx="8229600" cy="1143000"/>
-          </a:xfrm>
-          <a:prstGeom prst="rect">
-            <a:avLst/>
-          </a:prstGeom>
-          <a:noFill/>
-          <a:ln>
-            <a:noFill/>
-          </a:ln>
-        </p:spPr>
-        <p:txBody>
-          <a:bodyPr spcFirstLastPara="1" wrap="square" lIns="91425" tIns="45700" rIns="91425" bIns="45700" anchor="ctr" anchorCtr="0">
-            <a:noAutofit/>
-          </a:bodyPr>
-          <a:lstStyle/>
-          <a:p>
-            <a:pPr marL="0" lvl="0" indent="0" algn="l" rtl="0">
-              <a:lnSpc>
-                <a:spcPct val="100000"/>
-              </a:lnSpc>
-              <a:spcBef>
-                <a:spcPts val="0"/>
-              </a:spcBef>
-              <a:spcAft>
-                <a:spcPts val="0"/>
-              </a:spcAft>
-              <a:buClr>
-                <a:srgbClr val="3D146F"/>
-              </a:buClr>
-              <a:buSzPts val="3200"/>
-              <a:buFont typeface="Arial"/>
-              <a:buNone/>
-            </a:pPr>
-            <a:r>
-              <a:rPr lang="en-US" dirty="0"/>
-              <a:t>Should you scrape?</a:t>
-            </a:r>
-            <a:endParaRPr dirty="0"/>
-          </a:p>
-        </p:txBody>
-      </p:sp>
-      <p:sp>
-        <p:nvSpPr>
-          <p:cNvPr id="59" name="Google Shape;59;p9"/>
-          <p:cNvSpPr txBox="1">
-            <a:spLocks noGrp="1"/>
-          </p:cNvSpPr>
-          <p:nvPr>
-            <p:ph type="sldNum" idx="12"/>
-          </p:nvPr>
-        </p:nvSpPr>
-        <p:spPr>
-          <a:xfrm>
-            <a:off x="8686800" y="6506896"/>
-            <a:ext cx="416244" cy="365125"/>
-          </a:xfrm>
-          <a:prstGeom prst="rect">
-            <a:avLst/>
-          </a:prstGeom>
-          <a:noFill/>
-          <a:ln>
-            <a:noFill/>
-          </a:ln>
-        </p:spPr>
-        <p:txBody>
-          <a:bodyPr spcFirstLastPara="1" wrap="square" lIns="91425" tIns="45700" rIns="91425" bIns="45700" anchor="ctr" anchorCtr="0">
-            <a:noAutofit/>
-          </a:bodyPr>
-          <a:lstStyle/>
-          <a:p>
-            <a:pPr marL="0" lvl="0" indent="0" algn="r" rtl="0">
-              <a:lnSpc>
-                <a:spcPct val="100000"/>
-              </a:lnSpc>
-              <a:spcBef>
-                <a:spcPts val="0"/>
-              </a:spcBef>
-              <a:spcAft>
-                <a:spcPts val="0"/>
-              </a:spcAft>
-              <a:buSzPts val="1000"/>
-              <a:buNone/>
-            </a:pPr>
-            <a:fld id="{00000000-1234-1234-1234-123412341234}" type="slidenum">
-              <a:rPr lang="en-US"/>
-              <a:t>20</a:t>
+              <a:t>24</a:t>
             </a:fld>
             <a:endParaRPr/>
           </a:p>
@@ -21167,6 +24531,81 @@
             </a:endParaRPr>
           </a:p>
           <a:p>
+            <a:pPr marL="285750" indent="-285750">
+              <a:buClr>
+                <a:schemeClr val="dk1"/>
+              </a:buClr>
+              <a:buSzPts val="1800"/>
+              <a:buFont typeface="Arial" panose="020B0604020202020204" pitchFamily="34" charset="0"/>
+              <a:buChar char="•"/>
+            </a:pPr>
+            <a:r>
+              <a:rPr lang="en-US" sz="1800" dirty="0">
+                <a:solidFill>
+                  <a:schemeClr val="dk1"/>
+                </a:solidFill>
+              </a:rPr>
+              <a:t>..﻿</a:t>
+            </a:r>
+          </a:p>
+          <a:p>
+            <a:pPr lvl="0" algn="l" rtl="0">
+              <a:spcBef>
+                <a:spcPts val="0"/>
+              </a:spcBef>
+              <a:spcAft>
+                <a:spcPts val="0"/>
+              </a:spcAft>
+              <a:buClr>
+                <a:schemeClr val="dk1"/>
+              </a:buClr>
+              <a:buSzPts val="1800"/>
+            </a:pPr>
+            <a:endParaRPr lang="en-US" sz="1800" u="sng" dirty="0">
+              <a:solidFill>
+                <a:schemeClr val="dk1"/>
+              </a:solidFill>
+            </a:endParaRPr>
+          </a:p>
+          <a:p>
+            <a:pPr lvl="0" algn="l" rtl="0">
+              <a:spcBef>
+                <a:spcPts val="0"/>
+              </a:spcBef>
+              <a:spcAft>
+                <a:spcPts val="0"/>
+              </a:spcAft>
+              <a:buClr>
+                <a:schemeClr val="dk1"/>
+              </a:buClr>
+              <a:buSzPts val="1800"/>
+            </a:pPr>
+            <a:endParaRPr lang="en-US" sz="1800" u="sng" dirty="0">
+              <a:solidFill>
+                <a:schemeClr val="dk1"/>
+              </a:solidFill>
+            </a:endParaRPr>
+          </a:p>
+          <a:p>
+            <a:pPr lvl="0" algn="l" rtl="0">
+              <a:spcBef>
+                <a:spcPts val="0"/>
+              </a:spcBef>
+              <a:spcAft>
+                <a:spcPts val="0"/>
+              </a:spcAft>
+              <a:buClr>
+                <a:schemeClr val="dk1"/>
+              </a:buClr>
+              <a:buSzPts val="1800"/>
+            </a:pPr>
+            <a:endParaRPr lang="en-US" sz="1800" u="sng" dirty="0">
+              <a:solidFill>
+                <a:schemeClr val="dk1"/>
+              </a:solidFill>
+            </a:endParaRPr>
+          </a:p>
+          <a:p>
             <a:pPr lvl="0">
               <a:buClr>
                 <a:schemeClr val="dk1"/>
@@ -21600,7 +25039,7 @@
         </p:nvSpPr>
         <p:spPr>
           <a:xfrm>
-            <a:off x="4483769" y="1143000"/>
+            <a:off x="4467726" y="1129200"/>
             <a:ext cx="3380874" cy="4599600"/>
           </a:xfrm>
           <a:prstGeom prst="rect">
@@ -21639,24 +25078,19 @@
             </a:r>
           </a:p>
           <a:p>
-            <a:pPr marL="0" marR="0" lvl="0" indent="0" algn="l" rtl="0">
-              <a:lnSpc>
-                <a:spcPct val="100000"/>
-              </a:lnSpc>
-              <a:spcBef>
-                <a:spcPts val="0"/>
-              </a:spcBef>
-              <a:spcAft>
-                <a:spcPts val="0"/>
-              </a:spcAft>
-              <a:buClr>
-                <a:srgbClr val="000000"/>
-              </a:buClr>
-              <a:buSzPts val="1000"/>
-              <a:buFont typeface="Arial"/>
-              <a:buNone/>
-            </a:pPr>
-            <a:endParaRPr lang="en-US" sz="1000" b="0" i="0" u="none" strike="noStrike" cap="none" dirty="0">
+            <a:pPr lvl="0" algn="l" rtl="0">
+              <a:spcBef>
+                <a:spcPts val="0"/>
+              </a:spcBef>
+              <a:spcAft>
+                <a:spcPts val="0"/>
+              </a:spcAft>
+              <a:buClr>
+                <a:schemeClr val="dk1"/>
+              </a:buClr>
+              <a:buSzPts val="1800"/>
+            </a:pPr>
+            <a:endParaRPr lang="en-US" sz="1800" b="0" i="0" u="sng" strike="noStrike" cap="none" dirty="0">
               <a:solidFill>
                 <a:schemeClr val="dk1"/>
               </a:solidFill>
@@ -21667,130 +25101,32 @@
             </a:endParaRPr>
           </a:p>
           <a:p>
-            <a:pPr marL="171450" marR="0" lvl="0" indent="-171450" algn="l" rtl="0">
-              <a:lnSpc>
-                <a:spcPct val="100000"/>
-              </a:lnSpc>
-              <a:spcBef>
-                <a:spcPts val="0"/>
-              </a:spcBef>
-              <a:spcAft>
-                <a:spcPts val="0"/>
-              </a:spcAft>
-              <a:buClr>
-                <a:srgbClr val="000000"/>
-              </a:buClr>
-              <a:buSzPts val="1000"/>
-              <a:buFont typeface="Arial" charset="0"/>
+            <a:pPr marL="285750" lvl="0" indent="-285750" algn="l" rtl="0">
+              <a:spcBef>
+                <a:spcPts val="0"/>
+              </a:spcBef>
+              <a:spcAft>
+                <a:spcPts val="0"/>
+              </a:spcAft>
+              <a:buClr>
+                <a:schemeClr val="dk1"/>
+              </a:buClr>
+              <a:buSzPts val="1800"/>
+              <a:buFont typeface="Arial" panose="020B0604020202020204" pitchFamily="34" charset="0"/>
               <a:buChar char="•"/>
             </a:pPr>
-            <a:endParaRPr sz="1800" b="0" i="0" u="none" strike="noStrike" cap="none" dirty="0">
-              <a:solidFill>
-                <a:schemeClr val="dk1"/>
-              </a:solidFill>
-              <a:latin typeface="Arial"/>
-              <a:ea typeface="Arial"/>
-              <a:cs typeface="Arial"/>
-              <a:sym typeface="Arial"/>
-            </a:endParaRPr>
-          </a:p>
-          <a:p>
-            <a:pPr marL="0" marR="0" lvl="0" indent="0" algn="l" rtl="0">
-              <a:lnSpc>
-                <a:spcPct val="100000"/>
-              </a:lnSpc>
-              <a:spcBef>
-                <a:spcPts val="0"/>
-              </a:spcBef>
-              <a:spcAft>
-                <a:spcPts val="0"/>
-              </a:spcAft>
-              <a:buNone/>
-            </a:pPr>
-            <a:endParaRPr sz="1800" b="0" i="0" u="none" strike="noStrike" cap="none" dirty="0">
-              <a:solidFill>
-                <a:schemeClr val="dk1"/>
-              </a:solidFill>
-              <a:latin typeface="Arial"/>
-              <a:ea typeface="Arial"/>
-              <a:cs typeface="Arial"/>
-              <a:sym typeface="Arial"/>
-            </a:endParaRPr>
-          </a:p>
-          <a:p>
-            <a:pPr marL="0" marR="0" lvl="0" indent="0" algn="l" rtl="0">
-              <a:lnSpc>
-                <a:spcPct val="100000"/>
-              </a:lnSpc>
-              <a:spcBef>
-                <a:spcPts val="0"/>
-              </a:spcBef>
-              <a:spcAft>
-                <a:spcPts val="0"/>
-              </a:spcAft>
-              <a:buClr>
-                <a:srgbClr val="000000"/>
-              </a:buClr>
-              <a:buSzPts val="1400"/>
-              <a:buFont typeface="Arial"/>
-              <a:buNone/>
-            </a:pPr>
-            <a:endParaRPr sz="1400" b="0" i="0" u="none" strike="noStrike" cap="none" dirty="0">
-              <a:solidFill>
-                <a:srgbClr val="000000"/>
-              </a:solidFill>
-              <a:latin typeface="Arial"/>
-              <a:ea typeface="Arial"/>
-              <a:cs typeface="Arial"/>
-              <a:sym typeface="Arial"/>
-            </a:endParaRPr>
-          </a:p>
-          <a:p>
-            <a:pPr marL="742950" marR="0" lvl="1" indent="-171450" algn="l" rtl="0">
-              <a:lnSpc>
-                <a:spcPct val="100000"/>
-              </a:lnSpc>
-              <a:spcBef>
-                <a:spcPts val="0"/>
-              </a:spcBef>
-              <a:spcAft>
-                <a:spcPts val="0"/>
-              </a:spcAft>
-              <a:buClr>
-                <a:schemeClr val="dk1"/>
-              </a:buClr>
-              <a:buSzPts val="1800"/>
-              <a:buFont typeface="Courier New"/>
-              <a:buNone/>
-            </a:pPr>
-            <a:endParaRPr sz="1800" b="0" i="0" u="none" strike="noStrike" cap="none" dirty="0">
-              <a:solidFill>
-                <a:schemeClr val="dk1"/>
-              </a:solidFill>
-              <a:latin typeface="Arial"/>
-              <a:ea typeface="Arial"/>
-              <a:cs typeface="Arial"/>
-              <a:sym typeface="Arial"/>
-            </a:endParaRPr>
-          </a:p>
-          <a:p>
-            <a:pPr marL="457200" marR="0" lvl="1" indent="0" algn="l" rtl="0">
-              <a:lnSpc>
-                <a:spcPct val="100000"/>
-              </a:lnSpc>
-              <a:spcBef>
-                <a:spcPts val="0"/>
-              </a:spcBef>
-              <a:spcAft>
-                <a:spcPts val="0"/>
-              </a:spcAft>
-              <a:buClr>
-                <a:srgbClr val="000000"/>
-              </a:buClr>
-              <a:buSzPts val="1800"/>
-              <a:buFont typeface="Arial"/>
-              <a:buNone/>
-            </a:pPr>
+            <a:r>
+              <a:rPr lang="en-US" sz="1800" b="0" i="0" u="none" strike="noStrike" cap="none" dirty="0">
+                <a:solidFill>
+                  <a:schemeClr val="dk1"/>
+                </a:solidFill>
+                <a:latin typeface="Arial"/>
+                <a:ea typeface="Arial"/>
+                <a:cs typeface="Arial"/>
+                <a:sym typeface="Arial"/>
+              </a:rPr>
+              <a:t>..</a:t>
+            </a:r>
             <a:endParaRPr sz="1800" b="0" i="0" u="none" strike="noStrike" cap="none" dirty="0">
               <a:solidFill>
                 <a:schemeClr val="dk1"/>
@@ -22075,7 +25411,7 @@
 </p:sld>
 </file>
 
-<file path=ppt/slides/slide21.xml><?xml version="1.0" encoding="utf-8"?>
+<file path=ppt/slides/slide25.xml><?xml version="1.0" encoding="utf-8"?>
 <p:sld xmlns:a="http://schemas.openxmlformats.org/drawingml/2006/main" xmlns:r="http://schemas.openxmlformats.org/officeDocument/2006/relationships" xmlns:p="http://schemas.openxmlformats.org/presentationml/2006/main">
   <p:cSld>
     <p:spTree>
@@ -22190,7 +25526,7 @@
             </a:pPr>
             <a:fld id="{00000000-1234-1234-1234-123412341234}" type="slidenum">
               <a:rPr lang="en-US"/>
-              <a:t>21</a:t>
+              <a:t>25</a:t>
             </a:fld>
             <a:endParaRPr/>
           </a:p>
@@ -22396,7 +25732,7 @@
                   <a:schemeClr val="dk1"/>
                 </a:solidFill>
               </a:rPr>
-              <a:t>Why is it any different than manually downloading or copying  the data?</a:t>
+              <a:t>Why is it any different than manually downloading or copying the data?</a:t>
             </a:r>
           </a:p>
           <a:p>
@@ -23294,7 +26630,7 @@
 </p:sld>
 </file>
 
-<file path=ppt/slides/slide22.xml><?xml version="1.0" encoding="utf-8"?>
+<file path=ppt/slides/slide26.xml><?xml version="1.0" encoding="utf-8"?>
 <p:sld xmlns:a="http://schemas.openxmlformats.org/drawingml/2006/main" xmlns:r="http://schemas.openxmlformats.org/officeDocument/2006/relationships" xmlns:p="http://schemas.openxmlformats.org/presentationml/2006/main">
   <p:cSld>
     <p:spTree>
@@ -23409,7 +26745,7 @@
             </a:pPr>
             <a:fld id="{00000000-1234-1234-1234-123412341234}" type="slidenum">
               <a:rPr lang="en-US"/>
-              <a:t>22</a:t>
+              <a:t>26</a:t>
             </a:fld>
             <a:endParaRPr/>
           </a:p>
@@ -23740,23 +27076,7 @@
                   <a:schemeClr val="dk1"/>
                 </a:solidFill>
               </a:rPr>
-              <a:t>Can you lose </a:t>
-            </a:r>
-            <a:r>
-              <a:rPr lang="en-US" sz="2400" dirty="0" err="1">
-                <a:solidFill>
-                  <a:schemeClr val="dk1"/>
-                </a:solidFill>
-              </a:rPr>
-              <a:t>netID</a:t>
-            </a:r>
-            <a:r>
-              <a:rPr lang="en-US" sz="2400" dirty="0">
-                <a:solidFill>
-                  <a:schemeClr val="dk1"/>
-                </a:solidFill>
-              </a:rPr>
-              <a:t> privileges? other university sanctions? </a:t>
+              <a:t>Can you lose net ID privileges? other university sanctions? </a:t>
             </a:r>
           </a:p>
           <a:p>
@@ -24115,7 +27435,7 @@
 </p:sld>
 </file>
 
-<file path=ppt/slides/slide23.xml><?xml version="1.0" encoding="utf-8"?>
+<file path=ppt/slides/slide27.xml><?xml version="1.0" encoding="utf-8"?>
 <p:sld xmlns:a="http://schemas.openxmlformats.org/drawingml/2006/main" xmlns:r="http://schemas.openxmlformats.org/officeDocument/2006/relationships" xmlns:p="http://schemas.openxmlformats.org/presentationml/2006/main">
   <p:cSld>
     <p:spTree>
@@ -24230,7 +27550,7 @@
             </a:pPr>
             <a:fld id="{00000000-1234-1234-1234-123412341234}" type="slidenum">
               <a:rPr lang="en-US"/>
-              <a:t>23</a:t>
+              <a:t>27</a:t>
             </a:fld>
             <a:endParaRPr/>
           </a:p>
@@ -24794,21 +28114,8 @@
                   <a:schemeClr val="dk1"/>
                 </a:solidFill>
               </a:rPr>
-              <a:t>Your thoughts  – Is Web </a:t>
-            </a:r>
-            <a:r>
-              <a:rPr lang="en-US" sz="2400">
-                <a:solidFill>
-                  <a:schemeClr val="dk1"/>
-                </a:solidFill>
-              </a:rPr>
-              <a:t>Scraping Allowed? </a:t>
-            </a:r>
-            <a:endParaRPr lang="en-US" sz="2400" dirty="0">
-              <a:solidFill>
-                <a:schemeClr val="dk1"/>
-              </a:solidFill>
-            </a:endParaRPr>
+              <a:t>Your thoughts  – Should I scrape this? </a:t>
+            </a:r>
           </a:p>
           <a:p>
             <a:pPr marL="571500" lvl="1">
@@ -25356,6 +28663,140 @@
           </a:p>
         </p:txBody>
       </p:sp>
+    </p:spTree>
+    <p:extLst>
+      <p:ext uri="{BB962C8B-B14F-4D97-AF65-F5344CB8AC3E}">
+        <p14:creationId xmlns:p14="http://schemas.microsoft.com/office/powerpoint/2010/main" val="508700335"/>
+      </p:ext>
+    </p:extLst>
+  </p:cSld>
+  <p:clrMapOvr>
+    <a:masterClrMapping/>
+  </p:clrMapOvr>
+</p:sld>
+</file>
+
+<file path=ppt/slides/slide5.xml><?xml version="1.0" encoding="utf-8"?>
+<p:sld xmlns:a="http://schemas.openxmlformats.org/drawingml/2006/main" xmlns:r="http://schemas.openxmlformats.org/officeDocument/2006/relationships" xmlns:p="http://schemas.openxmlformats.org/presentationml/2006/main">
+  <p:cSld>
+    <p:spTree>
+      <p:nvGrpSpPr>
+        <p:cNvPr id="1" name="Shape 56"/>
+        <p:cNvGrpSpPr/>
+        <p:nvPr/>
+      </p:nvGrpSpPr>
+      <p:grpSpPr>
+        <a:xfrm>
+          <a:off x="0" y="0"/>
+          <a:ext cx="0" cy="0"/>
+          <a:chOff x="0" y="0"/>
+          <a:chExt cx="0" cy="0"/>
+        </a:xfrm>
+      </p:grpSpPr>
+      <p:sp>
+        <p:nvSpPr>
+          <p:cNvPr id="57" name="Google Shape;57;p9"/>
+          <p:cNvSpPr txBox="1">
+            <a:spLocks noGrp="1"/>
+          </p:cNvSpPr>
+          <p:nvPr>
+            <p:ph type="title"/>
+          </p:nvPr>
+        </p:nvSpPr>
+        <p:spPr>
+          <a:xfrm>
+            <a:off x="457200" y="0"/>
+            <a:ext cx="8229600" cy="1143000"/>
+          </a:xfrm>
+          <a:prstGeom prst="rect">
+            <a:avLst/>
+          </a:prstGeom>
+          <a:noFill/>
+          <a:ln>
+            <a:noFill/>
+          </a:ln>
+        </p:spPr>
+        <p:txBody>
+          <a:bodyPr spcFirstLastPara="1" wrap="square" lIns="91425" tIns="45700" rIns="91425" bIns="45700" anchor="ctr" anchorCtr="0">
+            <a:noAutofit/>
+          </a:bodyPr>
+          <a:lstStyle/>
+          <a:p>
+            <a:pPr marL="0" lvl="0" indent="0" algn="l" rtl="0">
+              <a:lnSpc>
+                <a:spcPct val="100000"/>
+              </a:lnSpc>
+              <a:spcBef>
+                <a:spcPts val="0"/>
+              </a:spcBef>
+              <a:spcAft>
+                <a:spcPts val="0"/>
+              </a:spcAft>
+              <a:buClr>
+                <a:srgbClr val="3D146F"/>
+              </a:buClr>
+              <a:buSzPts val="3200"/>
+              <a:buFont typeface="Arial"/>
+              <a:buNone/>
+            </a:pPr>
+            <a:r>
+              <a:rPr lang="en-US" dirty="0"/>
+              <a:t>Web Scraping Etiquette</a:t>
+            </a:r>
+            <a:endParaRPr dirty="0"/>
+          </a:p>
+        </p:txBody>
+      </p:sp>
+      <p:sp>
+        <p:nvSpPr>
+          <p:cNvPr id="59" name="Google Shape;59;p9"/>
+          <p:cNvSpPr txBox="1">
+            <a:spLocks noGrp="1"/>
+          </p:cNvSpPr>
+          <p:nvPr>
+            <p:ph type="sldNum" idx="12"/>
+          </p:nvPr>
+        </p:nvSpPr>
+        <p:spPr>
+          <a:xfrm>
+            <a:off x="8686800" y="6506896"/>
+            <a:ext cx="416244" cy="365125"/>
+          </a:xfrm>
+          <a:prstGeom prst="rect">
+            <a:avLst/>
+          </a:prstGeom>
+          <a:noFill/>
+          <a:ln>
+            <a:noFill/>
+          </a:ln>
+        </p:spPr>
+        <p:txBody>
+          <a:bodyPr spcFirstLastPara="1" wrap="square" lIns="91425" tIns="45700" rIns="91425" bIns="45700" anchor="ctr" anchorCtr="0">
+            <a:noAutofit/>
+          </a:bodyPr>
+          <a:lstStyle/>
+          <a:p>
+            <a:pPr marL="0" lvl="0" indent="0" algn="r" rtl="0">
+              <a:lnSpc>
+                <a:spcPct val="100000"/>
+              </a:lnSpc>
+              <a:spcBef>
+                <a:spcPts val="0"/>
+              </a:spcBef>
+              <a:spcAft>
+                <a:spcPts val="0"/>
+              </a:spcAft>
+              <a:buSzPts val="1000"/>
+              <a:buNone/>
+            </a:pPr>
+            <a:fld id="{00000000-1234-1234-1234-123412341234}" type="slidenum">
+              <a:rPr lang="en-US"/>
+              <a:t>5</a:t>
+            </a:fld>
+            <a:endParaRPr/>
+          </a:p>
+        </p:txBody>
+      </p:sp>
       <p:sp>
         <p:nvSpPr>
           <p:cNvPr id="7" name="Google Shape;60;p9"/>
@@ -25364,7 +28805,503 @@
         </p:nvSpPr>
         <p:spPr>
           <a:xfrm>
-            <a:off x="367314" y="1239818"/>
+            <a:off x="367314" y="1251850"/>
+            <a:ext cx="8541000" cy="4599600"/>
+          </a:xfrm>
+          <a:prstGeom prst="rect">
+            <a:avLst/>
+          </a:prstGeom>
+          <a:noFill/>
+          <a:ln>
+            <a:noFill/>
+          </a:ln>
+        </p:spPr>
+        <p:txBody>
+          <a:bodyPr spcFirstLastPara="1" wrap="square" lIns="91425" tIns="45700" rIns="91425" bIns="45700" anchor="t" anchorCtr="0">
+            <a:noAutofit/>
+          </a:bodyPr>
+          <a:lstStyle/>
+          <a:p>
+            <a:pPr marL="457200" indent="-457200">
+              <a:buFont typeface="+mj-lt"/>
+              <a:buAutoNum type="arabicPeriod"/>
+            </a:pPr>
+            <a:r>
+              <a:rPr lang="en-US" sz="2400" dirty="0"/>
+              <a:t>Follow the guidelines of </a:t>
+            </a:r>
+            <a:r>
+              <a:rPr lang="en-US" sz="2400" i="1" dirty="0" err="1"/>
+              <a:t>robots.txt</a:t>
+            </a:r>
+            <a:r>
+              <a:rPr lang="en-US" sz="2400" i="1" dirty="0"/>
+              <a:t> </a:t>
+            </a:r>
+            <a:r>
+              <a:rPr lang="en-US" sz="2400" dirty="0"/>
+              <a:t>and Terms of Service</a:t>
+            </a:r>
+            <a:endParaRPr lang="en-US" sz="2400" i="1" dirty="0"/>
+          </a:p>
+          <a:p>
+            <a:pPr marL="350838" indent="-350838">
+              <a:buFont typeface="Arial" charset="0"/>
+              <a:buChar char="•"/>
+            </a:pPr>
+            <a:endParaRPr lang="en-US" sz="2400" i="1" dirty="0"/>
+          </a:p>
+          <a:p>
+            <a:pPr marL="350838" indent="-350838">
+              <a:buFont typeface="Arial" charset="0"/>
+              <a:buChar char="•"/>
+            </a:pPr>
+            <a:endParaRPr lang="en-US" sz="2400" i="1" dirty="0"/>
+          </a:p>
+          <a:p>
+            <a:pPr marL="350838" indent="-350838">
+              <a:buFont typeface="Arial" charset="0"/>
+              <a:buChar char="•"/>
+            </a:pPr>
+            <a:endParaRPr lang="en-US" sz="2400" i="1" dirty="0"/>
+          </a:p>
+          <a:p>
+            <a:pPr marL="350838" indent="-350838">
+              <a:buFont typeface="Arial" charset="0"/>
+              <a:buChar char="•"/>
+            </a:pPr>
+            <a:endParaRPr lang="en-US" sz="2400" i="1" dirty="0"/>
+          </a:p>
+          <a:p>
+            <a:pPr marL="350838" indent="-350838">
+              <a:buFont typeface="Arial" charset="0"/>
+              <a:buChar char="•"/>
+            </a:pPr>
+            <a:endParaRPr lang="en-US" sz="2400" dirty="0"/>
+          </a:p>
+          <a:p>
+            <a:pPr marL="350838" indent="-350838">
+              <a:buFont typeface="Arial" charset="0"/>
+              <a:buChar char="•"/>
+            </a:pPr>
+            <a:endParaRPr lang="en-US" sz="1500" dirty="0"/>
+          </a:p>
+          <a:p>
+            <a:endParaRPr lang="en-US" sz="1500" dirty="0"/>
+          </a:p>
+          <a:p>
+            <a:pPr lvl="2"/>
+            <a:r>
+              <a:rPr lang="en-US" sz="2400" dirty="0"/>
+              <a:t>	</a:t>
+            </a:r>
+            <a:endParaRPr sz="1800" b="0" i="0" u="none" strike="noStrike" cap="none" dirty="0">
+              <a:solidFill>
+                <a:schemeClr val="dk1"/>
+              </a:solidFill>
+              <a:latin typeface="Arial"/>
+              <a:ea typeface="Arial"/>
+              <a:cs typeface="Arial"/>
+              <a:sym typeface="Arial"/>
+            </a:endParaRPr>
+          </a:p>
+          <a:p>
+            <a:pPr marL="457200" marR="0" lvl="1" indent="0" algn="l" rtl="0">
+              <a:lnSpc>
+                <a:spcPct val="100000"/>
+              </a:lnSpc>
+              <a:spcBef>
+                <a:spcPts val="0"/>
+              </a:spcBef>
+              <a:spcAft>
+                <a:spcPts val="0"/>
+              </a:spcAft>
+              <a:buClr>
+                <a:srgbClr val="000000"/>
+              </a:buClr>
+              <a:buSzPts val="1800"/>
+              <a:buFont typeface="Arial"/>
+              <a:buNone/>
+            </a:pPr>
+            <a:endParaRPr sz="1800" b="0" i="0" u="none" strike="noStrike" cap="none" dirty="0">
+              <a:solidFill>
+                <a:schemeClr val="dk1"/>
+              </a:solidFill>
+              <a:latin typeface="Arial"/>
+              <a:ea typeface="Arial"/>
+              <a:cs typeface="Arial"/>
+              <a:sym typeface="Arial"/>
+            </a:endParaRPr>
+          </a:p>
+          <a:p>
+            <a:pPr marL="0" marR="0" lvl="0" indent="0" algn="l" rtl="0">
+              <a:lnSpc>
+                <a:spcPct val="100000"/>
+              </a:lnSpc>
+              <a:spcBef>
+                <a:spcPts val="0"/>
+              </a:spcBef>
+              <a:spcAft>
+                <a:spcPts val="0"/>
+              </a:spcAft>
+              <a:buClr>
+                <a:srgbClr val="000000"/>
+              </a:buClr>
+              <a:buSzPts val="1800"/>
+              <a:buFont typeface="Arial"/>
+              <a:buNone/>
+            </a:pPr>
+            <a:endParaRPr sz="1800" b="0" i="0" u="none" strike="noStrike" cap="none" dirty="0">
+              <a:solidFill>
+                <a:schemeClr val="dk1"/>
+              </a:solidFill>
+              <a:latin typeface="Arial"/>
+              <a:ea typeface="Arial"/>
+              <a:cs typeface="Arial"/>
+              <a:sym typeface="Arial"/>
+            </a:endParaRPr>
+          </a:p>
+          <a:p>
+            <a:pPr marL="0" marR="0" lvl="0" indent="0" algn="l" rtl="0">
+              <a:lnSpc>
+                <a:spcPct val="100000"/>
+              </a:lnSpc>
+              <a:spcBef>
+                <a:spcPts val="0"/>
+              </a:spcBef>
+              <a:spcAft>
+                <a:spcPts val="0"/>
+              </a:spcAft>
+              <a:buClr>
+                <a:srgbClr val="000000"/>
+              </a:buClr>
+              <a:buSzPts val="1800"/>
+              <a:buFont typeface="Arial"/>
+              <a:buNone/>
+            </a:pPr>
+            <a:endParaRPr sz="1800" b="0" i="0" u="none" strike="noStrike" cap="none" dirty="0">
+              <a:solidFill>
+                <a:schemeClr val="dk1"/>
+              </a:solidFill>
+              <a:latin typeface="Arial"/>
+              <a:ea typeface="Arial"/>
+              <a:cs typeface="Arial"/>
+              <a:sym typeface="Arial"/>
+            </a:endParaRPr>
+          </a:p>
+          <a:p>
+            <a:pPr marL="0" marR="0" lvl="0" indent="0" algn="l" rtl="0">
+              <a:lnSpc>
+                <a:spcPct val="100000"/>
+              </a:lnSpc>
+              <a:spcBef>
+                <a:spcPts val="0"/>
+              </a:spcBef>
+              <a:spcAft>
+                <a:spcPts val="0"/>
+              </a:spcAft>
+              <a:buClr>
+                <a:srgbClr val="000000"/>
+              </a:buClr>
+              <a:buSzPts val="1800"/>
+              <a:buFont typeface="Arial"/>
+              <a:buNone/>
+            </a:pPr>
+            <a:endParaRPr sz="1800" b="0" i="0" u="none" strike="noStrike" cap="none" dirty="0">
+              <a:solidFill>
+                <a:schemeClr val="dk1"/>
+              </a:solidFill>
+              <a:latin typeface="Arial"/>
+              <a:ea typeface="Arial"/>
+              <a:cs typeface="Arial"/>
+              <a:sym typeface="Arial"/>
+            </a:endParaRPr>
+          </a:p>
+          <a:p>
+            <a:pPr marL="0" marR="0" lvl="0" indent="0" algn="l" rtl="0">
+              <a:lnSpc>
+                <a:spcPct val="100000"/>
+              </a:lnSpc>
+              <a:spcBef>
+                <a:spcPts val="0"/>
+              </a:spcBef>
+              <a:spcAft>
+                <a:spcPts val="0"/>
+              </a:spcAft>
+              <a:buClr>
+                <a:srgbClr val="000000"/>
+              </a:buClr>
+              <a:buSzPts val="1800"/>
+              <a:buFont typeface="Arial"/>
+              <a:buNone/>
+            </a:pPr>
+            <a:endParaRPr sz="1800" b="0" i="0" u="none" strike="noStrike" cap="none" dirty="0">
+              <a:solidFill>
+                <a:schemeClr val="dk1"/>
+              </a:solidFill>
+              <a:latin typeface="Arial"/>
+              <a:ea typeface="Arial"/>
+              <a:cs typeface="Arial"/>
+              <a:sym typeface="Arial"/>
+            </a:endParaRPr>
+          </a:p>
+          <a:p>
+            <a:pPr marL="0" marR="0" lvl="0" indent="0" algn="l" rtl="0">
+              <a:lnSpc>
+                <a:spcPct val="100000"/>
+              </a:lnSpc>
+              <a:spcBef>
+                <a:spcPts val="0"/>
+              </a:spcBef>
+              <a:spcAft>
+                <a:spcPts val="0"/>
+              </a:spcAft>
+              <a:buClr>
+                <a:srgbClr val="000000"/>
+              </a:buClr>
+              <a:buSzPts val="1800"/>
+              <a:buFont typeface="Arial"/>
+              <a:buNone/>
+            </a:pPr>
+            <a:endParaRPr sz="1800" b="0" i="0" u="none" strike="noStrike" cap="none" dirty="0">
+              <a:solidFill>
+                <a:schemeClr val="dk1"/>
+              </a:solidFill>
+              <a:latin typeface="Arial"/>
+              <a:ea typeface="Arial"/>
+              <a:cs typeface="Arial"/>
+              <a:sym typeface="Arial"/>
+            </a:endParaRPr>
+          </a:p>
+          <a:p>
+            <a:pPr marL="0" marR="0" lvl="0" indent="0" algn="l" rtl="0">
+              <a:lnSpc>
+                <a:spcPct val="100000"/>
+              </a:lnSpc>
+              <a:spcBef>
+                <a:spcPts val="0"/>
+              </a:spcBef>
+              <a:spcAft>
+                <a:spcPts val="0"/>
+              </a:spcAft>
+              <a:buClr>
+                <a:srgbClr val="000000"/>
+              </a:buClr>
+              <a:buSzPts val="1800"/>
+              <a:buFont typeface="Arial"/>
+              <a:buNone/>
+            </a:pPr>
+            <a:endParaRPr sz="1800" b="0" i="0" u="none" strike="noStrike" cap="none" dirty="0">
+              <a:solidFill>
+                <a:schemeClr val="dk1"/>
+              </a:solidFill>
+              <a:latin typeface="Arial"/>
+              <a:ea typeface="Arial"/>
+              <a:cs typeface="Arial"/>
+              <a:sym typeface="Arial"/>
+            </a:endParaRPr>
+          </a:p>
+          <a:p>
+            <a:pPr marL="0" marR="0" lvl="0" indent="0" algn="l" rtl="0">
+              <a:lnSpc>
+                <a:spcPct val="100000"/>
+              </a:lnSpc>
+              <a:spcBef>
+                <a:spcPts val="0"/>
+              </a:spcBef>
+              <a:spcAft>
+                <a:spcPts val="0"/>
+              </a:spcAft>
+              <a:buClr>
+                <a:srgbClr val="000000"/>
+              </a:buClr>
+              <a:buSzPts val="1800"/>
+              <a:buFont typeface="Arial"/>
+              <a:buNone/>
+            </a:pPr>
+            <a:endParaRPr sz="1800" b="0" i="0" u="none" strike="noStrike" cap="none" dirty="0">
+              <a:solidFill>
+                <a:schemeClr val="dk1"/>
+              </a:solidFill>
+              <a:latin typeface="Arial"/>
+              <a:ea typeface="Arial"/>
+              <a:cs typeface="Arial"/>
+              <a:sym typeface="Arial"/>
+            </a:endParaRPr>
+          </a:p>
+          <a:p>
+            <a:pPr marL="0" marR="0" lvl="0" indent="0" algn="l" rtl="0">
+              <a:lnSpc>
+                <a:spcPct val="100000"/>
+              </a:lnSpc>
+              <a:spcBef>
+                <a:spcPts val="0"/>
+              </a:spcBef>
+              <a:spcAft>
+                <a:spcPts val="0"/>
+              </a:spcAft>
+              <a:buClr>
+                <a:srgbClr val="000000"/>
+              </a:buClr>
+              <a:buSzPts val="1800"/>
+              <a:buFont typeface="Arial"/>
+              <a:buNone/>
+            </a:pPr>
+            <a:endParaRPr sz="1800" b="0" i="0" u="none" strike="noStrike" cap="none" dirty="0">
+              <a:solidFill>
+                <a:schemeClr val="dk1"/>
+              </a:solidFill>
+              <a:latin typeface="Arial"/>
+              <a:ea typeface="Arial"/>
+              <a:cs typeface="Arial"/>
+              <a:sym typeface="Arial"/>
+            </a:endParaRPr>
+          </a:p>
+        </p:txBody>
+      </p:sp>
+    </p:spTree>
+    <p:extLst>
+      <p:ext uri="{BB962C8B-B14F-4D97-AF65-F5344CB8AC3E}">
+        <p14:creationId xmlns:p14="http://schemas.microsoft.com/office/powerpoint/2010/main" val="2474092465"/>
+      </p:ext>
+    </p:extLst>
+  </p:cSld>
+  <p:clrMapOvr>
+    <a:masterClrMapping/>
+  </p:clrMapOvr>
+</p:sld>
+</file>
+
+<file path=ppt/slides/slide6.xml><?xml version="1.0" encoding="utf-8"?>
+<p:sld xmlns:a="http://schemas.openxmlformats.org/drawingml/2006/main" xmlns:r="http://schemas.openxmlformats.org/officeDocument/2006/relationships" xmlns:p="http://schemas.openxmlformats.org/presentationml/2006/main">
+  <p:cSld>
+    <p:spTree>
+      <p:nvGrpSpPr>
+        <p:cNvPr id="1" name="Shape 56"/>
+        <p:cNvGrpSpPr/>
+        <p:nvPr/>
+      </p:nvGrpSpPr>
+      <p:grpSpPr>
+        <a:xfrm>
+          <a:off x="0" y="0"/>
+          <a:ext cx="0" cy="0"/>
+          <a:chOff x="0" y="0"/>
+          <a:chExt cx="0" cy="0"/>
+        </a:xfrm>
+      </p:grpSpPr>
+      <p:sp>
+        <p:nvSpPr>
+          <p:cNvPr id="57" name="Google Shape;57;p9"/>
+          <p:cNvSpPr txBox="1">
+            <a:spLocks noGrp="1"/>
+          </p:cNvSpPr>
+          <p:nvPr>
+            <p:ph type="title"/>
+          </p:nvPr>
+        </p:nvSpPr>
+        <p:spPr>
+          <a:xfrm>
+            <a:off x="457200" y="0"/>
+            <a:ext cx="8229600" cy="1143000"/>
+          </a:xfrm>
+          <a:prstGeom prst="rect">
+            <a:avLst/>
+          </a:prstGeom>
+          <a:noFill/>
+          <a:ln>
+            <a:noFill/>
+          </a:ln>
+        </p:spPr>
+        <p:txBody>
+          <a:bodyPr spcFirstLastPara="1" wrap="square" lIns="91425" tIns="45700" rIns="91425" bIns="45700" anchor="ctr" anchorCtr="0">
+            <a:noAutofit/>
+          </a:bodyPr>
+          <a:lstStyle/>
+          <a:p>
+            <a:pPr marL="0" lvl="0" indent="0" algn="l" rtl="0">
+              <a:lnSpc>
+                <a:spcPct val="100000"/>
+              </a:lnSpc>
+              <a:spcBef>
+                <a:spcPts val="0"/>
+              </a:spcBef>
+              <a:spcAft>
+                <a:spcPts val="0"/>
+              </a:spcAft>
+              <a:buClr>
+                <a:srgbClr val="3D146F"/>
+              </a:buClr>
+              <a:buSzPts val="3200"/>
+              <a:buFont typeface="Arial"/>
+              <a:buNone/>
+            </a:pPr>
+            <a:r>
+              <a:rPr lang="en-US" dirty="0"/>
+              <a:t>Web Scraping Etiquette</a:t>
+            </a:r>
+            <a:endParaRPr dirty="0"/>
+          </a:p>
+        </p:txBody>
+      </p:sp>
+      <p:sp>
+        <p:nvSpPr>
+          <p:cNvPr id="59" name="Google Shape;59;p9"/>
+          <p:cNvSpPr txBox="1">
+            <a:spLocks noGrp="1"/>
+          </p:cNvSpPr>
+          <p:nvPr>
+            <p:ph type="sldNum" idx="12"/>
+          </p:nvPr>
+        </p:nvSpPr>
+        <p:spPr>
+          <a:xfrm>
+            <a:off x="8686800" y="6506896"/>
+            <a:ext cx="416244" cy="365125"/>
+          </a:xfrm>
+          <a:prstGeom prst="rect">
+            <a:avLst/>
+          </a:prstGeom>
+          <a:noFill/>
+          <a:ln>
+            <a:noFill/>
+          </a:ln>
+        </p:spPr>
+        <p:txBody>
+          <a:bodyPr spcFirstLastPara="1" wrap="square" lIns="91425" tIns="45700" rIns="91425" bIns="45700" anchor="ctr" anchorCtr="0">
+            <a:noAutofit/>
+          </a:bodyPr>
+          <a:lstStyle/>
+          <a:p>
+            <a:pPr marL="0" lvl="0" indent="0" algn="r" rtl="0">
+              <a:lnSpc>
+                <a:spcPct val="100000"/>
+              </a:lnSpc>
+              <a:spcBef>
+                <a:spcPts val="0"/>
+              </a:spcBef>
+              <a:spcAft>
+                <a:spcPts val="0"/>
+              </a:spcAft>
+              <a:buSzPts val="1000"/>
+              <a:buNone/>
+            </a:pPr>
+            <a:fld id="{00000000-1234-1234-1234-123412341234}" type="slidenum">
+              <a:rPr lang="en-US"/>
+              <a:t>6</a:t>
+            </a:fld>
+            <a:endParaRPr/>
+          </a:p>
+        </p:txBody>
+      </p:sp>
+      <p:sp>
+        <p:nvSpPr>
+          <p:cNvPr id="7" name="Google Shape;60;p9"/>
+          <p:cNvSpPr txBox="1"/>
+          <p:nvPr/>
+        </p:nvSpPr>
+        <p:spPr>
+          <a:xfrm>
+            <a:off x="367314" y="1251850"/>
             <a:ext cx="8541000" cy="4599600"/>
           </a:xfrm>
           <a:prstGeom prst="rect">
@@ -25780,7 +29717,7 @@
         <p:spPr>
           <a:xfrm>
             <a:off x="2008867" y="2420045"/>
-            <a:ext cx="1877437" cy="1200329"/>
+            <a:ext cx="1877437" cy="1754326"/>
           </a:xfrm>
           <a:prstGeom prst="rect">
             <a:avLst/>
@@ -25809,16 +29746,6 @@
                   <a:srgbClr val="7030A0"/>
                 </a:solidFill>
               </a:rPr>
-              <a:t>Crawl-delay: 20</a:t>
-            </a:r>
-          </a:p>
-          <a:p>
-            <a:r>
-              <a:rPr lang="en-US" sz="1800" b="1" dirty="0">
-                <a:solidFill>
-                  <a:srgbClr val="7030A0"/>
-                </a:solidFill>
-              </a:rPr>
               <a:t>Disallow: /...</a:t>
             </a:r>
           </a:p>
@@ -25831,6 +29758,30 @@
               </a:rPr>
               <a:t>Allow: /…</a:t>
             </a:r>
+          </a:p>
+          <a:p>
+            <a:r>
+              <a:rPr lang="en-US" sz="1800" b="1" dirty="0">
+                <a:solidFill>
+                  <a:srgbClr val="7030A0"/>
+                </a:solidFill>
+              </a:rPr>
+              <a:t>Crawl-delay: 20</a:t>
+            </a:r>
+          </a:p>
+          <a:p>
+            <a:endParaRPr lang="en-US" sz="1800" b="1" dirty="0">
+              <a:solidFill>
+                <a:srgbClr val="7030A0"/>
+              </a:solidFill>
+            </a:endParaRPr>
+          </a:p>
+          <a:p>
+            <a:endParaRPr lang="en-US" sz="1800" b="1" dirty="0">
+              <a:solidFill>
+                <a:srgbClr val="7030A0"/>
+              </a:solidFill>
+            </a:endParaRPr>
           </a:p>
         </p:txBody>
       </p:sp>
@@ -26043,7 +29994,7 @@
     </p:spTree>
     <p:extLst>
       <p:ext uri="{BB962C8B-B14F-4D97-AF65-F5344CB8AC3E}">
-        <p14:creationId xmlns:p14="http://schemas.microsoft.com/office/powerpoint/2010/main" val="2474092465"/>
+        <p14:creationId xmlns:p14="http://schemas.microsoft.com/office/powerpoint/2010/main" val="1824782290"/>
       </p:ext>
     </p:extLst>
   </p:cSld>
@@ -26053,7 +30004,7 @@
 </p:sld>
 </file>
 
-<file path=ppt/slides/slide5.xml><?xml version="1.0" encoding="utf-8"?>
+<file path=ppt/slides/slide7.xml><?xml version="1.0" encoding="utf-8"?>
 <p:sld xmlns:a="http://schemas.openxmlformats.org/drawingml/2006/main" xmlns:r="http://schemas.openxmlformats.org/officeDocument/2006/relationships" xmlns:p="http://schemas.openxmlformats.org/presentationml/2006/main">
   <p:cSld>
     <p:spTree>
@@ -26176,7 +30127,7 @@
             </a:pPr>
             <a:fld id="{00000000-1234-1234-1234-123412341234}" type="slidenum">
               <a:rPr lang="en-US"/>
-              <a:t>5</a:t>
+              <a:t>7</a:t>
             </a:fld>
             <a:endParaRPr/>
           </a:p>
@@ -26625,7 +30576,7 @@
 </p:sld>
 </file>
 
-<file path=ppt/slides/slide6.xml><?xml version="1.0" encoding="utf-8"?>
+<file path=ppt/slides/slide8.xml><?xml version="1.0" encoding="utf-8"?>
 <p:sld xmlns:a="http://schemas.openxmlformats.org/drawingml/2006/main" xmlns:r="http://schemas.openxmlformats.org/officeDocument/2006/relationships" xmlns:p="http://schemas.openxmlformats.org/presentationml/2006/main">
   <p:cSld>
     <p:spTree>
@@ -26734,7 +30685,7 @@
             </a:pPr>
             <a:fld id="{00000000-1234-1234-1234-123412341234}" type="slidenum">
               <a:rPr lang="en-US"/>
-              <a:t>6</a:t>
+              <a:t>8</a:t>
             </a:fld>
             <a:endParaRPr/>
           </a:p>
@@ -27183,1338 +31134,6 @@
 </p:sld>
 </file>
 
-<file path=ppt/slides/slide7.xml><?xml version="1.0" encoding="utf-8"?>
-<p:sld xmlns:a="http://schemas.openxmlformats.org/drawingml/2006/main" xmlns:r="http://schemas.openxmlformats.org/officeDocument/2006/relationships" xmlns:p="http://schemas.openxmlformats.org/presentationml/2006/main">
-  <p:cSld>
-    <p:spTree>
-      <p:nvGrpSpPr>
-        <p:cNvPr id="1" name="Shape 56"/>
-        <p:cNvGrpSpPr/>
-        <p:nvPr/>
-      </p:nvGrpSpPr>
-      <p:grpSpPr>
-        <a:xfrm>
-          <a:off x="0" y="0"/>
-          <a:ext cx="0" cy="0"/>
-          <a:chOff x="0" y="0"/>
-          <a:chExt cx="0" cy="0"/>
-        </a:xfrm>
-      </p:grpSpPr>
-      <p:sp>
-        <p:nvSpPr>
-          <p:cNvPr id="57" name="Google Shape;57;p9"/>
-          <p:cNvSpPr txBox="1">
-            <a:spLocks noGrp="1"/>
-          </p:cNvSpPr>
-          <p:nvPr>
-            <p:ph type="title"/>
-          </p:nvPr>
-        </p:nvSpPr>
-        <p:spPr>
-          <a:xfrm>
-            <a:off x="457200" y="0"/>
-            <a:ext cx="8229600" cy="1143000"/>
-          </a:xfrm>
-          <a:prstGeom prst="rect">
-            <a:avLst/>
-          </a:prstGeom>
-          <a:noFill/>
-          <a:ln>
-            <a:noFill/>
-          </a:ln>
-        </p:spPr>
-        <p:txBody>
-          <a:bodyPr spcFirstLastPara="1" wrap="square" lIns="91425" tIns="45700" rIns="91425" bIns="45700" anchor="ctr" anchorCtr="0">
-            <a:noAutofit/>
-          </a:bodyPr>
-          <a:lstStyle/>
-          <a:p>
-            <a:pPr lvl="0">
-              <a:buSzPts val="3200"/>
-            </a:pPr>
-            <a:r>
-              <a:rPr lang="en-US" dirty="0"/>
-              <a:t>Web Scraping Etiquette –TOS Ex. 2 </a:t>
-            </a:r>
-            <a:endParaRPr dirty="0"/>
-          </a:p>
-        </p:txBody>
-      </p:sp>
-      <p:sp>
-        <p:nvSpPr>
-          <p:cNvPr id="59" name="Google Shape;59;p9"/>
-          <p:cNvSpPr txBox="1">
-            <a:spLocks noGrp="1"/>
-          </p:cNvSpPr>
-          <p:nvPr>
-            <p:ph type="sldNum" idx="12"/>
-          </p:nvPr>
-        </p:nvSpPr>
-        <p:spPr>
-          <a:xfrm>
-            <a:off x="8686800" y="6506896"/>
-            <a:ext cx="416244" cy="365125"/>
-          </a:xfrm>
-          <a:prstGeom prst="rect">
-            <a:avLst/>
-          </a:prstGeom>
-          <a:noFill/>
-          <a:ln>
-            <a:noFill/>
-          </a:ln>
-        </p:spPr>
-        <p:txBody>
-          <a:bodyPr spcFirstLastPara="1" wrap="square" lIns="91425" tIns="45700" rIns="91425" bIns="45700" anchor="ctr" anchorCtr="0">
-            <a:noAutofit/>
-          </a:bodyPr>
-          <a:lstStyle/>
-          <a:p>
-            <a:pPr marL="0" lvl="0" indent="0" algn="r" rtl="0">
-              <a:lnSpc>
-                <a:spcPct val="100000"/>
-              </a:lnSpc>
-              <a:spcBef>
-                <a:spcPts val="0"/>
-              </a:spcBef>
-              <a:spcAft>
-                <a:spcPts val="0"/>
-              </a:spcAft>
-              <a:buSzPts val="1000"/>
-              <a:buNone/>
-            </a:pPr>
-            <a:fld id="{00000000-1234-1234-1234-123412341234}" type="slidenum">
-              <a:rPr lang="en-US"/>
-              <a:t>7</a:t>
-            </a:fld>
-            <a:endParaRPr/>
-          </a:p>
-        </p:txBody>
-      </p:sp>
-      <p:sp>
-        <p:nvSpPr>
-          <p:cNvPr id="7" name="Google Shape;60;p9"/>
-          <p:cNvSpPr txBox="1"/>
-          <p:nvPr/>
-        </p:nvSpPr>
-        <p:spPr>
-          <a:xfrm>
-            <a:off x="457200" y="1143000"/>
-            <a:ext cx="8541000" cy="4599600"/>
-          </a:xfrm>
-          <a:prstGeom prst="rect">
-            <a:avLst/>
-          </a:prstGeom>
-          <a:noFill/>
-          <a:ln>
-            <a:noFill/>
-          </a:ln>
-        </p:spPr>
-        <p:txBody>
-          <a:bodyPr spcFirstLastPara="1" wrap="square" lIns="91425" tIns="45700" rIns="91425" bIns="45700" anchor="t" anchorCtr="0">
-            <a:noAutofit/>
-          </a:bodyPr>
-          <a:lstStyle/>
-          <a:p>
-            <a:endParaRPr lang="en-US" sz="2400" i="1" dirty="0"/>
-          </a:p>
-          <a:p>
-            <a:pPr marL="350838" indent="-350838">
-              <a:buFont typeface="Arial" charset="0"/>
-              <a:buChar char="•"/>
-            </a:pPr>
-            <a:endParaRPr lang="en-US" sz="2400" i="1" dirty="0"/>
-          </a:p>
-          <a:p>
-            <a:pPr marL="350838" indent="-350838">
-              <a:buFont typeface="Arial" charset="0"/>
-              <a:buChar char="•"/>
-            </a:pPr>
-            <a:endParaRPr lang="en-US" sz="2400" i="1" dirty="0"/>
-          </a:p>
-          <a:p>
-            <a:pPr marL="350838" indent="-350838">
-              <a:buFont typeface="Arial" charset="0"/>
-              <a:buChar char="•"/>
-            </a:pPr>
-            <a:endParaRPr lang="en-US" sz="2400" i="1" dirty="0"/>
-          </a:p>
-          <a:p>
-            <a:pPr marL="350838" indent="-350838">
-              <a:buFont typeface="Arial" charset="0"/>
-              <a:buChar char="•"/>
-            </a:pPr>
-            <a:endParaRPr lang="en-US" sz="2400" dirty="0"/>
-          </a:p>
-          <a:p>
-            <a:pPr marL="350838" indent="-350838">
-              <a:buFont typeface="Arial" charset="0"/>
-              <a:buChar char="•"/>
-            </a:pPr>
-            <a:endParaRPr lang="en-US" sz="900" dirty="0"/>
-          </a:p>
-          <a:p>
-            <a:pPr marL="742950" marR="0" lvl="1" indent="-171450" algn="l" rtl="0">
-              <a:lnSpc>
-                <a:spcPct val="100000"/>
-              </a:lnSpc>
-              <a:spcBef>
-                <a:spcPts val="0"/>
-              </a:spcBef>
-              <a:spcAft>
-                <a:spcPts val="0"/>
-              </a:spcAft>
-              <a:buClr>
-                <a:schemeClr val="dk1"/>
-              </a:buClr>
-              <a:buSzPts val="1800"/>
-              <a:buFont typeface="Courier New"/>
-              <a:buNone/>
-            </a:pPr>
-            <a:endParaRPr sz="1800" b="0" i="0" u="none" strike="noStrike" cap="none" dirty="0">
-              <a:solidFill>
-                <a:schemeClr val="dk1"/>
-              </a:solidFill>
-              <a:latin typeface="Arial"/>
-              <a:ea typeface="Arial"/>
-              <a:cs typeface="Arial"/>
-              <a:sym typeface="Arial"/>
-            </a:endParaRPr>
-          </a:p>
-          <a:p>
-            <a:pPr marL="457200" marR="0" lvl="1" indent="0" algn="l" rtl="0">
-              <a:lnSpc>
-                <a:spcPct val="100000"/>
-              </a:lnSpc>
-              <a:spcBef>
-                <a:spcPts val="0"/>
-              </a:spcBef>
-              <a:spcAft>
-                <a:spcPts val="0"/>
-              </a:spcAft>
-              <a:buClr>
-                <a:srgbClr val="000000"/>
-              </a:buClr>
-              <a:buSzPts val="1800"/>
-              <a:buFont typeface="Arial"/>
-              <a:buNone/>
-            </a:pPr>
-            <a:endParaRPr sz="1800" b="0" i="0" u="none" strike="noStrike" cap="none" dirty="0">
-              <a:solidFill>
-                <a:schemeClr val="dk1"/>
-              </a:solidFill>
-              <a:latin typeface="Arial"/>
-              <a:ea typeface="Arial"/>
-              <a:cs typeface="Arial"/>
-              <a:sym typeface="Arial"/>
-            </a:endParaRPr>
-          </a:p>
-          <a:p>
-            <a:pPr marL="0" marR="0" lvl="0" indent="0" algn="l" rtl="0">
-              <a:lnSpc>
-                <a:spcPct val="100000"/>
-              </a:lnSpc>
-              <a:spcBef>
-                <a:spcPts val="0"/>
-              </a:spcBef>
-              <a:spcAft>
-                <a:spcPts val="0"/>
-              </a:spcAft>
-              <a:buClr>
-                <a:srgbClr val="000000"/>
-              </a:buClr>
-              <a:buSzPts val="1800"/>
-              <a:buFont typeface="Arial"/>
-              <a:buNone/>
-            </a:pPr>
-            <a:endParaRPr sz="1800" b="0" i="0" u="none" strike="noStrike" cap="none" dirty="0">
-              <a:solidFill>
-                <a:schemeClr val="dk1"/>
-              </a:solidFill>
-              <a:latin typeface="Arial"/>
-              <a:ea typeface="Arial"/>
-              <a:cs typeface="Arial"/>
-              <a:sym typeface="Arial"/>
-            </a:endParaRPr>
-          </a:p>
-          <a:p>
-            <a:pPr marL="0" marR="0" lvl="0" indent="0" algn="l" rtl="0">
-              <a:lnSpc>
-                <a:spcPct val="100000"/>
-              </a:lnSpc>
-              <a:spcBef>
-                <a:spcPts val="0"/>
-              </a:spcBef>
-              <a:spcAft>
-                <a:spcPts val="0"/>
-              </a:spcAft>
-              <a:buClr>
-                <a:srgbClr val="000000"/>
-              </a:buClr>
-              <a:buSzPts val="1800"/>
-              <a:buFont typeface="Arial"/>
-              <a:buNone/>
-            </a:pPr>
-            <a:endParaRPr sz="1800" b="0" i="0" u="none" strike="noStrike" cap="none" dirty="0">
-              <a:solidFill>
-                <a:schemeClr val="dk1"/>
-              </a:solidFill>
-              <a:latin typeface="Arial"/>
-              <a:ea typeface="Arial"/>
-              <a:cs typeface="Arial"/>
-              <a:sym typeface="Arial"/>
-            </a:endParaRPr>
-          </a:p>
-          <a:p>
-            <a:pPr marL="0" marR="0" lvl="0" indent="0" algn="l" rtl="0">
-              <a:lnSpc>
-                <a:spcPct val="100000"/>
-              </a:lnSpc>
-              <a:spcBef>
-                <a:spcPts val="0"/>
-              </a:spcBef>
-              <a:spcAft>
-                <a:spcPts val="0"/>
-              </a:spcAft>
-              <a:buClr>
-                <a:srgbClr val="000000"/>
-              </a:buClr>
-              <a:buSzPts val="1800"/>
-              <a:buFont typeface="Arial"/>
-              <a:buNone/>
-            </a:pPr>
-            <a:endParaRPr sz="1800" b="0" i="0" u="none" strike="noStrike" cap="none" dirty="0">
-              <a:solidFill>
-                <a:schemeClr val="dk1"/>
-              </a:solidFill>
-              <a:latin typeface="Arial"/>
-              <a:ea typeface="Arial"/>
-              <a:cs typeface="Arial"/>
-              <a:sym typeface="Arial"/>
-            </a:endParaRPr>
-          </a:p>
-          <a:p>
-            <a:pPr marL="0" marR="0" lvl="0" indent="0" algn="l" rtl="0">
-              <a:lnSpc>
-                <a:spcPct val="100000"/>
-              </a:lnSpc>
-              <a:spcBef>
-                <a:spcPts val="0"/>
-              </a:spcBef>
-              <a:spcAft>
-                <a:spcPts val="0"/>
-              </a:spcAft>
-              <a:buClr>
-                <a:srgbClr val="000000"/>
-              </a:buClr>
-              <a:buSzPts val="1800"/>
-              <a:buFont typeface="Arial"/>
-              <a:buNone/>
-            </a:pPr>
-            <a:endParaRPr sz="1800" b="0" i="0" u="none" strike="noStrike" cap="none" dirty="0">
-              <a:solidFill>
-                <a:schemeClr val="dk1"/>
-              </a:solidFill>
-              <a:latin typeface="Arial"/>
-              <a:ea typeface="Arial"/>
-              <a:cs typeface="Arial"/>
-              <a:sym typeface="Arial"/>
-            </a:endParaRPr>
-          </a:p>
-          <a:p>
-            <a:pPr marL="0" marR="0" lvl="0" indent="0" algn="l" rtl="0">
-              <a:lnSpc>
-                <a:spcPct val="100000"/>
-              </a:lnSpc>
-              <a:spcBef>
-                <a:spcPts val="0"/>
-              </a:spcBef>
-              <a:spcAft>
-                <a:spcPts val="0"/>
-              </a:spcAft>
-              <a:buClr>
-                <a:srgbClr val="000000"/>
-              </a:buClr>
-              <a:buSzPts val="1800"/>
-              <a:buFont typeface="Arial"/>
-              <a:buNone/>
-            </a:pPr>
-            <a:endParaRPr sz="1800" b="0" i="0" u="none" strike="noStrike" cap="none" dirty="0">
-              <a:solidFill>
-                <a:schemeClr val="dk1"/>
-              </a:solidFill>
-              <a:latin typeface="Arial"/>
-              <a:ea typeface="Arial"/>
-              <a:cs typeface="Arial"/>
-              <a:sym typeface="Arial"/>
-            </a:endParaRPr>
-          </a:p>
-          <a:p>
-            <a:pPr marL="0" marR="0" lvl="0" indent="0" algn="l" rtl="0">
-              <a:lnSpc>
-                <a:spcPct val="100000"/>
-              </a:lnSpc>
-              <a:spcBef>
-                <a:spcPts val="0"/>
-              </a:spcBef>
-              <a:spcAft>
-                <a:spcPts val="0"/>
-              </a:spcAft>
-              <a:buClr>
-                <a:srgbClr val="000000"/>
-              </a:buClr>
-              <a:buSzPts val="1800"/>
-              <a:buFont typeface="Arial"/>
-              <a:buNone/>
-            </a:pPr>
-            <a:endParaRPr sz="1800" b="0" i="0" u="none" strike="noStrike" cap="none" dirty="0">
-              <a:solidFill>
-                <a:schemeClr val="dk1"/>
-              </a:solidFill>
-              <a:latin typeface="Arial"/>
-              <a:ea typeface="Arial"/>
-              <a:cs typeface="Arial"/>
-              <a:sym typeface="Arial"/>
-            </a:endParaRPr>
-          </a:p>
-          <a:p>
-            <a:pPr marL="0" marR="0" lvl="0" indent="0" algn="l" rtl="0">
-              <a:lnSpc>
-                <a:spcPct val="100000"/>
-              </a:lnSpc>
-              <a:spcBef>
-                <a:spcPts val="0"/>
-              </a:spcBef>
-              <a:spcAft>
-                <a:spcPts val="0"/>
-              </a:spcAft>
-              <a:buClr>
-                <a:srgbClr val="000000"/>
-              </a:buClr>
-              <a:buSzPts val="1800"/>
-              <a:buFont typeface="Arial"/>
-              <a:buNone/>
-            </a:pPr>
-            <a:endParaRPr sz="1800" b="0" i="0" u="none" strike="noStrike" cap="none" dirty="0">
-              <a:solidFill>
-                <a:schemeClr val="dk1"/>
-              </a:solidFill>
-              <a:latin typeface="Arial"/>
-              <a:ea typeface="Arial"/>
-              <a:cs typeface="Arial"/>
-              <a:sym typeface="Arial"/>
-            </a:endParaRPr>
-          </a:p>
-          <a:p>
-            <a:pPr marL="0" marR="0" lvl="0" indent="0" algn="l" rtl="0">
-              <a:lnSpc>
-                <a:spcPct val="100000"/>
-              </a:lnSpc>
-              <a:spcBef>
-                <a:spcPts val="0"/>
-              </a:spcBef>
-              <a:spcAft>
-                <a:spcPts val="0"/>
-              </a:spcAft>
-              <a:buClr>
-                <a:srgbClr val="000000"/>
-              </a:buClr>
-              <a:buSzPts val="1800"/>
-              <a:buFont typeface="Arial"/>
-              <a:buNone/>
-            </a:pPr>
-            <a:endParaRPr sz="1800" b="0" i="0" u="none" strike="noStrike" cap="none" dirty="0">
-              <a:solidFill>
-                <a:schemeClr val="dk1"/>
-              </a:solidFill>
-              <a:latin typeface="Arial"/>
-              <a:ea typeface="Arial"/>
-              <a:cs typeface="Arial"/>
-              <a:sym typeface="Arial"/>
-            </a:endParaRPr>
-          </a:p>
-        </p:txBody>
-      </p:sp>
-      <p:pic>
-        <p:nvPicPr>
-          <p:cNvPr id="5" name="Picture 4" descr="A screenshot of a social media post&#10;&#10;Description automatically generated">
-            <a:extLst>
-              <a:ext uri="{FF2B5EF4-FFF2-40B4-BE49-F238E27FC236}">
-                <a16:creationId xmlns:a16="http://schemas.microsoft.com/office/drawing/2014/main" id="{EE714030-C698-E944-8D81-81E53AB84C48}"/>
-              </a:ext>
-            </a:extLst>
-          </p:cNvPr>
-          <p:cNvPicPr>
-            <a:picLocks noChangeAspect="1"/>
-          </p:cNvPicPr>
-          <p:nvPr/>
-        </p:nvPicPr>
-        <p:blipFill rotWithShape="1">
-          <a:blip r:embed="rId3"/>
-          <a:srcRect l="3119" r="13392"/>
-          <a:stretch/>
-        </p:blipFill>
-        <p:spPr>
-          <a:xfrm>
-            <a:off x="571500" y="977900"/>
-            <a:ext cx="7759700" cy="4638640"/>
-          </a:xfrm>
-          <a:prstGeom prst="rect">
-            <a:avLst/>
-          </a:prstGeom>
-        </p:spPr>
-      </p:pic>
-    </p:spTree>
-    <p:extLst>
-      <p:ext uri="{BB962C8B-B14F-4D97-AF65-F5344CB8AC3E}">
-        <p14:creationId xmlns:p14="http://schemas.microsoft.com/office/powerpoint/2010/main" val="1878781209"/>
-      </p:ext>
-    </p:extLst>
-  </p:cSld>
-  <p:clrMapOvr>
-    <a:masterClrMapping/>
-  </p:clrMapOvr>
-</p:sld>
-</file>
-
-<file path=ppt/slides/slide8.xml><?xml version="1.0" encoding="utf-8"?>
-<p:sld xmlns:a="http://schemas.openxmlformats.org/drawingml/2006/main" xmlns:r="http://schemas.openxmlformats.org/officeDocument/2006/relationships" xmlns:p="http://schemas.openxmlformats.org/presentationml/2006/main">
-  <p:cSld>
-    <p:spTree>
-      <p:nvGrpSpPr>
-        <p:cNvPr id="1" name="Shape 56"/>
-        <p:cNvGrpSpPr/>
-        <p:nvPr/>
-      </p:nvGrpSpPr>
-      <p:grpSpPr>
-        <a:xfrm>
-          <a:off x="0" y="0"/>
-          <a:ext cx="0" cy="0"/>
-          <a:chOff x="0" y="0"/>
-          <a:chExt cx="0" cy="0"/>
-        </a:xfrm>
-      </p:grpSpPr>
-      <p:sp>
-        <p:nvSpPr>
-          <p:cNvPr id="57" name="Google Shape;57;p9"/>
-          <p:cNvSpPr txBox="1">
-            <a:spLocks noGrp="1"/>
-          </p:cNvSpPr>
-          <p:nvPr>
-            <p:ph type="title"/>
-          </p:nvPr>
-        </p:nvSpPr>
-        <p:spPr>
-          <a:xfrm>
-            <a:off x="457200" y="0"/>
-            <a:ext cx="8229600" cy="1143000"/>
-          </a:xfrm>
-          <a:prstGeom prst="rect">
-            <a:avLst/>
-          </a:prstGeom>
-          <a:noFill/>
-          <a:ln>
-            <a:noFill/>
-          </a:ln>
-        </p:spPr>
-        <p:txBody>
-          <a:bodyPr spcFirstLastPara="1" wrap="square" lIns="91425" tIns="45700" rIns="91425" bIns="45700" anchor="ctr" anchorCtr="0">
-            <a:noAutofit/>
-          </a:bodyPr>
-          <a:lstStyle/>
-          <a:p>
-            <a:pPr marL="0" lvl="0" indent="0" algn="l" rtl="0">
-              <a:lnSpc>
-                <a:spcPct val="100000"/>
-              </a:lnSpc>
-              <a:spcBef>
-                <a:spcPts val="0"/>
-              </a:spcBef>
-              <a:spcAft>
-                <a:spcPts val="0"/>
-              </a:spcAft>
-              <a:buClr>
-                <a:srgbClr val="3D146F"/>
-              </a:buClr>
-              <a:buSzPts val="3200"/>
-              <a:buFont typeface="Arial"/>
-              <a:buNone/>
-            </a:pPr>
-            <a:r>
-              <a:rPr lang="en-US" dirty="0"/>
-              <a:t>Web Scraping Etiquette</a:t>
-            </a:r>
-            <a:endParaRPr dirty="0"/>
-          </a:p>
-        </p:txBody>
-      </p:sp>
-      <p:sp>
-        <p:nvSpPr>
-          <p:cNvPr id="59" name="Google Shape;59;p9"/>
-          <p:cNvSpPr txBox="1">
-            <a:spLocks noGrp="1"/>
-          </p:cNvSpPr>
-          <p:nvPr>
-            <p:ph type="sldNum" idx="12"/>
-          </p:nvPr>
-        </p:nvSpPr>
-        <p:spPr>
-          <a:xfrm>
-            <a:off x="8686800" y="6506896"/>
-            <a:ext cx="416244" cy="365125"/>
-          </a:xfrm>
-          <a:prstGeom prst="rect">
-            <a:avLst/>
-          </a:prstGeom>
-          <a:noFill/>
-          <a:ln>
-            <a:noFill/>
-          </a:ln>
-        </p:spPr>
-        <p:txBody>
-          <a:bodyPr spcFirstLastPara="1" wrap="square" lIns="91425" tIns="45700" rIns="91425" bIns="45700" anchor="ctr" anchorCtr="0">
-            <a:noAutofit/>
-          </a:bodyPr>
-          <a:lstStyle/>
-          <a:p>
-            <a:pPr marL="0" lvl="0" indent="0" algn="r" rtl="0">
-              <a:lnSpc>
-                <a:spcPct val="100000"/>
-              </a:lnSpc>
-              <a:spcBef>
-                <a:spcPts val="0"/>
-              </a:spcBef>
-              <a:spcAft>
-                <a:spcPts val="0"/>
-              </a:spcAft>
-              <a:buSzPts val="1000"/>
-              <a:buNone/>
-            </a:pPr>
-            <a:fld id="{00000000-1234-1234-1234-123412341234}" type="slidenum">
-              <a:rPr lang="en-US"/>
-              <a:t>8</a:t>
-            </a:fld>
-            <a:endParaRPr/>
-          </a:p>
-        </p:txBody>
-      </p:sp>
-      <p:sp>
-        <p:nvSpPr>
-          <p:cNvPr id="7" name="Google Shape;60;p9"/>
-          <p:cNvSpPr txBox="1"/>
-          <p:nvPr/>
-        </p:nvSpPr>
-        <p:spPr>
-          <a:xfrm>
-            <a:off x="367314" y="1239818"/>
-            <a:ext cx="8541000" cy="4599600"/>
-          </a:xfrm>
-          <a:prstGeom prst="rect">
-            <a:avLst/>
-          </a:prstGeom>
-          <a:noFill/>
-          <a:ln>
-            <a:noFill/>
-          </a:ln>
-        </p:spPr>
-        <p:txBody>
-          <a:bodyPr spcFirstLastPara="1" wrap="square" lIns="91425" tIns="45700" rIns="91425" bIns="45700" anchor="t" anchorCtr="0">
-            <a:noAutofit/>
-          </a:bodyPr>
-          <a:lstStyle/>
-          <a:p>
-            <a:pPr marL="457200" indent="-457200">
-              <a:buFont typeface="+mj-lt"/>
-              <a:buAutoNum type="arabicPeriod"/>
-            </a:pPr>
-            <a:r>
-              <a:rPr lang="en-US" sz="2400" dirty="0"/>
-              <a:t>Follow the guidelines of </a:t>
-            </a:r>
-            <a:r>
-              <a:rPr lang="en-US" sz="2400" i="1" dirty="0" err="1"/>
-              <a:t>robots.txt</a:t>
-            </a:r>
-            <a:r>
-              <a:rPr lang="en-US" sz="2400" i="1" dirty="0"/>
-              <a:t> </a:t>
-            </a:r>
-            <a:r>
-              <a:rPr lang="en-US" sz="2400" dirty="0"/>
-              <a:t>and Terms of Service</a:t>
-            </a:r>
-            <a:endParaRPr lang="en-US" sz="2400" i="1" dirty="0"/>
-          </a:p>
-          <a:p>
-            <a:pPr marL="457200" indent="-457200">
-              <a:buFont typeface="+mj-lt"/>
-              <a:buAutoNum type="arabicPeriod"/>
-            </a:pPr>
-            <a:endParaRPr lang="en-US" sz="2400" i="1" dirty="0"/>
-          </a:p>
-          <a:p>
-            <a:pPr marL="457200" indent="-457200">
-              <a:buFont typeface="+mj-lt"/>
-              <a:buAutoNum type="arabicPeriod"/>
-            </a:pPr>
-            <a:endParaRPr lang="en-US" sz="2400" i="1" dirty="0"/>
-          </a:p>
-          <a:p>
-            <a:pPr marL="457200" indent="-457200">
-              <a:buFont typeface="+mj-lt"/>
-              <a:buAutoNum type="arabicPeriod"/>
-            </a:pPr>
-            <a:endParaRPr lang="en-US" sz="2400" i="1" dirty="0"/>
-          </a:p>
-          <a:p>
-            <a:pPr marL="457200" indent="-457200">
-              <a:buFont typeface="+mj-lt"/>
-              <a:buAutoNum type="arabicPeriod"/>
-            </a:pPr>
-            <a:endParaRPr lang="en-US" sz="2400" i="1" dirty="0"/>
-          </a:p>
-          <a:p>
-            <a:pPr marL="457200" indent="-457200">
-              <a:buFont typeface="+mj-lt"/>
-              <a:buAutoNum type="arabicPeriod"/>
-            </a:pPr>
-            <a:endParaRPr lang="en-US" sz="2400" dirty="0"/>
-          </a:p>
-          <a:p>
-            <a:pPr marL="350838" indent="-350838">
-              <a:buFont typeface="+mj-lt"/>
-              <a:buAutoNum type="arabicPeriod"/>
-            </a:pPr>
-            <a:endParaRPr lang="en-US" sz="1500" dirty="0"/>
-          </a:p>
-          <a:p>
-            <a:pPr marL="342900" indent="-342900">
-              <a:buFont typeface="+mj-lt"/>
-              <a:buAutoNum type="arabicPeriod"/>
-            </a:pPr>
-            <a:endParaRPr lang="en-US" sz="1500" dirty="0"/>
-          </a:p>
-          <a:p>
-            <a:pPr marL="457200" indent="-457200">
-              <a:buFont typeface="+mj-lt"/>
-              <a:buAutoNum type="arabicPeriod"/>
-            </a:pPr>
-            <a:r>
-              <a:rPr lang="en-US" sz="2400" dirty="0"/>
-              <a:t>Use your own IP address (Don’t Lie)</a:t>
-            </a:r>
-          </a:p>
-          <a:p>
-            <a:pPr marL="342900" indent="-342900">
-              <a:buFont typeface="+mj-lt"/>
-              <a:buAutoNum type="arabicPeriod"/>
-            </a:pPr>
-            <a:endParaRPr lang="en-US" sz="1500" dirty="0"/>
-          </a:p>
-          <a:p>
-            <a:pPr lvl="2"/>
-            <a:r>
-              <a:rPr lang="en-US" sz="2400" dirty="0"/>
-              <a:t>	</a:t>
-            </a:r>
-            <a:endParaRPr sz="1800" b="0" i="0" u="none" strike="noStrike" cap="none" dirty="0">
-              <a:solidFill>
-                <a:schemeClr val="dk1"/>
-              </a:solidFill>
-              <a:latin typeface="Arial"/>
-              <a:ea typeface="Arial"/>
-              <a:cs typeface="Arial"/>
-              <a:sym typeface="Arial"/>
-            </a:endParaRPr>
-          </a:p>
-          <a:p>
-            <a:pPr marL="457200" marR="0" lvl="1" indent="0" algn="l" rtl="0">
-              <a:lnSpc>
-                <a:spcPct val="100000"/>
-              </a:lnSpc>
-              <a:spcBef>
-                <a:spcPts val="0"/>
-              </a:spcBef>
-              <a:spcAft>
-                <a:spcPts val="0"/>
-              </a:spcAft>
-              <a:buClr>
-                <a:srgbClr val="000000"/>
-              </a:buClr>
-              <a:buSzPts val="1800"/>
-              <a:buFont typeface="Arial"/>
-              <a:buNone/>
-            </a:pPr>
-            <a:endParaRPr sz="1800" b="0" i="0" u="none" strike="noStrike" cap="none" dirty="0">
-              <a:solidFill>
-                <a:schemeClr val="dk1"/>
-              </a:solidFill>
-              <a:latin typeface="Arial"/>
-              <a:ea typeface="Arial"/>
-              <a:cs typeface="Arial"/>
-              <a:sym typeface="Arial"/>
-            </a:endParaRPr>
-          </a:p>
-          <a:p>
-            <a:pPr marL="0" marR="0" lvl="0" indent="0" algn="l" rtl="0">
-              <a:lnSpc>
-                <a:spcPct val="100000"/>
-              </a:lnSpc>
-              <a:spcBef>
-                <a:spcPts val="0"/>
-              </a:spcBef>
-              <a:spcAft>
-                <a:spcPts val="0"/>
-              </a:spcAft>
-              <a:buClr>
-                <a:srgbClr val="000000"/>
-              </a:buClr>
-              <a:buSzPts val="1800"/>
-              <a:buFont typeface="Arial"/>
-              <a:buNone/>
-            </a:pPr>
-            <a:endParaRPr sz="1800" b="0" i="0" u="none" strike="noStrike" cap="none" dirty="0">
-              <a:solidFill>
-                <a:schemeClr val="dk1"/>
-              </a:solidFill>
-              <a:latin typeface="Arial"/>
-              <a:ea typeface="Arial"/>
-              <a:cs typeface="Arial"/>
-              <a:sym typeface="Arial"/>
-            </a:endParaRPr>
-          </a:p>
-          <a:p>
-            <a:pPr marL="0" marR="0" lvl="0" indent="0" algn="l" rtl="0">
-              <a:lnSpc>
-                <a:spcPct val="100000"/>
-              </a:lnSpc>
-              <a:spcBef>
-                <a:spcPts val="0"/>
-              </a:spcBef>
-              <a:spcAft>
-                <a:spcPts val="0"/>
-              </a:spcAft>
-              <a:buClr>
-                <a:srgbClr val="000000"/>
-              </a:buClr>
-              <a:buSzPts val="1800"/>
-              <a:buFont typeface="Arial"/>
-              <a:buNone/>
-            </a:pPr>
-            <a:endParaRPr sz="1800" b="0" i="0" u="none" strike="noStrike" cap="none" dirty="0">
-              <a:solidFill>
-                <a:schemeClr val="dk1"/>
-              </a:solidFill>
-              <a:latin typeface="Arial"/>
-              <a:ea typeface="Arial"/>
-              <a:cs typeface="Arial"/>
-              <a:sym typeface="Arial"/>
-            </a:endParaRPr>
-          </a:p>
-          <a:p>
-            <a:pPr marL="0" marR="0" lvl="0" indent="0" algn="l" rtl="0">
-              <a:lnSpc>
-                <a:spcPct val="100000"/>
-              </a:lnSpc>
-              <a:spcBef>
-                <a:spcPts val="0"/>
-              </a:spcBef>
-              <a:spcAft>
-                <a:spcPts val="0"/>
-              </a:spcAft>
-              <a:buClr>
-                <a:srgbClr val="000000"/>
-              </a:buClr>
-              <a:buSzPts val="1800"/>
-              <a:buFont typeface="Arial"/>
-              <a:buNone/>
-            </a:pPr>
-            <a:endParaRPr sz="1800" b="0" i="0" u="none" strike="noStrike" cap="none" dirty="0">
-              <a:solidFill>
-                <a:schemeClr val="dk1"/>
-              </a:solidFill>
-              <a:latin typeface="Arial"/>
-              <a:ea typeface="Arial"/>
-              <a:cs typeface="Arial"/>
-              <a:sym typeface="Arial"/>
-            </a:endParaRPr>
-          </a:p>
-          <a:p>
-            <a:pPr marL="0" marR="0" lvl="0" indent="0" algn="l" rtl="0">
-              <a:lnSpc>
-                <a:spcPct val="100000"/>
-              </a:lnSpc>
-              <a:spcBef>
-                <a:spcPts val="0"/>
-              </a:spcBef>
-              <a:spcAft>
-                <a:spcPts val="0"/>
-              </a:spcAft>
-              <a:buClr>
-                <a:srgbClr val="000000"/>
-              </a:buClr>
-              <a:buSzPts val="1800"/>
-              <a:buFont typeface="Arial"/>
-              <a:buNone/>
-            </a:pPr>
-            <a:endParaRPr sz="1800" b="0" i="0" u="none" strike="noStrike" cap="none" dirty="0">
-              <a:solidFill>
-                <a:schemeClr val="dk1"/>
-              </a:solidFill>
-              <a:latin typeface="Arial"/>
-              <a:ea typeface="Arial"/>
-              <a:cs typeface="Arial"/>
-              <a:sym typeface="Arial"/>
-            </a:endParaRPr>
-          </a:p>
-          <a:p>
-            <a:pPr marL="0" marR="0" lvl="0" indent="0" algn="l" rtl="0">
-              <a:lnSpc>
-                <a:spcPct val="100000"/>
-              </a:lnSpc>
-              <a:spcBef>
-                <a:spcPts val="0"/>
-              </a:spcBef>
-              <a:spcAft>
-                <a:spcPts val="0"/>
-              </a:spcAft>
-              <a:buClr>
-                <a:srgbClr val="000000"/>
-              </a:buClr>
-              <a:buSzPts val="1800"/>
-              <a:buFont typeface="Arial"/>
-              <a:buNone/>
-            </a:pPr>
-            <a:endParaRPr sz="1800" b="0" i="0" u="none" strike="noStrike" cap="none" dirty="0">
-              <a:solidFill>
-                <a:schemeClr val="dk1"/>
-              </a:solidFill>
-              <a:latin typeface="Arial"/>
-              <a:ea typeface="Arial"/>
-              <a:cs typeface="Arial"/>
-              <a:sym typeface="Arial"/>
-            </a:endParaRPr>
-          </a:p>
-          <a:p>
-            <a:pPr marL="0" marR="0" lvl="0" indent="0" algn="l" rtl="0">
-              <a:lnSpc>
-                <a:spcPct val="100000"/>
-              </a:lnSpc>
-              <a:spcBef>
-                <a:spcPts val="0"/>
-              </a:spcBef>
-              <a:spcAft>
-                <a:spcPts val="0"/>
-              </a:spcAft>
-              <a:buClr>
-                <a:srgbClr val="000000"/>
-              </a:buClr>
-              <a:buSzPts val="1800"/>
-              <a:buFont typeface="Arial"/>
-              <a:buNone/>
-            </a:pPr>
-            <a:endParaRPr sz="1800" b="0" i="0" u="none" strike="noStrike" cap="none" dirty="0">
-              <a:solidFill>
-                <a:schemeClr val="dk1"/>
-              </a:solidFill>
-              <a:latin typeface="Arial"/>
-              <a:ea typeface="Arial"/>
-              <a:cs typeface="Arial"/>
-              <a:sym typeface="Arial"/>
-            </a:endParaRPr>
-          </a:p>
-          <a:p>
-            <a:pPr marL="0" marR="0" lvl="0" indent="0" algn="l" rtl="0">
-              <a:lnSpc>
-                <a:spcPct val="100000"/>
-              </a:lnSpc>
-              <a:spcBef>
-                <a:spcPts val="0"/>
-              </a:spcBef>
-              <a:spcAft>
-                <a:spcPts val="0"/>
-              </a:spcAft>
-              <a:buClr>
-                <a:srgbClr val="000000"/>
-              </a:buClr>
-              <a:buSzPts val="1800"/>
-              <a:buFont typeface="Arial"/>
-              <a:buNone/>
-            </a:pPr>
-            <a:endParaRPr sz="1800" b="0" i="0" u="none" strike="noStrike" cap="none" dirty="0">
-              <a:solidFill>
-                <a:schemeClr val="dk1"/>
-              </a:solidFill>
-              <a:latin typeface="Arial"/>
-              <a:ea typeface="Arial"/>
-              <a:cs typeface="Arial"/>
-              <a:sym typeface="Arial"/>
-            </a:endParaRPr>
-          </a:p>
-          <a:p>
-            <a:pPr marL="0" marR="0" lvl="0" indent="0" algn="l" rtl="0">
-              <a:lnSpc>
-                <a:spcPct val="100000"/>
-              </a:lnSpc>
-              <a:spcBef>
-                <a:spcPts val="0"/>
-              </a:spcBef>
-              <a:spcAft>
-                <a:spcPts val="0"/>
-              </a:spcAft>
-              <a:buClr>
-                <a:srgbClr val="000000"/>
-              </a:buClr>
-              <a:buSzPts val="1800"/>
-              <a:buFont typeface="Arial"/>
-              <a:buNone/>
-            </a:pPr>
-            <a:endParaRPr sz="1800" b="0" i="0" u="none" strike="noStrike" cap="none" dirty="0">
-              <a:solidFill>
-                <a:schemeClr val="dk1"/>
-              </a:solidFill>
-              <a:latin typeface="Arial"/>
-              <a:ea typeface="Arial"/>
-              <a:cs typeface="Arial"/>
-              <a:sym typeface="Arial"/>
-            </a:endParaRPr>
-          </a:p>
-        </p:txBody>
-      </p:sp>
-      <p:sp>
-        <p:nvSpPr>
-          <p:cNvPr id="4" name="Folded Corner 3"/>
-          <p:cNvSpPr/>
-          <p:nvPr/>
-        </p:nvSpPr>
-        <p:spPr>
-          <a:xfrm rot="10800000" flipH="1">
-            <a:off x="1750596" y="2300944"/>
-            <a:ext cx="2489200" cy="1346200"/>
-          </a:xfrm>
-          <a:prstGeom prst="foldedCorner">
-            <a:avLst>
-              <a:gd name="adj" fmla="val 34936"/>
-            </a:avLst>
-          </a:prstGeom>
-          <a:solidFill>
-            <a:schemeClr val="accent4">
-              <a:lumMod val="40000"/>
-              <a:lumOff val="60000"/>
-            </a:schemeClr>
-          </a:solidFill>
-          <a:ln>
-            <a:solidFill>
-              <a:srgbClr val="7030A0"/>
-            </a:solidFill>
-          </a:ln>
-        </p:spPr>
-        <p:style>
-          <a:lnRef idx="2">
-            <a:schemeClr val="accent1">
-              <a:shade val="50000"/>
-            </a:schemeClr>
-          </a:lnRef>
-          <a:fillRef idx="1">
-            <a:schemeClr val="accent1"/>
-          </a:fillRef>
-          <a:effectRef idx="0">
-            <a:schemeClr val="accent1"/>
-          </a:effectRef>
-          <a:fontRef idx="minor">
-            <a:schemeClr val="lt1"/>
-          </a:fontRef>
-        </p:style>
-        <p:txBody>
-          <a:bodyPr rtlCol="0" anchor="ctr"/>
-          <a:lstStyle/>
-          <a:p>
-            <a:pPr algn="ctr"/>
-            <a:endParaRPr lang="en-US" dirty="0"/>
-          </a:p>
-        </p:txBody>
-      </p:sp>
-      <p:sp>
-        <p:nvSpPr>
-          <p:cNvPr id="5" name="TextBox 4"/>
-          <p:cNvSpPr txBox="1"/>
-          <p:nvPr/>
-        </p:nvSpPr>
-        <p:spPr>
-          <a:xfrm>
-            <a:off x="2008867" y="2420045"/>
-            <a:ext cx="1877437" cy="1200329"/>
-          </a:xfrm>
-          <a:prstGeom prst="rect">
-            <a:avLst/>
-          </a:prstGeom>
-          <a:noFill/>
-        </p:spPr>
-        <p:txBody>
-          <a:bodyPr wrap="none" rtlCol="0">
-            <a:spAutoFit/>
-          </a:bodyPr>
-          <a:lstStyle/>
-          <a:p>
-            <a:r>
-              <a:rPr lang="en-US" sz="1800" b="1" dirty="0">
-                <a:solidFill>
-                  <a:srgbClr val="7030A0"/>
-                </a:solidFill>
-              </a:rPr>
-              <a:t>User-Agent: *</a:t>
-            </a:r>
-          </a:p>
-          <a:p>
-            <a:r>
-              <a:rPr lang="en-US" sz="1800" b="1" dirty="0">
-                <a:solidFill>
-                  <a:srgbClr val="7030A0"/>
-                </a:solidFill>
-              </a:rPr>
-              <a:t>Crawl-delay: 20</a:t>
-            </a:r>
-          </a:p>
-          <a:p>
-            <a:r>
-              <a:rPr lang="en-US" sz="1800" b="1" dirty="0">
-                <a:solidFill>
-                  <a:srgbClr val="7030A0"/>
-                </a:solidFill>
-              </a:rPr>
-              <a:t>Disallow: </a:t>
-            </a:r>
-          </a:p>
-          <a:p>
-            <a:r>
-              <a:rPr lang="en-US" sz="1800" b="1" dirty="0">
-                <a:solidFill>
-                  <a:srgbClr val="7030A0"/>
-                </a:solidFill>
-              </a:rPr>
-              <a:t>Allow: /</a:t>
-            </a:r>
-          </a:p>
-        </p:txBody>
-      </p:sp>
-      <p:sp>
-        <p:nvSpPr>
-          <p:cNvPr id="10" name="Folded Corner 9"/>
-          <p:cNvSpPr/>
-          <p:nvPr/>
-        </p:nvSpPr>
-        <p:spPr>
-          <a:xfrm rot="10800000" flipH="1">
-            <a:off x="5449596" y="2289343"/>
-            <a:ext cx="2489200" cy="1346200"/>
-          </a:xfrm>
-          <a:prstGeom prst="foldedCorner">
-            <a:avLst>
-              <a:gd name="adj" fmla="val 34936"/>
-            </a:avLst>
-          </a:prstGeom>
-          <a:solidFill>
-            <a:schemeClr val="accent4">
-              <a:lumMod val="40000"/>
-              <a:lumOff val="60000"/>
-            </a:schemeClr>
-          </a:solidFill>
-          <a:ln>
-            <a:solidFill>
-              <a:srgbClr val="7030A0"/>
-            </a:solidFill>
-          </a:ln>
-        </p:spPr>
-        <p:style>
-          <a:lnRef idx="2">
-            <a:schemeClr val="accent1">
-              <a:shade val="50000"/>
-            </a:schemeClr>
-          </a:lnRef>
-          <a:fillRef idx="1">
-            <a:schemeClr val="accent1"/>
-          </a:fillRef>
-          <a:effectRef idx="0">
-            <a:schemeClr val="accent1"/>
-          </a:effectRef>
-          <a:fontRef idx="minor">
-            <a:schemeClr val="lt1"/>
-          </a:fontRef>
-        </p:style>
-        <p:txBody>
-          <a:bodyPr rtlCol="0" anchor="ctr"/>
-          <a:lstStyle/>
-          <a:p>
-            <a:pPr algn="ctr"/>
-            <a:endParaRPr lang="en-US" dirty="0"/>
-          </a:p>
-        </p:txBody>
-      </p:sp>
-      <p:sp>
-        <p:nvSpPr>
-          <p:cNvPr id="11" name="TextBox 10"/>
-          <p:cNvSpPr txBox="1"/>
-          <p:nvPr/>
-        </p:nvSpPr>
-        <p:spPr>
-          <a:xfrm>
-            <a:off x="5864481" y="2558545"/>
-            <a:ext cx="1659429" cy="646331"/>
-          </a:xfrm>
-          <a:prstGeom prst="rect">
-            <a:avLst/>
-          </a:prstGeom>
-          <a:noFill/>
-        </p:spPr>
-        <p:txBody>
-          <a:bodyPr wrap="none" rtlCol="0">
-            <a:spAutoFit/>
-          </a:bodyPr>
-          <a:lstStyle/>
-          <a:p>
-            <a:r>
-              <a:rPr lang="en-US" sz="1800" b="1" dirty="0">
-                <a:solidFill>
-                  <a:srgbClr val="7030A0"/>
-                </a:solidFill>
-              </a:rPr>
-              <a:t>User-Agent: *</a:t>
-            </a:r>
-          </a:p>
-          <a:p>
-            <a:r>
-              <a:rPr lang="en-US" sz="1800" b="1" dirty="0">
-                <a:solidFill>
-                  <a:srgbClr val="7030A0"/>
-                </a:solidFill>
-              </a:rPr>
-              <a:t>Disallow: / </a:t>
-            </a:r>
-          </a:p>
-        </p:txBody>
-      </p:sp>
-      <p:cxnSp>
-        <p:nvCxnSpPr>
-          <p:cNvPr id="8" name="Straight Connector 7"/>
-          <p:cNvCxnSpPr/>
-          <p:nvPr/>
-        </p:nvCxnSpPr>
-        <p:spPr>
-          <a:xfrm>
-            <a:off x="4811296" y="1945344"/>
-            <a:ext cx="0" cy="1766400"/>
-          </a:xfrm>
-          <a:prstGeom prst="line">
-            <a:avLst/>
-          </a:prstGeom>
-          <a:ln w="28575">
-            <a:solidFill>
-              <a:srgbClr val="7030A0"/>
-            </a:solidFill>
-          </a:ln>
-        </p:spPr>
-        <p:style>
-          <a:lnRef idx="1">
-            <a:schemeClr val="accent1"/>
-          </a:lnRef>
-          <a:fillRef idx="0">
-            <a:schemeClr val="accent1"/>
-          </a:fillRef>
-          <a:effectRef idx="0">
-            <a:schemeClr val="accent1"/>
-          </a:effectRef>
-          <a:fontRef idx="minor">
-            <a:schemeClr val="tx1"/>
-          </a:fontRef>
-        </p:style>
-      </p:cxnSp>
-      <p:sp>
-        <p:nvSpPr>
-          <p:cNvPr id="15" name="TextBox 14"/>
-          <p:cNvSpPr txBox="1"/>
-          <p:nvPr/>
-        </p:nvSpPr>
-        <p:spPr>
-          <a:xfrm>
-            <a:off x="6183017" y="1767865"/>
-            <a:ext cx="1183337" cy="400110"/>
-          </a:xfrm>
-          <a:prstGeom prst="rect">
-            <a:avLst/>
-          </a:prstGeom>
-          <a:noFill/>
-        </p:spPr>
-        <p:txBody>
-          <a:bodyPr wrap="none" rtlCol="0">
-            <a:spAutoFit/>
-          </a:bodyPr>
-          <a:lstStyle/>
-          <a:p>
-            <a:r>
-              <a:rPr lang="en-US" sz="2000" b="1" dirty="0">
-                <a:solidFill>
-                  <a:srgbClr val="FF0000"/>
-                </a:solidFill>
-              </a:rPr>
-              <a:t>Blocked</a:t>
-            </a:r>
-          </a:p>
-        </p:txBody>
-      </p:sp>
-      <p:sp>
-        <p:nvSpPr>
-          <p:cNvPr id="16" name="TextBox 15"/>
-          <p:cNvSpPr txBox="1"/>
-          <p:nvPr/>
-        </p:nvSpPr>
-        <p:spPr>
-          <a:xfrm>
-            <a:off x="2457554" y="1768963"/>
-            <a:ext cx="1167307" cy="400110"/>
-          </a:xfrm>
-          <a:prstGeom prst="rect">
-            <a:avLst/>
-          </a:prstGeom>
-          <a:noFill/>
-        </p:spPr>
-        <p:txBody>
-          <a:bodyPr wrap="none" rtlCol="0">
-            <a:spAutoFit/>
-          </a:bodyPr>
-          <a:lstStyle/>
-          <a:p>
-            <a:r>
-              <a:rPr lang="en-US" sz="2000" b="1">
-                <a:solidFill>
-                  <a:schemeClr val="accent3">
-                    <a:lumMod val="75000"/>
-                  </a:schemeClr>
-                </a:solidFill>
-              </a:rPr>
-              <a:t>Allowed</a:t>
-            </a:r>
-            <a:endParaRPr lang="en-US" sz="2000" b="1" dirty="0">
-              <a:solidFill>
-                <a:schemeClr val="accent3">
-                  <a:lumMod val="75000"/>
-                </a:schemeClr>
-              </a:solidFill>
-            </a:endParaRPr>
-          </a:p>
-        </p:txBody>
-      </p:sp>
-    </p:spTree>
-    <p:extLst>
-      <p:ext uri="{BB962C8B-B14F-4D97-AF65-F5344CB8AC3E}">
-        <p14:creationId xmlns:p14="http://schemas.microsoft.com/office/powerpoint/2010/main" val="717222125"/>
-      </p:ext>
-    </p:extLst>
-  </p:cSld>
-  <p:clrMapOvr>
-    <a:masterClrMapping/>
-  </p:clrMapOvr>
-</p:sld>
-</file>
-
 <file path=ppt/slides/slide9.xml><?xml version="1.0" encoding="utf-8"?>
 <p:sld xmlns:a="http://schemas.openxmlformats.org/drawingml/2006/main" xmlns:r="http://schemas.openxmlformats.org/officeDocument/2006/relationships" xmlns:p="http://schemas.openxmlformats.org/presentationml/2006/main">
   <p:cSld>
@@ -28561,26 +31180,12 @@
           </a:bodyPr>
           <a:lstStyle/>
           <a:p>
-            <a:pPr marL="0" lvl="0" indent="0" algn="l" rtl="0">
-              <a:lnSpc>
-                <a:spcPct val="100000"/>
-              </a:lnSpc>
-              <a:spcBef>
-                <a:spcPts val="0"/>
-              </a:spcBef>
-              <a:spcAft>
-                <a:spcPts val="0"/>
-              </a:spcAft>
-              <a:buClr>
-                <a:srgbClr val="3D146F"/>
-              </a:buClr>
+            <a:pPr lvl="0">
               <a:buSzPts val="3200"/>
-              <a:buFont typeface="Arial"/>
-              <a:buNone/>
             </a:pPr>
             <a:r>
               <a:rPr lang="en-US" dirty="0"/>
-              <a:t>Web Scraping Etiquette</a:t>
+              <a:t>Web Scraping Etiquette –TOS Ex. 2 </a:t>
             </a:r>
             <a:endParaRPr dirty="0"/>
           </a:p>
@@ -28644,7 +31249,7 @@
         </p:nvSpPr>
         <p:spPr>
           <a:xfrm>
-            <a:off x="367314" y="1239818"/>
+            <a:off x="457200" y="1143000"/>
             <a:ext cx="8541000" cy="4599600"/>
           </a:xfrm>
           <a:prstGeom prst="rect">
@@ -28661,117 +31266,61 @@
           </a:bodyPr>
           <a:lstStyle/>
           <a:p>
-            <a:pPr marL="457200" indent="-457200">
-              <a:buFont typeface="+mj-lt"/>
-              <a:buAutoNum type="arabicPeriod"/>
-            </a:pPr>
-            <a:r>
-              <a:rPr lang="en-US" sz="2400" dirty="0"/>
-              <a:t>Follow the guidelines of </a:t>
-            </a:r>
-            <a:r>
-              <a:rPr lang="en-US" sz="2400" i="1" dirty="0" err="1"/>
-              <a:t>robots.txt</a:t>
-            </a:r>
-            <a:r>
-              <a:rPr lang="en-US" sz="2400" i="1" dirty="0"/>
-              <a:t> </a:t>
-            </a:r>
-            <a:r>
-              <a:rPr lang="en-US" sz="2400" dirty="0"/>
-              <a:t>and Terms of Service</a:t>
-            </a:r>
             <a:endParaRPr lang="en-US" sz="2400" i="1" dirty="0"/>
           </a:p>
           <a:p>
-            <a:pPr marL="457200" indent="-457200">
-              <a:buFont typeface="+mj-lt"/>
-              <a:buAutoNum type="arabicPeriod"/>
+            <a:pPr marL="350838" indent="-350838">
+              <a:buFont typeface="Arial" charset="0"/>
+              <a:buChar char="•"/>
             </a:pPr>
             <a:endParaRPr lang="en-US" sz="2400" i="1" dirty="0"/>
           </a:p>
           <a:p>
-            <a:pPr marL="457200" indent="-457200">
-              <a:buFont typeface="+mj-lt"/>
-              <a:buAutoNum type="arabicPeriod"/>
+            <a:pPr marL="350838" indent="-350838">
+              <a:buFont typeface="Arial" charset="0"/>
+              <a:buChar char="•"/>
             </a:pPr>
             <a:endParaRPr lang="en-US" sz="2400" i="1" dirty="0"/>
           </a:p>
           <a:p>
-            <a:pPr marL="457200" indent="-457200">
-              <a:buFont typeface="+mj-lt"/>
-              <a:buAutoNum type="arabicPeriod"/>
+            <a:pPr marL="350838" indent="-350838">
+              <a:buFont typeface="Arial" charset="0"/>
+              <a:buChar char="•"/>
             </a:pPr>
             <a:endParaRPr lang="en-US" sz="2400" i="1" dirty="0"/>
           </a:p>
           <a:p>
-            <a:pPr marL="457200" indent="-457200">
-              <a:buFont typeface="+mj-lt"/>
-              <a:buAutoNum type="arabicPeriod"/>
-            </a:pPr>
-            <a:endParaRPr lang="en-US" sz="2400" i="1" dirty="0"/>
-          </a:p>
-          <a:p>
-            <a:pPr marL="457200" indent="-457200">
-              <a:buFont typeface="+mj-lt"/>
-              <a:buAutoNum type="arabicPeriod"/>
+            <a:pPr marL="350838" indent="-350838">
+              <a:buFont typeface="Arial" charset="0"/>
+              <a:buChar char="•"/>
             </a:pPr>
             <a:endParaRPr lang="en-US" sz="2400" dirty="0"/>
           </a:p>
           <a:p>
             <a:pPr marL="350838" indent="-350838">
-              <a:buFont typeface="+mj-lt"/>
-              <a:buAutoNum type="arabicPeriod"/>
-            </a:pPr>
-            <a:endParaRPr lang="en-US" sz="1500" dirty="0"/>
-          </a:p>
-          <a:p>
-            <a:pPr marL="342900" indent="-342900">
-              <a:buFont typeface="+mj-lt"/>
-              <a:buAutoNum type="arabicPeriod"/>
-            </a:pPr>
-            <a:endParaRPr lang="en-US" sz="1500" dirty="0"/>
-          </a:p>
-          <a:p>
-            <a:pPr marL="457200" indent="-457200">
-              <a:buFont typeface="+mj-lt"/>
-              <a:buAutoNum type="arabicPeriod"/>
-            </a:pPr>
-            <a:r>
-              <a:rPr lang="en-US" sz="2400" dirty="0"/>
-              <a:t>Use your own IP address (Don’t Lie)</a:t>
-            </a:r>
-          </a:p>
-          <a:p>
-            <a:pPr marL="342900" indent="-342900">
-              <a:buFont typeface="+mj-lt"/>
-              <a:buAutoNum type="arabicPeriod"/>
-            </a:pPr>
-            <a:endParaRPr lang="en-US" sz="1500" dirty="0"/>
-          </a:p>
-          <a:p>
-            <a:pPr marL="457200" indent="-457200">
-              <a:buFont typeface="+mj-lt"/>
-              <a:buAutoNum type="arabicPeriod"/>
-            </a:pPr>
-            <a:r>
-              <a:rPr lang="en-US" sz="2400" dirty="0"/>
-              <a:t>Throttle your requests -- Sleep Times</a:t>
-            </a:r>
-          </a:p>
-          <a:p>
-            <a:pPr marL="342900" lvl="1" indent="-342900">
-              <a:buFont typeface="+mj-lt"/>
-              <a:buAutoNum type="arabicPeriod"/>
-            </a:pPr>
-            <a:endParaRPr lang="en-US" sz="1500" dirty="0"/>
-          </a:p>
-          <a:p>
-            <a:pPr lvl="2"/>
-            <a:r>
-              <a:rPr lang="en-US" sz="2400" dirty="0"/>
-              <a:t>	</a:t>
-            </a:r>
+              <a:buFont typeface="Arial" charset="0"/>
+              <a:buChar char="•"/>
+            </a:pPr>
+            <a:endParaRPr lang="en-US" sz="900" dirty="0"/>
+          </a:p>
+          <a:p>
+            <a:pPr marL="742950" marR="0" lvl="1" indent="-171450" algn="l" rtl="0">
+              <a:lnSpc>
+                <a:spcPct val="100000"/>
+              </a:lnSpc>
+              <a:spcBef>
+                <a:spcPts val="0"/>
+              </a:spcBef>
+              <a:spcAft>
+                <a:spcPts val="0"/>
+              </a:spcAft>
+              <a:buClr>
+                <a:schemeClr val="dk1"/>
+              </a:buClr>
+              <a:buSzPts val="1800"/>
+              <a:buFont typeface="Courier New"/>
+              <a:buNone/>
+            </a:pPr>
             <a:endParaRPr sz="1800" b="0" i="0" u="none" strike="noStrike" cap="none" dirty="0">
               <a:solidFill>
                 <a:schemeClr val="dk1"/>
@@ -29036,332 +31585,39 @@
           </a:p>
         </p:txBody>
       </p:sp>
-      <p:sp>
-        <p:nvSpPr>
-          <p:cNvPr id="4" name="Folded Corner 3"/>
-          <p:cNvSpPr/>
+      <p:pic>
+        <p:nvPicPr>
+          <p:cNvPr id="5" name="Picture 4" descr="A screenshot of a social media post&#10;&#10;Description automatically generated">
+            <a:extLst>
+              <a:ext uri="{FF2B5EF4-FFF2-40B4-BE49-F238E27FC236}">
+                <a16:creationId xmlns:a16="http://schemas.microsoft.com/office/drawing/2014/main" id="{EE714030-C698-E944-8D81-81E53AB84C48}"/>
+              </a:ext>
+            </a:extLst>
+          </p:cNvPr>
+          <p:cNvPicPr>
+            <a:picLocks noChangeAspect="1"/>
+          </p:cNvPicPr>
           <p:nvPr/>
-        </p:nvSpPr>
-        <p:spPr>
-          <a:xfrm rot="10800000" flipH="1">
-            <a:off x="1750596" y="2300944"/>
-            <a:ext cx="2489200" cy="1346200"/>
-          </a:xfrm>
-          <a:prstGeom prst="foldedCorner">
-            <a:avLst>
-              <a:gd name="adj" fmla="val 34936"/>
-            </a:avLst>
-          </a:prstGeom>
-          <a:solidFill>
-            <a:schemeClr val="accent4">
-              <a:lumMod val="40000"/>
-              <a:lumOff val="60000"/>
-            </a:schemeClr>
-          </a:solidFill>
-          <a:ln>
-            <a:solidFill>
-              <a:srgbClr val="7030A0"/>
-            </a:solidFill>
-          </a:ln>
-        </p:spPr>
-        <p:style>
-          <a:lnRef idx="2">
-            <a:schemeClr val="accent1">
-              <a:shade val="50000"/>
-            </a:schemeClr>
-          </a:lnRef>
-          <a:fillRef idx="1">
-            <a:schemeClr val="accent1"/>
-          </a:fillRef>
-          <a:effectRef idx="0">
-            <a:schemeClr val="accent1"/>
-          </a:effectRef>
-          <a:fontRef idx="minor">
-            <a:schemeClr val="lt1"/>
-          </a:fontRef>
-        </p:style>
-        <p:txBody>
-          <a:bodyPr rtlCol="0" anchor="ctr"/>
-          <a:lstStyle/>
-          <a:p>
-            <a:pPr algn="ctr"/>
-            <a:endParaRPr lang="en-US" dirty="0"/>
-          </a:p>
-        </p:txBody>
-      </p:sp>
-      <p:sp>
-        <p:nvSpPr>
-          <p:cNvPr id="5" name="TextBox 4"/>
-          <p:cNvSpPr txBox="1"/>
-          <p:nvPr/>
-        </p:nvSpPr>
+        </p:nvPicPr>
+        <p:blipFill rotWithShape="1">
+          <a:blip r:embed="rId3"/>
+          <a:srcRect l="3119" r="13392"/>
+          <a:stretch/>
+        </p:blipFill>
         <p:spPr>
           <a:xfrm>
-            <a:off x="2008867" y="2420045"/>
-            <a:ext cx="1877437" cy="1200329"/>
+            <a:off x="571500" y="977900"/>
+            <a:ext cx="7759700" cy="4638640"/>
           </a:xfrm>
           <a:prstGeom prst="rect">
             <a:avLst/>
           </a:prstGeom>
-          <a:noFill/>
         </p:spPr>
-        <p:txBody>
-          <a:bodyPr wrap="none" rtlCol="0">
-            <a:spAutoFit/>
-          </a:bodyPr>
-          <a:lstStyle/>
-          <a:p>
-            <a:r>
-              <a:rPr lang="en-US" sz="1800" b="1" dirty="0">
-                <a:solidFill>
-                  <a:srgbClr val="7030A0"/>
-                </a:solidFill>
-              </a:rPr>
-              <a:t>User-Agent: *</a:t>
-            </a:r>
-          </a:p>
-          <a:p>
-            <a:r>
-              <a:rPr lang="en-US" sz="1800" b="1" dirty="0">
-                <a:solidFill>
-                  <a:srgbClr val="7030A0"/>
-                </a:solidFill>
-              </a:rPr>
-              <a:t>Crawl-delay: 20</a:t>
-            </a:r>
-          </a:p>
-          <a:p>
-            <a:r>
-              <a:rPr lang="en-US" sz="1800" b="1" dirty="0">
-                <a:solidFill>
-                  <a:srgbClr val="7030A0"/>
-                </a:solidFill>
-              </a:rPr>
-              <a:t>Disallow: </a:t>
-            </a:r>
-          </a:p>
-          <a:p>
-            <a:r>
-              <a:rPr lang="en-US" sz="1800" b="1" dirty="0">
-                <a:solidFill>
-                  <a:srgbClr val="7030A0"/>
-                </a:solidFill>
-              </a:rPr>
-              <a:t>Allow: /</a:t>
-            </a:r>
-          </a:p>
-        </p:txBody>
-      </p:sp>
-      <p:sp>
-        <p:nvSpPr>
-          <p:cNvPr id="10" name="Folded Corner 9"/>
-          <p:cNvSpPr/>
-          <p:nvPr/>
-        </p:nvSpPr>
-        <p:spPr>
-          <a:xfrm rot="10800000" flipH="1">
-            <a:off x="5449596" y="2289343"/>
-            <a:ext cx="2489200" cy="1346200"/>
-          </a:xfrm>
-          <a:prstGeom prst="foldedCorner">
-            <a:avLst>
-              <a:gd name="adj" fmla="val 34936"/>
-            </a:avLst>
-          </a:prstGeom>
-          <a:solidFill>
-            <a:schemeClr val="accent4">
-              <a:lumMod val="40000"/>
-              <a:lumOff val="60000"/>
-            </a:schemeClr>
-          </a:solidFill>
-          <a:ln>
-            <a:solidFill>
-              <a:srgbClr val="7030A0"/>
-            </a:solidFill>
-          </a:ln>
-        </p:spPr>
-        <p:style>
-          <a:lnRef idx="2">
-            <a:schemeClr val="accent1">
-              <a:shade val="50000"/>
-            </a:schemeClr>
-          </a:lnRef>
-          <a:fillRef idx="1">
-            <a:schemeClr val="accent1"/>
-          </a:fillRef>
-          <a:effectRef idx="0">
-            <a:schemeClr val="accent1"/>
-          </a:effectRef>
-          <a:fontRef idx="minor">
-            <a:schemeClr val="lt1"/>
-          </a:fontRef>
-        </p:style>
-        <p:txBody>
-          <a:bodyPr rtlCol="0" anchor="ctr"/>
-          <a:lstStyle/>
-          <a:p>
-            <a:pPr algn="ctr"/>
-            <a:endParaRPr lang="en-US" dirty="0"/>
-          </a:p>
-        </p:txBody>
-      </p:sp>
-      <p:sp>
-        <p:nvSpPr>
-          <p:cNvPr id="11" name="TextBox 10"/>
-          <p:cNvSpPr txBox="1"/>
-          <p:nvPr/>
-        </p:nvSpPr>
-        <p:spPr>
-          <a:xfrm>
-            <a:off x="5864481" y="2558545"/>
-            <a:ext cx="1659429" cy="646331"/>
-          </a:xfrm>
-          <a:prstGeom prst="rect">
-            <a:avLst/>
-          </a:prstGeom>
-          <a:noFill/>
-        </p:spPr>
-        <p:txBody>
-          <a:bodyPr wrap="none" rtlCol="0">
-            <a:spAutoFit/>
-          </a:bodyPr>
-          <a:lstStyle/>
-          <a:p>
-            <a:r>
-              <a:rPr lang="en-US" sz="1800" b="1" dirty="0">
-                <a:solidFill>
-                  <a:srgbClr val="7030A0"/>
-                </a:solidFill>
-              </a:rPr>
-              <a:t>User-Agent: *</a:t>
-            </a:r>
-          </a:p>
-          <a:p>
-            <a:r>
-              <a:rPr lang="en-US" sz="1800" b="1" dirty="0">
-                <a:solidFill>
-                  <a:srgbClr val="7030A0"/>
-                </a:solidFill>
-              </a:rPr>
-              <a:t>Disallow: / </a:t>
-            </a:r>
-          </a:p>
-        </p:txBody>
-      </p:sp>
-      <p:cxnSp>
-        <p:nvCxnSpPr>
-          <p:cNvPr id="8" name="Straight Connector 7"/>
-          <p:cNvCxnSpPr/>
-          <p:nvPr/>
-        </p:nvCxnSpPr>
-        <p:spPr>
-          <a:xfrm>
-            <a:off x="4811296" y="1945344"/>
-            <a:ext cx="0" cy="1766400"/>
-          </a:xfrm>
-          <a:prstGeom prst="line">
-            <a:avLst/>
-          </a:prstGeom>
-          <a:ln w="28575">
-            <a:solidFill>
-              <a:srgbClr val="7030A0"/>
-            </a:solidFill>
-          </a:ln>
-        </p:spPr>
-        <p:style>
-          <a:lnRef idx="1">
-            <a:schemeClr val="accent1"/>
-          </a:lnRef>
-          <a:fillRef idx="0">
-            <a:schemeClr val="accent1"/>
-          </a:fillRef>
-          <a:effectRef idx="0">
-            <a:schemeClr val="accent1"/>
-          </a:effectRef>
-          <a:fontRef idx="minor">
-            <a:schemeClr val="tx1"/>
-          </a:fontRef>
-        </p:style>
-      </p:cxnSp>
-      <p:sp>
-        <p:nvSpPr>
-          <p:cNvPr id="15" name="TextBox 14"/>
-          <p:cNvSpPr txBox="1"/>
-          <p:nvPr/>
-        </p:nvSpPr>
-        <p:spPr>
-          <a:xfrm>
-            <a:off x="6183017" y="1767865"/>
-            <a:ext cx="1183337" cy="400110"/>
-          </a:xfrm>
-          <a:prstGeom prst="rect">
-            <a:avLst/>
-          </a:prstGeom>
-          <a:noFill/>
-        </p:spPr>
-        <p:txBody>
-          <a:bodyPr wrap="none" rtlCol="0">
-            <a:spAutoFit/>
-          </a:bodyPr>
-          <a:lstStyle/>
-          <a:p>
-            <a:r>
-              <a:rPr lang="en-US" sz="2000" b="1" dirty="0">
-                <a:solidFill>
-                  <a:srgbClr val="FF0000"/>
-                </a:solidFill>
-              </a:rPr>
-              <a:t>Blocked</a:t>
-            </a:r>
-          </a:p>
-        </p:txBody>
-      </p:sp>
-      <p:sp>
-        <p:nvSpPr>
-          <p:cNvPr id="16" name="TextBox 15"/>
-          <p:cNvSpPr txBox="1"/>
-          <p:nvPr/>
-        </p:nvSpPr>
-        <p:spPr>
-          <a:xfrm>
-            <a:off x="2457554" y="1768963"/>
-            <a:ext cx="1167307" cy="400110"/>
-          </a:xfrm>
-          <a:prstGeom prst="rect">
-            <a:avLst/>
-          </a:prstGeom>
-          <a:noFill/>
-        </p:spPr>
-        <p:txBody>
-          <a:bodyPr wrap="none" rtlCol="0">
-            <a:spAutoFit/>
-          </a:bodyPr>
-          <a:lstStyle/>
-          <a:p>
-            <a:r>
-              <a:rPr lang="en-US" sz="2000" b="1">
-                <a:solidFill>
-                  <a:schemeClr val="accent3">
-                    <a:lumMod val="75000"/>
-                  </a:schemeClr>
-                </a:solidFill>
-              </a:rPr>
-              <a:t>Allowed</a:t>
-            </a:r>
-            <a:endParaRPr lang="en-US" sz="2000" b="1" dirty="0">
-              <a:solidFill>
-                <a:schemeClr val="accent3">
-                  <a:lumMod val="75000"/>
-                </a:schemeClr>
-              </a:solidFill>
-            </a:endParaRPr>
-          </a:p>
-        </p:txBody>
-      </p:sp>
+      </p:pic>
     </p:spTree>
     <p:extLst>
       <p:ext uri="{BB962C8B-B14F-4D97-AF65-F5344CB8AC3E}">
-        <p14:creationId xmlns:p14="http://schemas.microsoft.com/office/powerpoint/2010/main" val="2819797563"/>
+        <p14:creationId xmlns:p14="http://schemas.microsoft.com/office/powerpoint/2010/main" val="1878781209"/>
       </p:ext>
     </p:extLst>
   </p:cSld>
